--- a/powerpoint files/Session3.pptx
+++ b/powerpoint files/Session3.pptx
@@ -24,7 +24,6 @@
     <p:sldId id="268" r:id="rId19"/>
     <p:sldId id="269" r:id="rId20"/>
     <p:sldId id="270" r:id="rId21"/>
-    <p:sldId id="271" r:id="rId22"/>
   </p:sldIdLst>
   <p:sldSz cx="9144000" cy="6858000"/>
   <p:notesSz cx="7559675" cy="10691812"/>
@@ -94,10 +93,8 @@
             <a:noAutofit/>
           </a:bodyPr>
           <a:p>
-            <a:endParaRPr b="0" lang="en-US" sz="1800" spc="-1" strike="noStrike">
-              <a:solidFill>
-                <a:srgbClr val="000000"/>
-              </a:solidFill>
+            <a:pPr algn="ctr"/>
+            <a:endParaRPr b="0" lang="en-GB" sz="4400" spc="-1" strike="noStrike">
               <a:latin typeface="Arial"/>
             </a:endParaRPr>
           </a:p>
@@ -127,10 +124,7 @@
             <a:normAutofit/>
           </a:bodyPr>
           <a:p>
-            <a:endParaRPr b="0" lang="en-US" sz="2800" spc="-1" strike="noStrike">
-              <a:solidFill>
-                <a:srgbClr val="000000"/>
-              </a:solidFill>
+            <a:endParaRPr b="0" lang="en-GB" sz="3200" spc="-1" strike="noStrike">
               <a:latin typeface="Arial"/>
             </a:endParaRPr>
           </a:p>
@@ -160,10 +154,7 @@
             <a:normAutofit/>
           </a:bodyPr>
           <a:p>
-            <a:endParaRPr b="0" lang="en-US" sz="2800" spc="-1" strike="noStrike">
-              <a:solidFill>
-                <a:srgbClr val="000000"/>
-              </a:solidFill>
+            <a:endParaRPr b="0" lang="en-GB" sz="3200" spc="-1" strike="noStrike">
               <a:latin typeface="Arial"/>
             </a:endParaRPr>
           </a:p>
@@ -215,10 +206,8 @@
             <a:noAutofit/>
           </a:bodyPr>
           <a:p>
-            <a:endParaRPr b="0" lang="en-US" sz="1800" spc="-1" strike="noStrike">
-              <a:solidFill>
-                <a:srgbClr val="000000"/>
-              </a:solidFill>
+            <a:pPr algn="ctr"/>
+            <a:endParaRPr b="0" lang="en-GB" sz="4400" spc="-1" strike="noStrike">
               <a:latin typeface="Arial"/>
             </a:endParaRPr>
           </a:p>
@@ -248,10 +237,7 @@
             <a:normAutofit/>
           </a:bodyPr>
           <a:p>
-            <a:endParaRPr b="0" lang="en-US" sz="2800" spc="-1" strike="noStrike">
-              <a:solidFill>
-                <a:srgbClr val="000000"/>
-              </a:solidFill>
+            <a:endParaRPr b="0" lang="en-GB" sz="3200" spc="-1" strike="noStrike">
               <a:latin typeface="Arial"/>
             </a:endParaRPr>
           </a:p>
@@ -281,10 +267,7 @@
             <a:normAutofit/>
           </a:bodyPr>
           <a:p>
-            <a:endParaRPr b="0" lang="en-US" sz="2800" spc="-1" strike="noStrike">
-              <a:solidFill>
-                <a:srgbClr val="000000"/>
-              </a:solidFill>
+            <a:endParaRPr b="0" lang="en-GB" sz="3200" spc="-1" strike="noStrike">
               <a:latin typeface="Arial"/>
             </a:endParaRPr>
           </a:p>
@@ -314,10 +297,7 @@
             <a:normAutofit/>
           </a:bodyPr>
           <a:p>
-            <a:endParaRPr b="0" lang="en-US" sz="2800" spc="-1" strike="noStrike">
-              <a:solidFill>
-                <a:srgbClr val="000000"/>
-              </a:solidFill>
+            <a:endParaRPr b="0" lang="en-GB" sz="3200" spc="-1" strike="noStrike">
               <a:latin typeface="Arial"/>
             </a:endParaRPr>
           </a:p>
@@ -347,10 +327,7 @@
             <a:normAutofit/>
           </a:bodyPr>
           <a:p>
-            <a:endParaRPr b="0" lang="en-US" sz="2800" spc="-1" strike="noStrike">
-              <a:solidFill>
-                <a:srgbClr val="000000"/>
-              </a:solidFill>
+            <a:endParaRPr b="0" lang="en-GB" sz="3200" spc="-1" strike="noStrike">
               <a:latin typeface="Arial"/>
             </a:endParaRPr>
           </a:p>
@@ -402,10 +379,8 @@
             <a:noAutofit/>
           </a:bodyPr>
           <a:p>
-            <a:endParaRPr b="0" lang="en-US" sz="1800" spc="-1" strike="noStrike">
-              <a:solidFill>
-                <a:srgbClr val="000000"/>
-              </a:solidFill>
+            <a:pPr algn="ctr"/>
+            <a:endParaRPr b="0" lang="en-GB" sz="4400" spc="-1" strike="noStrike">
               <a:latin typeface="Arial"/>
             </a:endParaRPr>
           </a:p>
@@ -435,10 +410,7 @@
             <a:normAutofit/>
           </a:bodyPr>
           <a:p>
-            <a:endParaRPr b="0" lang="en-US" sz="2800" spc="-1" strike="noStrike">
-              <a:solidFill>
-                <a:srgbClr val="000000"/>
-              </a:solidFill>
+            <a:endParaRPr b="0" lang="en-GB" sz="3200" spc="-1" strike="noStrike">
               <a:latin typeface="Arial"/>
             </a:endParaRPr>
           </a:p>
@@ -468,10 +440,7 @@
             <a:normAutofit/>
           </a:bodyPr>
           <a:p>
-            <a:endParaRPr b="0" lang="en-US" sz="2800" spc="-1" strike="noStrike">
-              <a:solidFill>
-                <a:srgbClr val="000000"/>
-              </a:solidFill>
+            <a:endParaRPr b="0" lang="en-GB" sz="3200" spc="-1" strike="noStrike">
               <a:latin typeface="Arial"/>
             </a:endParaRPr>
           </a:p>
@@ -501,10 +470,7 @@
             <a:normAutofit/>
           </a:bodyPr>
           <a:p>
-            <a:endParaRPr b="0" lang="en-US" sz="2800" spc="-1" strike="noStrike">
-              <a:solidFill>
-                <a:srgbClr val="000000"/>
-              </a:solidFill>
+            <a:endParaRPr b="0" lang="en-GB" sz="3200" spc="-1" strike="noStrike">
               <a:latin typeface="Arial"/>
             </a:endParaRPr>
           </a:p>
@@ -534,10 +500,7 @@
             <a:normAutofit/>
           </a:bodyPr>
           <a:p>
-            <a:endParaRPr b="0" lang="en-US" sz="2800" spc="-1" strike="noStrike">
-              <a:solidFill>
-                <a:srgbClr val="000000"/>
-              </a:solidFill>
+            <a:endParaRPr b="0" lang="en-GB" sz="3200" spc="-1" strike="noStrike">
               <a:latin typeface="Arial"/>
             </a:endParaRPr>
           </a:p>
@@ -567,10 +530,7 @@
             <a:normAutofit/>
           </a:bodyPr>
           <a:p>
-            <a:endParaRPr b="0" lang="en-US" sz="2800" spc="-1" strike="noStrike">
-              <a:solidFill>
-                <a:srgbClr val="000000"/>
-              </a:solidFill>
+            <a:endParaRPr b="0" lang="en-GB" sz="3200" spc="-1" strike="noStrike">
               <a:latin typeface="Arial"/>
             </a:endParaRPr>
           </a:p>
@@ -600,10 +560,7 @@
             <a:normAutofit/>
           </a:bodyPr>
           <a:p>
-            <a:endParaRPr b="0" lang="en-US" sz="2800" spc="-1" strike="noStrike">
-              <a:solidFill>
-                <a:srgbClr val="000000"/>
-              </a:solidFill>
+            <a:endParaRPr b="0" lang="en-GB" sz="3200" spc="-1" strike="noStrike">
               <a:latin typeface="Arial"/>
             </a:endParaRPr>
           </a:p>
@@ -677,10 +634,8 @@
             <a:noAutofit/>
           </a:bodyPr>
           <a:p>
-            <a:endParaRPr b="0" lang="en-US" sz="1800" spc="-1" strike="noStrike">
-              <a:solidFill>
-                <a:srgbClr val="000000"/>
-              </a:solidFill>
+            <a:pPr algn="ctr"/>
+            <a:endParaRPr b="0" lang="en-GB" sz="4400" spc="-1" strike="noStrike">
               <a:latin typeface="Arial"/>
             </a:endParaRPr>
           </a:p>
@@ -763,10 +718,8 @@
             <a:noAutofit/>
           </a:bodyPr>
           <a:p>
-            <a:endParaRPr b="0" lang="en-US" sz="1800" spc="-1" strike="noStrike">
-              <a:solidFill>
-                <a:srgbClr val="000000"/>
-              </a:solidFill>
+            <a:pPr algn="ctr"/>
+            <a:endParaRPr b="0" lang="en-GB" sz="4400" spc="-1" strike="noStrike">
               <a:latin typeface="Arial"/>
             </a:endParaRPr>
           </a:p>
@@ -796,10 +749,7 @@
             <a:normAutofit/>
           </a:bodyPr>
           <a:p>
-            <a:endParaRPr b="0" lang="en-US" sz="2800" spc="-1" strike="noStrike">
-              <a:solidFill>
-                <a:srgbClr val="000000"/>
-              </a:solidFill>
+            <a:endParaRPr b="0" lang="en-GB" sz="3200" spc="-1" strike="noStrike">
               <a:latin typeface="Arial"/>
             </a:endParaRPr>
           </a:p>
@@ -851,10 +801,8 @@
             <a:noAutofit/>
           </a:bodyPr>
           <a:p>
-            <a:endParaRPr b="0" lang="en-US" sz="1800" spc="-1" strike="noStrike">
-              <a:solidFill>
-                <a:srgbClr val="000000"/>
-              </a:solidFill>
+            <a:pPr algn="ctr"/>
+            <a:endParaRPr b="0" lang="en-GB" sz="4400" spc="-1" strike="noStrike">
               <a:latin typeface="Arial"/>
             </a:endParaRPr>
           </a:p>
@@ -884,10 +832,7 @@
             <a:normAutofit/>
           </a:bodyPr>
           <a:p>
-            <a:endParaRPr b="0" lang="en-US" sz="2800" spc="-1" strike="noStrike">
-              <a:solidFill>
-                <a:srgbClr val="000000"/>
-              </a:solidFill>
+            <a:endParaRPr b="0" lang="en-GB" sz="3200" spc="-1" strike="noStrike">
               <a:latin typeface="Arial"/>
             </a:endParaRPr>
           </a:p>
@@ -917,10 +862,7 @@
             <a:normAutofit/>
           </a:bodyPr>
           <a:p>
-            <a:endParaRPr b="0" lang="en-US" sz="2800" spc="-1" strike="noStrike">
-              <a:solidFill>
-                <a:srgbClr val="000000"/>
-              </a:solidFill>
+            <a:endParaRPr b="0" lang="en-GB" sz="3200" spc="-1" strike="noStrike">
               <a:latin typeface="Arial"/>
             </a:endParaRPr>
           </a:p>
@@ -972,10 +914,8 @@
             <a:noAutofit/>
           </a:bodyPr>
           <a:p>
-            <a:endParaRPr b="0" lang="en-US" sz="1800" spc="-1" strike="noStrike">
-              <a:solidFill>
-                <a:srgbClr val="000000"/>
-              </a:solidFill>
+            <a:pPr algn="ctr"/>
+            <a:endParaRPr b="0" lang="en-GB" sz="4400" spc="-1" strike="noStrike">
               <a:latin typeface="Arial"/>
             </a:endParaRPr>
           </a:p>
@@ -1080,10 +1020,8 @@
             <a:noAutofit/>
           </a:bodyPr>
           <a:p>
-            <a:endParaRPr b="0" lang="en-US" sz="1800" spc="-1" strike="noStrike">
-              <a:solidFill>
-                <a:srgbClr val="000000"/>
-              </a:solidFill>
+            <a:pPr algn="ctr"/>
+            <a:endParaRPr b="0" lang="en-GB" sz="4400" spc="-1" strike="noStrike">
               <a:latin typeface="Arial"/>
             </a:endParaRPr>
           </a:p>
@@ -1113,10 +1051,7 @@
             <a:normAutofit/>
           </a:bodyPr>
           <a:p>
-            <a:endParaRPr b="0" lang="en-US" sz="2800" spc="-1" strike="noStrike">
-              <a:solidFill>
-                <a:srgbClr val="000000"/>
-              </a:solidFill>
+            <a:endParaRPr b="0" lang="en-GB" sz="3200" spc="-1" strike="noStrike">
               <a:latin typeface="Arial"/>
             </a:endParaRPr>
           </a:p>
@@ -1146,10 +1081,7 @@
             <a:normAutofit/>
           </a:bodyPr>
           <a:p>
-            <a:endParaRPr b="0" lang="en-US" sz="2800" spc="-1" strike="noStrike">
-              <a:solidFill>
-                <a:srgbClr val="000000"/>
-              </a:solidFill>
+            <a:endParaRPr b="0" lang="en-GB" sz="3200" spc="-1" strike="noStrike">
               <a:latin typeface="Arial"/>
             </a:endParaRPr>
           </a:p>
@@ -1179,10 +1111,7 @@
             <a:normAutofit/>
           </a:bodyPr>
           <a:p>
-            <a:endParaRPr b="0" lang="en-US" sz="2800" spc="-1" strike="noStrike">
-              <a:solidFill>
-                <a:srgbClr val="000000"/>
-              </a:solidFill>
+            <a:endParaRPr b="0" lang="en-GB" sz="3200" spc="-1" strike="noStrike">
               <a:latin typeface="Arial"/>
             </a:endParaRPr>
           </a:p>
@@ -1234,10 +1163,8 @@
             <a:noAutofit/>
           </a:bodyPr>
           <a:p>
-            <a:endParaRPr b="0" lang="en-US" sz="1800" spc="-1" strike="noStrike">
-              <a:solidFill>
-                <a:srgbClr val="000000"/>
-              </a:solidFill>
+            <a:pPr algn="ctr"/>
+            <a:endParaRPr b="0" lang="en-GB" sz="4400" spc="-1" strike="noStrike">
               <a:latin typeface="Arial"/>
             </a:endParaRPr>
           </a:p>
@@ -1320,10 +1247,8 @@
             <a:noAutofit/>
           </a:bodyPr>
           <a:p>
-            <a:endParaRPr b="0" lang="en-US" sz="1800" spc="-1" strike="noStrike">
-              <a:solidFill>
-                <a:srgbClr val="000000"/>
-              </a:solidFill>
+            <a:pPr algn="ctr"/>
+            <a:endParaRPr b="0" lang="en-GB" sz="4400" spc="-1" strike="noStrike">
               <a:latin typeface="Arial"/>
             </a:endParaRPr>
           </a:p>
@@ -1353,10 +1278,7 @@
             <a:normAutofit/>
           </a:bodyPr>
           <a:p>
-            <a:endParaRPr b="0" lang="en-US" sz="2800" spc="-1" strike="noStrike">
-              <a:solidFill>
-                <a:srgbClr val="000000"/>
-              </a:solidFill>
+            <a:endParaRPr b="0" lang="en-GB" sz="3200" spc="-1" strike="noStrike">
               <a:latin typeface="Arial"/>
             </a:endParaRPr>
           </a:p>
@@ -1386,10 +1308,7 @@
             <a:normAutofit/>
           </a:bodyPr>
           <a:p>
-            <a:endParaRPr b="0" lang="en-US" sz="2800" spc="-1" strike="noStrike">
-              <a:solidFill>
-                <a:srgbClr val="000000"/>
-              </a:solidFill>
+            <a:endParaRPr b="0" lang="en-GB" sz="3200" spc="-1" strike="noStrike">
               <a:latin typeface="Arial"/>
             </a:endParaRPr>
           </a:p>
@@ -1419,10 +1338,7 @@
             <a:normAutofit/>
           </a:bodyPr>
           <a:p>
-            <a:endParaRPr b="0" lang="en-US" sz="2800" spc="-1" strike="noStrike">
-              <a:solidFill>
-                <a:srgbClr val="000000"/>
-              </a:solidFill>
+            <a:endParaRPr b="0" lang="en-GB" sz="3200" spc="-1" strike="noStrike">
               <a:latin typeface="Arial"/>
             </a:endParaRPr>
           </a:p>
@@ -1474,10 +1390,8 @@
             <a:noAutofit/>
           </a:bodyPr>
           <a:p>
-            <a:endParaRPr b="0" lang="en-US" sz="1800" spc="-1" strike="noStrike">
-              <a:solidFill>
-                <a:srgbClr val="000000"/>
-              </a:solidFill>
+            <a:pPr algn="ctr"/>
+            <a:endParaRPr b="0" lang="en-GB" sz="4400" spc="-1" strike="noStrike">
               <a:latin typeface="Arial"/>
             </a:endParaRPr>
           </a:p>
@@ -1507,10 +1421,7 @@
             <a:normAutofit/>
           </a:bodyPr>
           <a:p>
-            <a:endParaRPr b="0" lang="en-US" sz="2800" spc="-1" strike="noStrike">
-              <a:solidFill>
-                <a:srgbClr val="000000"/>
-              </a:solidFill>
+            <a:endParaRPr b="0" lang="en-GB" sz="3200" spc="-1" strike="noStrike">
               <a:latin typeface="Arial"/>
             </a:endParaRPr>
           </a:p>
@@ -1540,10 +1451,7 @@
             <a:normAutofit/>
           </a:bodyPr>
           <a:p>
-            <a:endParaRPr b="0" lang="en-US" sz="2800" spc="-1" strike="noStrike">
-              <a:solidFill>
-                <a:srgbClr val="000000"/>
-              </a:solidFill>
+            <a:endParaRPr b="0" lang="en-GB" sz="3200" spc="-1" strike="noStrike">
               <a:latin typeface="Arial"/>
             </a:endParaRPr>
           </a:p>
@@ -1573,10 +1481,7 @@
             <a:normAutofit/>
           </a:bodyPr>
           <a:p>
-            <a:endParaRPr b="0" lang="en-US" sz="2800" spc="-1" strike="noStrike">
-              <a:solidFill>
-                <a:srgbClr val="000000"/>
-              </a:solidFill>
+            <a:endParaRPr b="0" lang="en-GB" sz="3200" spc="-1" strike="noStrike">
               <a:latin typeface="Arial"/>
             </a:endParaRPr>
           </a:p>
@@ -1628,10 +1533,8 @@
             <a:noAutofit/>
           </a:bodyPr>
           <a:p>
-            <a:endParaRPr b="0" lang="en-US" sz="1800" spc="-1" strike="noStrike">
-              <a:solidFill>
-                <a:srgbClr val="000000"/>
-              </a:solidFill>
+            <a:pPr algn="ctr"/>
+            <a:endParaRPr b="0" lang="en-GB" sz="4400" spc="-1" strike="noStrike">
               <a:latin typeface="Arial"/>
             </a:endParaRPr>
           </a:p>
@@ -1661,10 +1564,7 @@
             <a:normAutofit/>
           </a:bodyPr>
           <a:p>
-            <a:endParaRPr b="0" lang="en-US" sz="2800" spc="-1" strike="noStrike">
-              <a:solidFill>
-                <a:srgbClr val="000000"/>
-              </a:solidFill>
+            <a:endParaRPr b="0" lang="en-GB" sz="3200" spc="-1" strike="noStrike">
               <a:latin typeface="Arial"/>
             </a:endParaRPr>
           </a:p>
@@ -1694,10 +1594,7 @@
             <a:normAutofit/>
           </a:bodyPr>
           <a:p>
-            <a:endParaRPr b="0" lang="en-US" sz="2800" spc="-1" strike="noStrike">
-              <a:solidFill>
-                <a:srgbClr val="000000"/>
-              </a:solidFill>
+            <a:endParaRPr b="0" lang="en-GB" sz="3200" spc="-1" strike="noStrike">
               <a:latin typeface="Arial"/>
             </a:endParaRPr>
           </a:p>
@@ -1749,10 +1646,8 @@
             <a:noAutofit/>
           </a:bodyPr>
           <a:p>
-            <a:endParaRPr b="0" lang="en-US" sz="1800" spc="-1" strike="noStrike">
-              <a:solidFill>
-                <a:srgbClr val="000000"/>
-              </a:solidFill>
+            <a:pPr algn="ctr"/>
+            <a:endParaRPr b="0" lang="en-GB" sz="4400" spc="-1" strike="noStrike">
               <a:latin typeface="Arial"/>
             </a:endParaRPr>
           </a:p>
@@ -1782,10 +1677,7 @@
             <a:normAutofit/>
           </a:bodyPr>
           <a:p>
-            <a:endParaRPr b="0" lang="en-US" sz="2800" spc="-1" strike="noStrike">
-              <a:solidFill>
-                <a:srgbClr val="000000"/>
-              </a:solidFill>
+            <a:endParaRPr b="0" lang="en-GB" sz="3200" spc="-1" strike="noStrike">
               <a:latin typeface="Arial"/>
             </a:endParaRPr>
           </a:p>
@@ -1815,10 +1707,7 @@
             <a:normAutofit/>
           </a:bodyPr>
           <a:p>
-            <a:endParaRPr b="0" lang="en-US" sz="2800" spc="-1" strike="noStrike">
-              <a:solidFill>
-                <a:srgbClr val="000000"/>
-              </a:solidFill>
+            <a:endParaRPr b="0" lang="en-GB" sz="3200" spc="-1" strike="noStrike">
               <a:latin typeface="Arial"/>
             </a:endParaRPr>
           </a:p>
@@ -1848,10 +1737,7 @@
             <a:normAutofit/>
           </a:bodyPr>
           <a:p>
-            <a:endParaRPr b="0" lang="en-US" sz="2800" spc="-1" strike="noStrike">
-              <a:solidFill>
-                <a:srgbClr val="000000"/>
-              </a:solidFill>
+            <a:endParaRPr b="0" lang="en-GB" sz="3200" spc="-1" strike="noStrike">
               <a:latin typeface="Arial"/>
             </a:endParaRPr>
           </a:p>
@@ -1881,10 +1767,7 @@
             <a:normAutofit/>
           </a:bodyPr>
           <a:p>
-            <a:endParaRPr b="0" lang="en-US" sz="2800" spc="-1" strike="noStrike">
-              <a:solidFill>
-                <a:srgbClr val="000000"/>
-              </a:solidFill>
+            <a:endParaRPr b="0" lang="en-GB" sz="3200" spc="-1" strike="noStrike">
               <a:latin typeface="Arial"/>
             </a:endParaRPr>
           </a:p>
@@ -1936,10 +1819,8 @@
             <a:noAutofit/>
           </a:bodyPr>
           <a:p>
-            <a:endParaRPr b="0" lang="en-US" sz="1800" spc="-1" strike="noStrike">
-              <a:solidFill>
-                <a:srgbClr val="000000"/>
-              </a:solidFill>
+            <a:pPr algn="ctr"/>
+            <a:endParaRPr b="0" lang="en-GB" sz="4400" spc="-1" strike="noStrike">
               <a:latin typeface="Arial"/>
             </a:endParaRPr>
           </a:p>
@@ -1969,10 +1850,7 @@
             <a:normAutofit/>
           </a:bodyPr>
           <a:p>
-            <a:endParaRPr b="0" lang="en-US" sz="2800" spc="-1" strike="noStrike">
-              <a:solidFill>
-                <a:srgbClr val="000000"/>
-              </a:solidFill>
+            <a:endParaRPr b="0" lang="en-GB" sz="3200" spc="-1" strike="noStrike">
               <a:latin typeface="Arial"/>
             </a:endParaRPr>
           </a:p>
@@ -2002,10 +1880,7 @@
             <a:normAutofit/>
           </a:bodyPr>
           <a:p>
-            <a:endParaRPr b="0" lang="en-US" sz="2800" spc="-1" strike="noStrike">
-              <a:solidFill>
-                <a:srgbClr val="000000"/>
-              </a:solidFill>
+            <a:endParaRPr b="0" lang="en-GB" sz="3200" spc="-1" strike="noStrike">
               <a:latin typeface="Arial"/>
             </a:endParaRPr>
           </a:p>
@@ -2035,10 +1910,7 @@
             <a:normAutofit/>
           </a:bodyPr>
           <a:p>
-            <a:endParaRPr b="0" lang="en-US" sz="2800" spc="-1" strike="noStrike">
-              <a:solidFill>
-                <a:srgbClr val="000000"/>
-              </a:solidFill>
+            <a:endParaRPr b="0" lang="en-GB" sz="3200" spc="-1" strike="noStrike">
               <a:latin typeface="Arial"/>
             </a:endParaRPr>
           </a:p>
@@ -2068,10 +1940,7 @@
             <a:normAutofit/>
           </a:bodyPr>
           <a:p>
-            <a:endParaRPr b="0" lang="en-US" sz="2800" spc="-1" strike="noStrike">
-              <a:solidFill>
-                <a:srgbClr val="000000"/>
-              </a:solidFill>
+            <a:endParaRPr b="0" lang="en-GB" sz="3200" spc="-1" strike="noStrike">
               <a:latin typeface="Arial"/>
             </a:endParaRPr>
           </a:p>
@@ -2101,10 +1970,7 @@
             <a:normAutofit/>
           </a:bodyPr>
           <a:p>
-            <a:endParaRPr b="0" lang="en-US" sz="2800" spc="-1" strike="noStrike">
-              <a:solidFill>
-                <a:srgbClr val="000000"/>
-              </a:solidFill>
+            <a:endParaRPr b="0" lang="en-GB" sz="3200" spc="-1" strike="noStrike">
               <a:latin typeface="Arial"/>
             </a:endParaRPr>
           </a:p>
@@ -2134,10 +2000,7 @@
             <a:normAutofit/>
           </a:bodyPr>
           <a:p>
-            <a:endParaRPr b="0" lang="en-US" sz="2800" spc="-1" strike="noStrike">
-              <a:solidFill>
-                <a:srgbClr val="000000"/>
-              </a:solidFill>
+            <a:endParaRPr b="0" lang="en-GB" sz="3200" spc="-1" strike="noStrike">
               <a:latin typeface="Arial"/>
             </a:endParaRPr>
           </a:p>
@@ -2211,10 +2074,8 @@
             <a:noAutofit/>
           </a:bodyPr>
           <a:p>
-            <a:endParaRPr b="0" lang="en-US" sz="1800" spc="-1" strike="noStrike">
-              <a:solidFill>
-                <a:srgbClr val="000000"/>
-              </a:solidFill>
+            <a:pPr algn="ctr"/>
+            <a:endParaRPr b="0" lang="en-GB" sz="4400" spc="-1" strike="noStrike">
               <a:latin typeface="Arial"/>
             </a:endParaRPr>
           </a:p>
@@ -2297,10 +2158,8 @@
             <a:noAutofit/>
           </a:bodyPr>
           <a:p>
-            <a:endParaRPr b="0" lang="en-US" sz="1800" spc="-1" strike="noStrike">
-              <a:solidFill>
-                <a:srgbClr val="000000"/>
-              </a:solidFill>
+            <a:pPr algn="ctr"/>
+            <a:endParaRPr b="0" lang="en-GB" sz="4400" spc="-1" strike="noStrike">
               <a:latin typeface="Arial"/>
             </a:endParaRPr>
           </a:p>
@@ -2330,10 +2189,7 @@
             <a:normAutofit/>
           </a:bodyPr>
           <a:p>
-            <a:endParaRPr b="0" lang="en-US" sz="2800" spc="-1" strike="noStrike">
-              <a:solidFill>
-                <a:srgbClr val="000000"/>
-              </a:solidFill>
+            <a:endParaRPr b="0" lang="en-GB" sz="3200" spc="-1" strike="noStrike">
               <a:latin typeface="Arial"/>
             </a:endParaRPr>
           </a:p>
@@ -2385,10 +2241,8 @@
             <a:noAutofit/>
           </a:bodyPr>
           <a:p>
-            <a:endParaRPr b="0" lang="en-US" sz="1800" spc="-1" strike="noStrike">
-              <a:solidFill>
-                <a:srgbClr val="000000"/>
-              </a:solidFill>
+            <a:pPr algn="ctr"/>
+            <a:endParaRPr b="0" lang="en-GB" sz="4400" spc="-1" strike="noStrike">
               <a:latin typeface="Arial"/>
             </a:endParaRPr>
           </a:p>
@@ -2418,10 +2272,7 @@
             <a:normAutofit/>
           </a:bodyPr>
           <a:p>
-            <a:endParaRPr b="0" lang="en-US" sz="2800" spc="-1" strike="noStrike">
-              <a:solidFill>
-                <a:srgbClr val="000000"/>
-              </a:solidFill>
+            <a:endParaRPr b="0" lang="en-GB" sz="3200" spc="-1" strike="noStrike">
               <a:latin typeface="Arial"/>
             </a:endParaRPr>
           </a:p>
@@ -2451,10 +2302,7 @@
             <a:normAutofit/>
           </a:bodyPr>
           <a:p>
-            <a:endParaRPr b="0" lang="en-US" sz="2800" spc="-1" strike="noStrike">
-              <a:solidFill>
-                <a:srgbClr val="000000"/>
-              </a:solidFill>
+            <a:endParaRPr b="0" lang="en-GB" sz="3200" spc="-1" strike="noStrike">
               <a:latin typeface="Arial"/>
             </a:endParaRPr>
           </a:p>
@@ -2506,10 +2354,8 @@
             <a:noAutofit/>
           </a:bodyPr>
           <a:p>
-            <a:endParaRPr b="0" lang="en-US" sz="1800" spc="-1" strike="noStrike">
-              <a:solidFill>
-                <a:srgbClr val="000000"/>
-              </a:solidFill>
+            <a:pPr algn="ctr"/>
+            <a:endParaRPr b="0" lang="en-GB" sz="4400" spc="-1" strike="noStrike">
               <a:latin typeface="Arial"/>
             </a:endParaRPr>
           </a:p>
@@ -2561,10 +2407,8 @@
             <a:noAutofit/>
           </a:bodyPr>
           <a:p>
-            <a:endParaRPr b="0" lang="en-US" sz="1800" spc="-1" strike="noStrike">
-              <a:solidFill>
-                <a:srgbClr val="000000"/>
-              </a:solidFill>
+            <a:pPr algn="ctr"/>
+            <a:endParaRPr b="0" lang="en-GB" sz="4400" spc="-1" strike="noStrike">
               <a:latin typeface="Arial"/>
             </a:endParaRPr>
           </a:p>
@@ -2594,10 +2438,7 @@
             <a:normAutofit/>
           </a:bodyPr>
           <a:p>
-            <a:endParaRPr b="0" lang="en-US" sz="2800" spc="-1" strike="noStrike">
-              <a:solidFill>
-                <a:srgbClr val="000000"/>
-              </a:solidFill>
+            <a:endParaRPr b="0" lang="en-GB" sz="3200" spc="-1" strike="noStrike">
               <a:latin typeface="Arial"/>
             </a:endParaRPr>
           </a:p>
@@ -2702,10 +2543,8 @@
             <a:noAutofit/>
           </a:bodyPr>
           <a:p>
-            <a:endParaRPr b="0" lang="en-US" sz="1800" spc="-1" strike="noStrike">
-              <a:solidFill>
-                <a:srgbClr val="000000"/>
-              </a:solidFill>
+            <a:pPr algn="ctr"/>
+            <a:endParaRPr b="0" lang="en-GB" sz="4400" spc="-1" strike="noStrike">
               <a:latin typeface="Arial"/>
             </a:endParaRPr>
           </a:p>
@@ -2735,10 +2574,7 @@
             <a:normAutofit/>
           </a:bodyPr>
           <a:p>
-            <a:endParaRPr b="0" lang="en-US" sz="2800" spc="-1" strike="noStrike">
-              <a:solidFill>
-                <a:srgbClr val="000000"/>
-              </a:solidFill>
+            <a:endParaRPr b="0" lang="en-GB" sz="3200" spc="-1" strike="noStrike">
               <a:latin typeface="Arial"/>
             </a:endParaRPr>
           </a:p>
@@ -2768,10 +2604,7 @@
             <a:normAutofit/>
           </a:bodyPr>
           <a:p>
-            <a:endParaRPr b="0" lang="en-US" sz="2800" spc="-1" strike="noStrike">
-              <a:solidFill>
-                <a:srgbClr val="000000"/>
-              </a:solidFill>
+            <a:endParaRPr b="0" lang="en-GB" sz="3200" spc="-1" strike="noStrike">
               <a:latin typeface="Arial"/>
             </a:endParaRPr>
           </a:p>
@@ -2801,10 +2634,7 @@
             <a:normAutofit/>
           </a:bodyPr>
           <a:p>
-            <a:endParaRPr b="0" lang="en-US" sz="2800" spc="-1" strike="noStrike">
-              <a:solidFill>
-                <a:srgbClr val="000000"/>
-              </a:solidFill>
+            <a:endParaRPr b="0" lang="en-GB" sz="3200" spc="-1" strike="noStrike">
               <a:latin typeface="Arial"/>
             </a:endParaRPr>
           </a:p>
@@ -2856,10 +2686,8 @@
             <a:noAutofit/>
           </a:bodyPr>
           <a:p>
-            <a:endParaRPr b="0" lang="en-US" sz="1800" spc="-1" strike="noStrike">
-              <a:solidFill>
-                <a:srgbClr val="000000"/>
-              </a:solidFill>
+            <a:pPr algn="ctr"/>
+            <a:endParaRPr b="0" lang="en-GB" sz="4400" spc="-1" strike="noStrike">
               <a:latin typeface="Arial"/>
             </a:endParaRPr>
           </a:p>
@@ -2889,10 +2717,7 @@
             <a:normAutofit/>
           </a:bodyPr>
           <a:p>
-            <a:endParaRPr b="0" lang="en-US" sz="2800" spc="-1" strike="noStrike">
-              <a:solidFill>
-                <a:srgbClr val="000000"/>
-              </a:solidFill>
+            <a:endParaRPr b="0" lang="en-GB" sz="3200" spc="-1" strike="noStrike">
               <a:latin typeface="Arial"/>
             </a:endParaRPr>
           </a:p>
@@ -2922,10 +2747,7 @@
             <a:normAutofit/>
           </a:bodyPr>
           <a:p>
-            <a:endParaRPr b="0" lang="en-US" sz="2800" spc="-1" strike="noStrike">
-              <a:solidFill>
-                <a:srgbClr val="000000"/>
-              </a:solidFill>
+            <a:endParaRPr b="0" lang="en-GB" sz="3200" spc="-1" strike="noStrike">
               <a:latin typeface="Arial"/>
             </a:endParaRPr>
           </a:p>
@@ -2955,10 +2777,7 @@
             <a:normAutofit/>
           </a:bodyPr>
           <a:p>
-            <a:endParaRPr b="0" lang="en-US" sz="2800" spc="-1" strike="noStrike">
-              <a:solidFill>
-                <a:srgbClr val="000000"/>
-              </a:solidFill>
+            <a:endParaRPr b="0" lang="en-GB" sz="3200" spc="-1" strike="noStrike">
               <a:latin typeface="Arial"/>
             </a:endParaRPr>
           </a:p>
@@ -3010,10 +2829,8 @@
             <a:noAutofit/>
           </a:bodyPr>
           <a:p>
-            <a:endParaRPr b="0" lang="en-US" sz="1800" spc="-1" strike="noStrike">
-              <a:solidFill>
-                <a:srgbClr val="000000"/>
-              </a:solidFill>
+            <a:pPr algn="ctr"/>
+            <a:endParaRPr b="0" lang="en-GB" sz="4400" spc="-1" strike="noStrike">
               <a:latin typeface="Arial"/>
             </a:endParaRPr>
           </a:p>
@@ -3043,10 +2860,7 @@
             <a:normAutofit/>
           </a:bodyPr>
           <a:p>
-            <a:endParaRPr b="0" lang="en-US" sz="2800" spc="-1" strike="noStrike">
-              <a:solidFill>
-                <a:srgbClr val="000000"/>
-              </a:solidFill>
+            <a:endParaRPr b="0" lang="en-GB" sz="3200" spc="-1" strike="noStrike">
               <a:latin typeface="Arial"/>
             </a:endParaRPr>
           </a:p>
@@ -3076,10 +2890,7 @@
             <a:normAutofit/>
           </a:bodyPr>
           <a:p>
-            <a:endParaRPr b="0" lang="en-US" sz="2800" spc="-1" strike="noStrike">
-              <a:solidFill>
-                <a:srgbClr val="000000"/>
-              </a:solidFill>
+            <a:endParaRPr b="0" lang="en-GB" sz="3200" spc="-1" strike="noStrike">
               <a:latin typeface="Arial"/>
             </a:endParaRPr>
           </a:p>
@@ -3109,10 +2920,7 @@
             <a:normAutofit/>
           </a:bodyPr>
           <a:p>
-            <a:endParaRPr b="0" lang="en-US" sz="2800" spc="-1" strike="noStrike">
-              <a:solidFill>
-                <a:srgbClr val="000000"/>
-              </a:solidFill>
+            <a:endParaRPr b="0" lang="en-GB" sz="3200" spc="-1" strike="noStrike">
               <a:latin typeface="Arial"/>
             </a:endParaRPr>
           </a:p>
@@ -3164,10 +2972,8 @@
             <a:noAutofit/>
           </a:bodyPr>
           <a:p>
-            <a:endParaRPr b="0" lang="en-US" sz="1800" spc="-1" strike="noStrike">
-              <a:solidFill>
-                <a:srgbClr val="000000"/>
-              </a:solidFill>
+            <a:pPr algn="ctr"/>
+            <a:endParaRPr b="0" lang="en-GB" sz="4400" spc="-1" strike="noStrike">
               <a:latin typeface="Arial"/>
             </a:endParaRPr>
           </a:p>
@@ -3197,10 +3003,7 @@
             <a:normAutofit/>
           </a:bodyPr>
           <a:p>
-            <a:endParaRPr b="0" lang="en-US" sz="2800" spc="-1" strike="noStrike">
-              <a:solidFill>
-                <a:srgbClr val="000000"/>
-              </a:solidFill>
+            <a:endParaRPr b="0" lang="en-GB" sz="3200" spc="-1" strike="noStrike">
               <a:latin typeface="Arial"/>
             </a:endParaRPr>
           </a:p>
@@ -3230,10 +3033,7 @@
             <a:normAutofit/>
           </a:bodyPr>
           <a:p>
-            <a:endParaRPr b="0" lang="en-US" sz="2800" spc="-1" strike="noStrike">
-              <a:solidFill>
-                <a:srgbClr val="000000"/>
-              </a:solidFill>
+            <a:endParaRPr b="0" lang="en-GB" sz="3200" spc="-1" strike="noStrike">
               <a:latin typeface="Arial"/>
             </a:endParaRPr>
           </a:p>
@@ -3285,10 +3085,8 @@
             <a:noAutofit/>
           </a:bodyPr>
           <a:p>
-            <a:endParaRPr b="0" lang="en-US" sz="1800" spc="-1" strike="noStrike">
-              <a:solidFill>
-                <a:srgbClr val="000000"/>
-              </a:solidFill>
+            <a:pPr algn="ctr"/>
+            <a:endParaRPr b="0" lang="en-GB" sz="4400" spc="-1" strike="noStrike">
               <a:latin typeface="Arial"/>
             </a:endParaRPr>
           </a:p>
@@ -3318,10 +3116,7 @@
             <a:normAutofit/>
           </a:bodyPr>
           <a:p>
-            <a:endParaRPr b="0" lang="en-US" sz="2800" spc="-1" strike="noStrike">
-              <a:solidFill>
-                <a:srgbClr val="000000"/>
-              </a:solidFill>
+            <a:endParaRPr b="0" lang="en-GB" sz="3200" spc="-1" strike="noStrike">
               <a:latin typeface="Arial"/>
             </a:endParaRPr>
           </a:p>
@@ -3351,10 +3146,7 @@
             <a:normAutofit/>
           </a:bodyPr>
           <a:p>
-            <a:endParaRPr b="0" lang="en-US" sz="2800" spc="-1" strike="noStrike">
-              <a:solidFill>
-                <a:srgbClr val="000000"/>
-              </a:solidFill>
+            <a:endParaRPr b="0" lang="en-GB" sz="3200" spc="-1" strike="noStrike">
               <a:latin typeface="Arial"/>
             </a:endParaRPr>
           </a:p>
@@ -3384,10 +3176,7 @@
             <a:normAutofit/>
           </a:bodyPr>
           <a:p>
-            <a:endParaRPr b="0" lang="en-US" sz="2800" spc="-1" strike="noStrike">
-              <a:solidFill>
-                <a:srgbClr val="000000"/>
-              </a:solidFill>
+            <a:endParaRPr b="0" lang="en-GB" sz="3200" spc="-1" strike="noStrike">
               <a:latin typeface="Arial"/>
             </a:endParaRPr>
           </a:p>
@@ -3417,10 +3206,7 @@
             <a:normAutofit/>
           </a:bodyPr>
           <a:p>
-            <a:endParaRPr b="0" lang="en-US" sz="2800" spc="-1" strike="noStrike">
-              <a:solidFill>
-                <a:srgbClr val="000000"/>
-              </a:solidFill>
+            <a:endParaRPr b="0" lang="en-GB" sz="3200" spc="-1" strike="noStrike">
               <a:latin typeface="Arial"/>
             </a:endParaRPr>
           </a:p>
@@ -3472,10 +3258,8 @@
             <a:noAutofit/>
           </a:bodyPr>
           <a:p>
-            <a:endParaRPr b="0" lang="en-US" sz="1800" spc="-1" strike="noStrike">
-              <a:solidFill>
-                <a:srgbClr val="000000"/>
-              </a:solidFill>
+            <a:pPr algn="ctr"/>
+            <a:endParaRPr b="0" lang="en-GB" sz="4400" spc="-1" strike="noStrike">
               <a:latin typeface="Arial"/>
             </a:endParaRPr>
           </a:p>
@@ -3505,10 +3289,7 @@
             <a:normAutofit/>
           </a:bodyPr>
           <a:p>
-            <a:endParaRPr b="0" lang="en-US" sz="2800" spc="-1" strike="noStrike">
-              <a:solidFill>
-                <a:srgbClr val="000000"/>
-              </a:solidFill>
+            <a:endParaRPr b="0" lang="en-GB" sz="3200" spc="-1" strike="noStrike">
               <a:latin typeface="Arial"/>
             </a:endParaRPr>
           </a:p>
@@ -3538,10 +3319,7 @@
             <a:normAutofit/>
           </a:bodyPr>
           <a:p>
-            <a:endParaRPr b="0" lang="en-US" sz="2800" spc="-1" strike="noStrike">
-              <a:solidFill>
-                <a:srgbClr val="000000"/>
-              </a:solidFill>
+            <a:endParaRPr b="0" lang="en-GB" sz="3200" spc="-1" strike="noStrike">
               <a:latin typeface="Arial"/>
             </a:endParaRPr>
           </a:p>
@@ -3571,10 +3349,7 @@
             <a:normAutofit/>
           </a:bodyPr>
           <a:p>
-            <a:endParaRPr b="0" lang="en-US" sz="2800" spc="-1" strike="noStrike">
-              <a:solidFill>
-                <a:srgbClr val="000000"/>
-              </a:solidFill>
+            <a:endParaRPr b="0" lang="en-GB" sz="3200" spc="-1" strike="noStrike">
               <a:latin typeface="Arial"/>
             </a:endParaRPr>
           </a:p>
@@ -3604,10 +3379,7 @@
             <a:normAutofit/>
           </a:bodyPr>
           <a:p>
-            <a:endParaRPr b="0" lang="en-US" sz="2800" spc="-1" strike="noStrike">
-              <a:solidFill>
-                <a:srgbClr val="000000"/>
-              </a:solidFill>
+            <a:endParaRPr b="0" lang="en-GB" sz="3200" spc="-1" strike="noStrike">
               <a:latin typeface="Arial"/>
             </a:endParaRPr>
           </a:p>
@@ -3637,10 +3409,7 @@
             <a:normAutofit/>
           </a:bodyPr>
           <a:p>
-            <a:endParaRPr b="0" lang="en-US" sz="2800" spc="-1" strike="noStrike">
-              <a:solidFill>
-                <a:srgbClr val="000000"/>
-              </a:solidFill>
+            <a:endParaRPr b="0" lang="en-GB" sz="3200" spc="-1" strike="noStrike">
               <a:latin typeface="Arial"/>
             </a:endParaRPr>
           </a:p>
@@ -3670,10 +3439,7 @@
             <a:normAutofit/>
           </a:bodyPr>
           <a:p>
-            <a:endParaRPr b="0" lang="en-US" sz="2800" spc="-1" strike="noStrike">
-              <a:solidFill>
-                <a:srgbClr val="000000"/>
-              </a:solidFill>
+            <a:endParaRPr b="0" lang="en-GB" sz="3200" spc="-1" strike="noStrike">
               <a:latin typeface="Arial"/>
             </a:endParaRPr>
           </a:p>
@@ -3747,10 +3513,8 @@
             <a:noAutofit/>
           </a:bodyPr>
           <a:p>
-            <a:endParaRPr b="0" lang="en-US" sz="1800" spc="-1" strike="noStrike">
-              <a:solidFill>
-                <a:srgbClr val="000000"/>
-              </a:solidFill>
+            <a:pPr algn="ctr"/>
+            <a:endParaRPr b="0" lang="en-GB" sz="4400" spc="-1" strike="noStrike">
               <a:latin typeface="Arial"/>
             </a:endParaRPr>
           </a:p>
@@ -3833,10 +3597,8 @@
             <a:noAutofit/>
           </a:bodyPr>
           <a:p>
-            <a:endParaRPr b="0" lang="en-US" sz="1800" spc="-1" strike="noStrike">
-              <a:solidFill>
-                <a:srgbClr val="000000"/>
-              </a:solidFill>
+            <a:pPr algn="ctr"/>
+            <a:endParaRPr b="0" lang="en-GB" sz="4400" spc="-1" strike="noStrike">
               <a:latin typeface="Arial"/>
             </a:endParaRPr>
           </a:p>
@@ -3866,10 +3628,7 @@
             <a:normAutofit/>
           </a:bodyPr>
           <a:p>
-            <a:endParaRPr b="0" lang="en-US" sz="2800" spc="-1" strike="noStrike">
-              <a:solidFill>
-                <a:srgbClr val="000000"/>
-              </a:solidFill>
+            <a:endParaRPr b="0" lang="en-GB" sz="3200" spc="-1" strike="noStrike">
               <a:latin typeface="Arial"/>
             </a:endParaRPr>
           </a:p>
@@ -3921,10 +3680,8 @@
             <a:noAutofit/>
           </a:bodyPr>
           <a:p>
-            <a:endParaRPr b="0" lang="en-US" sz="1800" spc="-1" strike="noStrike">
-              <a:solidFill>
-                <a:srgbClr val="000000"/>
-              </a:solidFill>
+            <a:pPr algn="ctr"/>
+            <a:endParaRPr b="0" lang="en-GB" sz="4400" spc="-1" strike="noStrike">
               <a:latin typeface="Arial"/>
             </a:endParaRPr>
           </a:p>
@@ -3954,10 +3711,7 @@
             <a:normAutofit/>
           </a:bodyPr>
           <a:p>
-            <a:endParaRPr b="0" lang="en-US" sz="2800" spc="-1" strike="noStrike">
-              <a:solidFill>
-                <a:srgbClr val="000000"/>
-              </a:solidFill>
+            <a:endParaRPr b="0" lang="en-GB" sz="3200" spc="-1" strike="noStrike">
               <a:latin typeface="Arial"/>
             </a:endParaRPr>
           </a:p>
@@ -3987,10 +3741,7 @@
             <a:normAutofit/>
           </a:bodyPr>
           <a:p>
-            <a:endParaRPr b="0" lang="en-US" sz="2800" spc="-1" strike="noStrike">
-              <a:solidFill>
-                <a:srgbClr val="000000"/>
-              </a:solidFill>
+            <a:endParaRPr b="0" lang="en-GB" sz="3200" spc="-1" strike="noStrike">
               <a:latin typeface="Arial"/>
             </a:endParaRPr>
           </a:p>
@@ -4042,10 +3793,8 @@
             <a:noAutofit/>
           </a:bodyPr>
           <a:p>
-            <a:endParaRPr b="0" lang="en-US" sz="1800" spc="-1" strike="noStrike">
-              <a:solidFill>
-                <a:srgbClr val="000000"/>
-              </a:solidFill>
+            <a:pPr algn="ctr"/>
+            <a:endParaRPr b="0" lang="en-GB" sz="4400" spc="-1" strike="noStrike">
               <a:latin typeface="Arial"/>
             </a:endParaRPr>
           </a:p>
@@ -4075,10 +3824,7 @@
             <a:normAutofit/>
           </a:bodyPr>
           <a:p>
-            <a:endParaRPr b="0" lang="en-US" sz="2800" spc="-1" strike="noStrike">
-              <a:solidFill>
-                <a:srgbClr val="000000"/>
-              </a:solidFill>
+            <a:endParaRPr b="0" lang="en-GB" sz="3200" spc="-1" strike="noStrike">
               <a:latin typeface="Arial"/>
             </a:endParaRPr>
           </a:p>
@@ -4108,10 +3854,7 @@
             <a:normAutofit/>
           </a:bodyPr>
           <a:p>
-            <a:endParaRPr b="0" lang="en-US" sz="2800" spc="-1" strike="noStrike">
-              <a:solidFill>
-                <a:srgbClr val="000000"/>
-              </a:solidFill>
+            <a:endParaRPr b="0" lang="en-GB" sz="3200" spc="-1" strike="noStrike">
               <a:latin typeface="Arial"/>
             </a:endParaRPr>
           </a:p>
@@ -4163,10 +3906,8 @@
             <a:noAutofit/>
           </a:bodyPr>
           <a:p>
-            <a:endParaRPr b="0" lang="en-US" sz="1800" spc="-1" strike="noStrike">
-              <a:solidFill>
-                <a:srgbClr val="000000"/>
-              </a:solidFill>
+            <a:pPr algn="ctr"/>
+            <a:endParaRPr b="0" lang="en-GB" sz="4400" spc="-1" strike="noStrike">
               <a:latin typeface="Arial"/>
             </a:endParaRPr>
           </a:p>
@@ -4271,10 +4012,8 @@
             <a:noAutofit/>
           </a:bodyPr>
           <a:p>
-            <a:endParaRPr b="0" lang="en-US" sz="1800" spc="-1" strike="noStrike">
-              <a:solidFill>
-                <a:srgbClr val="000000"/>
-              </a:solidFill>
+            <a:pPr algn="ctr"/>
+            <a:endParaRPr b="0" lang="en-GB" sz="4400" spc="-1" strike="noStrike">
               <a:latin typeface="Arial"/>
             </a:endParaRPr>
           </a:p>
@@ -4304,10 +4043,7 @@
             <a:normAutofit/>
           </a:bodyPr>
           <a:p>
-            <a:endParaRPr b="0" lang="en-US" sz="2800" spc="-1" strike="noStrike">
-              <a:solidFill>
-                <a:srgbClr val="000000"/>
-              </a:solidFill>
+            <a:endParaRPr b="0" lang="en-GB" sz="3200" spc="-1" strike="noStrike">
               <a:latin typeface="Arial"/>
             </a:endParaRPr>
           </a:p>
@@ -4337,10 +4073,7 @@
             <a:normAutofit/>
           </a:bodyPr>
           <a:p>
-            <a:endParaRPr b="0" lang="en-US" sz="2800" spc="-1" strike="noStrike">
-              <a:solidFill>
-                <a:srgbClr val="000000"/>
-              </a:solidFill>
+            <a:endParaRPr b="0" lang="en-GB" sz="3200" spc="-1" strike="noStrike">
               <a:latin typeface="Arial"/>
             </a:endParaRPr>
           </a:p>
@@ -4370,10 +4103,7 @@
             <a:normAutofit/>
           </a:bodyPr>
           <a:p>
-            <a:endParaRPr b="0" lang="en-US" sz="2800" spc="-1" strike="noStrike">
-              <a:solidFill>
-                <a:srgbClr val="000000"/>
-              </a:solidFill>
+            <a:endParaRPr b="0" lang="en-GB" sz="3200" spc="-1" strike="noStrike">
               <a:latin typeface="Arial"/>
             </a:endParaRPr>
           </a:p>
@@ -4425,10 +4155,8 @@
             <a:noAutofit/>
           </a:bodyPr>
           <a:p>
-            <a:endParaRPr b="0" lang="en-US" sz="1800" spc="-1" strike="noStrike">
-              <a:solidFill>
-                <a:srgbClr val="000000"/>
-              </a:solidFill>
+            <a:pPr algn="ctr"/>
+            <a:endParaRPr b="0" lang="en-GB" sz="4400" spc="-1" strike="noStrike">
               <a:latin typeface="Arial"/>
             </a:endParaRPr>
           </a:p>
@@ -4458,10 +4186,7 @@
             <a:normAutofit/>
           </a:bodyPr>
           <a:p>
-            <a:endParaRPr b="0" lang="en-US" sz="2800" spc="-1" strike="noStrike">
-              <a:solidFill>
-                <a:srgbClr val="000000"/>
-              </a:solidFill>
+            <a:endParaRPr b="0" lang="en-GB" sz="3200" spc="-1" strike="noStrike">
               <a:latin typeface="Arial"/>
             </a:endParaRPr>
           </a:p>
@@ -4491,10 +4216,7 @@
             <a:normAutofit/>
           </a:bodyPr>
           <a:p>
-            <a:endParaRPr b="0" lang="en-US" sz="2800" spc="-1" strike="noStrike">
-              <a:solidFill>
-                <a:srgbClr val="000000"/>
-              </a:solidFill>
+            <a:endParaRPr b="0" lang="en-GB" sz="3200" spc="-1" strike="noStrike">
               <a:latin typeface="Arial"/>
             </a:endParaRPr>
           </a:p>
@@ -4524,10 +4246,7 @@
             <a:normAutofit/>
           </a:bodyPr>
           <a:p>
-            <a:endParaRPr b="0" lang="en-US" sz="2800" spc="-1" strike="noStrike">
-              <a:solidFill>
-                <a:srgbClr val="000000"/>
-              </a:solidFill>
+            <a:endParaRPr b="0" lang="en-GB" sz="3200" spc="-1" strike="noStrike">
               <a:latin typeface="Arial"/>
             </a:endParaRPr>
           </a:p>
@@ -4579,10 +4298,8 @@
             <a:noAutofit/>
           </a:bodyPr>
           <a:p>
-            <a:endParaRPr b="0" lang="en-US" sz="1800" spc="-1" strike="noStrike">
-              <a:solidFill>
-                <a:srgbClr val="000000"/>
-              </a:solidFill>
+            <a:pPr algn="ctr"/>
+            <a:endParaRPr b="0" lang="en-GB" sz="4400" spc="-1" strike="noStrike">
               <a:latin typeface="Arial"/>
             </a:endParaRPr>
           </a:p>
@@ -4612,10 +4329,7 @@
             <a:normAutofit/>
           </a:bodyPr>
           <a:p>
-            <a:endParaRPr b="0" lang="en-US" sz="2800" spc="-1" strike="noStrike">
-              <a:solidFill>
-                <a:srgbClr val="000000"/>
-              </a:solidFill>
+            <a:endParaRPr b="0" lang="en-GB" sz="3200" spc="-1" strike="noStrike">
               <a:latin typeface="Arial"/>
             </a:endParaRPr>
           </a:p>
@@ -4645,10 +4359,7 @@
             <a:normAutofit/>
           </a:bodyPr>
           <a:p>
-            <a:endParaRPr b="0" lang="en-US" sz="2800" spc="-1" strike="noStrike">
-              <a:solidFill>
-                <a:srgbClr val="000000"/>
-              </a:solidFill>
+            <a:endParaRPr b="0" lang="en-GB" sz="3200" spc="-1" strike="noStrike">
               <a:latin typeface="Arial"/>
             </a:endParaRPr>
           </a:p>
@@ -4678,10 +4389,7 @@
             <a:normAutofit/>
           </a:bodyPr>
           <a:p>
-            <a:endParaRPr b="0" lang="en-US" sz="2800" spc="-1" strike="noStrike">
-              <a:solidFill>
-                <a:srgbClr val="000000"/>
-              </a:solidFill>
+            <a:endParaRPr b="0" lang="en-GB" sz="3200" spc="-1" strike="noStrike">
               <a:latin typeface="Arial"/>
             </a:endParaRPr>
           </a:p>
@@ -4733,10 +4441,8 @@
             <a:noAutofit/>
           </a:bodyPr>
           <a:p>
-            <a:endParaRPr b="0" lang="en-US" sz="1800" spc="-1" strike="noStrike">
-              <a:solidFill>
-                <a:srgbClr val="000000"/>
-              </a:solidFill>
+            <a:pPr algn="ctr"/>
+            <a:endParaRPr b="0" lang="en-GB" sz="4400" spc="-1" strike="noStrike">
               <a:latin typeface="Arial"/>
             </a:endParaRPr>
           </a:p>
@@ -4766,10 +4472,7 @@
             <a:normAutofit/>
           </a:bodyPr>
           <a:p>
-            <a:endParaRPr b="0" lang="en-US" sz="2800" spc="-1" strike="noStrike">
-              <a:solidFill>
-                <a:srgbClr val="000000"/>
-              </a:solidFill>
+            <a:endParaRPr b="0" lang="en-GB" sz="3200" spc="-1" strike="noStrike">
               <a:latin typeface="Arial"/>
             </a:endParaRPr>
           </a:p>
@@ -4799,10 +4502,7 @@
             <a:normAutofit/>
           </a:bodyPr>
           <a:p>
-            <a:endParaRPr b="0" lang="en-US" sz="2800" spc="-1" strike="noStrike">
-              <a:solidFill>
-                <a:srgbClr val="000000"/>
-              </a:solidFill>
+            <a:endParaRPr b="0" lang="en-GB" sz="3200" spc="-1" strike="noStrike">
               <a:latin typeface="Arial"/>
             </a:endParaRPr>
           </a:p>
@@ -4854,10 +4554,8 @@
             <a:noAutofit/>
           </a:bodyPr>
           <a:p>
-            <a:endParaRPr b="0" lang="en-US" sz="1800" spc="-1" strike="noStrike">
-              <a:solidFill>
-                <a:srgbClr val="000000"/>
-              </a:solidFill>
+            <a:pPr algn="ctr"/>
+            <a:endParaRPr b="0" lang="en-GB" sz="4400" spc="-1" strike="noStrike">
               <a:latin typeface="Arial"/>
             </a:endParaRPr>
           </a:p>
@@ -4887,10 +4585,7 @@
             <a:normAutofit/>
           </a:bodyPr>
           <a:p>
-            <a:endParaRPr b="0" lang="en-US" sz="2800" spc="-1" strike="noStrike">
-              <a:solidFill>
-                <a:srgbClr val="000000"/>
-              </a:solidFill>
+            <a:endParaRPr b="0" lang="en-GB" sz="3200" spc="-1" strike="noStrike">
               <a:latin typeface="Arial"/>
             </a:endParaRPr>
           </a:p>
@@ -4920,10 +4615,7 @@
             <a:normAutofit/>
           </a:bodyPr>
           <a:p>
-            <a:endParaRPr b="0" lang="en-US" sz="2800" spc="-1" strike="noStrike">
-              <a:solidFill>
-                <a:srgbClr val="000000"/>
-              </a:solidFill>
+            <a:endParaRPr b="0" lang="en-GB" sz="3200" spc="-1" strike="noStrike">
               <a:latin typeface="Arial"/>
             </a:endParaRPr>
           </a:p>
@@ -4953,10 +4645,7 @@
             <a:normAutofit/>
           </a:bodyPr>
           <a:p>
-            <a:endParaRPr b="0" lang="en-US" sz="2800" spc="-1" strike="noStrike">
-              <a:solidFill>
-                <a:srgbClr val="000000"/>
-              </a:solidFill>
+            <a:endParaRPr b="0" lang="en-GB" sz="3200" spc="-1" strike="noStrike">
               <a:latin typeface="Arial"/>
             </a:endParaRPr>
           </a:p>
@@ -4986,10 +4675,7 @@
             <a:normAutofit/>
           </a:bodyPr>
           <a:p>
-            <a:endParaRPr b="0" lang="en-US" sz="2800" spc="-1" strike="noStrike">
-              <a:solidFill>
-                <a:srgbClr val="000000"/>
-              </a:solidFill>
+            <a:endParaRPr b="0" lang="en-GB" sz="3200" spc="-1" strike="noStrike">
               <a:latin typeface="Arial"/>
             </a:endParaRPr>
           </a:p>
@@ -5041,10 +4727,8 @@
             <a:noAutofit/>
           </a:bodyPr>
           <a:p>
-            <a:endParaRPr b="0" lang="en-US" sz="1800" spc="-1" strike="noStrike">
-              <a:solidFill>
-                <a:srgbClr val="000000"/>
-              </a:solidFill>
+            <a:pPr algn="ctr"/>
+            <a:endParaRPr b="0" lang="en-GB" sz="4400" spc="-1" strike="noStrike">
               <a:latin typeface="Arial"/>
             </a:endParaRPr>
           </a:p>
@@ -5074,10 +4758,7 @@
             <a:normAutofit/>
           </a:bodyPr>
           <a:p>
-            <a:endParaRPr b="0" lang="en-US" sz="2800" spc="-1" strike="noStrike">
-              <a:solidFill>
-                <a:srgbClr val="000000"/>
-              </a:solidFill>
+            <a:endParaRPr b="0" lang="en-GB" sz="3200" spc="-1" strike="noStrike">
               <a:latin typeface="Arial"/>
             </a:endParaRPr>
           </a:p>
@@ -5107,10 +4788,7 @@
             <a:normAutofit/>
           </a:bodyPr>
           <a:p>
-            <a:endParaRPr b="0" lang="en-US" sz="2800" spc="-1" strike="noStrike">
-              <a:solidFill>
-                <a:srgbClr val="000000"/>
-              </a:solidFill>
+            <a:endParaRPr b="0" lang="en-GB" sz="3200" spc="-1" strike="noStrike">
               <a:latin typeface="Arial"/>
             </a:endParaRPr>
           </a:p>
@@ -5140,10 +4818,7 @@
             <a:normAutofit/>
           </a:bodyPr>
           <a:p>
-            <a:endParaRPr b="0" lang="en-US" sz="2800" spc="-1" strike="noStrike">
-              <a:solidFill>
-                <a:srgbClr val="000000"/>
-              </a:solidFill>
+            <a:endParaRPr b="0" lang="en-GB" sz="3200" spc="-1" strike="noStrike">
               <a:latin typeface="Arial"/>
             </a:endParaRPr>
           </a:p>
@@ -5173,10 +4848,7 @@
             <a:normAutofit/>
           </a:bodyPr>
           <a:p>
-            <a:endParaRPr b="0" lang="en-US" sz="2800" spc="-1" strike="noStrike">
-              <a:solidFill>
-                <a:srgbClr val="000000"/>
-              </a:solidFill>
+            <a:endParaRPr b="0" lang="en-GB" sz="3200" spc="-1" strike="noStrike">
               <a:latin typeface="Arial"/>
             </a:endParaRPr>
           </a:p>
@@ -5206,10 +4878,7 @@
             <a:normAutofit/>
           </a:bodyPr>
           <a:p>
-            <a:endParaRPr b="0" lang="en-US" sz="2800" spc="-1" strike="noStrike">
-              <a:solidFill>
-                <a:srgbClr val="000000"/>
-              </a:solidFill>
+            <a:endParaRPr b="0" lang="en-GB" sz="3200" spc="-1" strike="noStrike">
               <a:latin typeface="Arial"/>
             </a:endParaRPr>
           </a:p>
@@ -5239,10 +4908,7 @@
             <a:normAutofit/>
           </a:bodyPr>
           <a:p>
-            <a:endParaRPr b="0" lang="en-US" sz="2800" spc="-1" strike="noStrike">
-              <a:solidFill>
-                <a:srgbClr val="000000"/>
-              </a:solidFill>
+            <a:endParaRPr b="0" lang="en-GB" sz="3200" spc="-1" strike="noStrike">
               <a:latin typeface="Arial"/>
             </a:endParaRPr>
           </a:p>
@@ -5316,10 +4982,8 @@
             <a:noAutofit/>
           </a:bodyPr>
           <a:p>
-            <a:endParaRPr b="0" lang="en-US" sz="1800" spc="-1" strike="noStrike">
-              <a:solidFill>
-                <a:srgbClr val="000000"/>
-              </a:solidFill>
+            <a:pPr algn="ctr"/>
+            <a:endParaRPr b="0" lang="en-GB" sz="4400" spc="-1" strike="noStrike">
               <a:latin typeface="Arial"/>
             </a:endParaRPr>
           </a:p>
@@ -5371,10 +5035,8 @@
             <a:noAutofit/>
           </a:bodyPr>
           <a:p>
-            <a:endParaRPr b="0" lang="en-US" sz="1800" spc="-1" strike="noStrike">
-              <a:solidFill>
-                <a:srgbClr val="000000"/>
-              </a:solidFill>
+            <a:pPr algn="ctr"/>
+            <a:endParaRPr b="0" lang="en-GB" sz="4400" spc="-1" strike="noStrike">
               <a:latin typeface="Arial"/>
             </a:endParaRPr>
           </a:p>
@@ -5457,10 +5119,8 @@
             <a:noAutofit/>
           </a:bodyPr>
           <a:p>
-            <a:endParaRPr b="0" lang="en-US" sz="1800" spc="-1" strike="noStrike">
-              <a:solidFill>
-                <a:srgbClr val="000000"/>
-              </a:solidFill>
+            <a:pPr algn="ctr"/>
+            <a:endParaRPr b="0" lang="en-GB" sz="4400" spc="-1" strike="noStrike">
               <a:latin typeface="Arial"/>
             </a:endParaRPr>
           </a:p>
@@ -5490,10 +5150,7 @@
             <a:normAutofit/>
           </a:bodyPr>
           <a:p>
-            <a:endParaRPr b="0" lang="en-US" sz="2800" spc="-1" strike="noStrike">
-              <a:solidFill>
-                <a:srgbClr val="000000"/>
-              </a:solidFill>
+            <a:endParaRPr b="0" lang="en-GB" sz="3200" spc="-1" strike="noStrike">
               <a:latin typeface="Arial"/>
             </a:endParaRPr>
           </a:p>
@@ -5545,10 +5202,8 @@
             <a:noAutofit/>
           </a:bodyPr>
           <a:p>
-            <a:endParaRPr b="0" lang="en-US" sz="1800" spc="-1" strike="noStrike">
-              <a:solidFill>
-                <a:srgbClr val="000000"/>
-              </a:solidFill>
+            <a:pPr algn="ctr"/>
+            <a:endParaRPr b="0" lang="en-GB" sz="4400" spc="-1" strike="noStrike">
               <a:latin typeface="Arial"/>
             </a:endParaRPr>
           </a:p>
@@ -5578,10 +5233,7 @@
             <a:normAutofit/>
           </a:bodyPr>
           <a:p>
-            <a:endParaRPr b="0" lang="en-US" sz="2800" spc="-1" strike="noStrike">
-              <a:solidFill>
-                <a:srgbClr val="000000"/>
-              </a:solidFill>
+            <a:endParaRPr b="0" lang="en-GB" sz="3200" spc="-1" strike="noStrike">
               <a:latin typeface="Arial"/>
             </a:endParaRPr>
           </a:p>
@@ -5611,10 +5263,7 @@
             <a:normAutofit/>
           </a:bodyPr>
           <a:p>
-            <a:endParaRPr b="0" lang="en-US" sz="2800" spc="-1" strike="noStrike">
-              <a:solidFill>
-                <a:srgbClr val="000000"/>
-              </a:solidFill>
+            <a:endParaRPr b="0" lang="en-GB" sz="3200" spc="-1" strike="noStrike">
               <a:latin typeface="Arial"/>
             </a:endParaRPr>
           </a:p>
@@ -5666,10 +5315,8 @@
             <a:noAutofit/>
           </a:bodyPr>
           <a:p>
-            <a:endParaRPr b="0" lang="en-US" sz="1800" spc="-1" strike="noStrike">
-              <a:solidFill>
-                <a:srgbClr val="000000"/>
-              </a:solidFill>
+            <a:pPr algn="ctr"/>
+            <a:endParaRPr b="0" lang="en-GB" sz="4400" spc="-1" strike="noStrike">
               <a:latin typeface="Arial"/>
             </a:endParaRPr>
           </a:p>
@@ -5774,10 +5421,8 @@
             <a:noAutofit/>
           </a:bodyPr>
           <a:p>
-            <a:endParaRPr b="0" lang="en-US" sz="1800" spc="-1" strike="noStrike">
-              <a:solidFill>
-                <a:srgbClr val="000000"/>
-              </a:solidFill>
+            <a:pPr algn="ctr"/>
+            <a:endParaRPr b="0" lang="en-GB" sz="4400" spc="-1" strike="noStrike">
               <a:latin typeface="Arial"/>
             </a:endParaRPr>
           </a:p>
@@ -5807,10 +5452,7 @@
             <a:normAutofit/>
           </a:bodyPr>
           <a:p>
-            <a:endParaRPr b="0" lang="en-US" sz="2800" spc="-1" strike="noStrike">
-              <a:solidFill>
-                <a:srgbClr val="000000"/>
-              </a:solidFill>
+            <a:endParaRPr b="0" lang="en-GB" sz="3200" spc="-1" strike="noStrike">
               <a:latin typeface="Arial"/>
             </a:endParaRPr>
           </a:p>
@@ -5840,10 +5482,7 @@
             <a:normAutofit/>
           </a:bodyPr>
           <a:p>
-            <a:endParaRPr b="0" lang="en-US" sz="2800" spc="-1" strike="noStrike">
-              <a:solidFill>
-                <a:srgbClr val="000000"/>
-              </a:solidFill>
+            <a:endParaRPr b="0" lang="en-GB" sz="3200" spc="-1" strike="noStrike">
               <a:latin typeface="Arial"/>
             </a:endParaRPr>
           </a:p>
@@ -5873,10 +5512,7 @@
             <a:normAutofit/>
           </a:bodyPr>
           <a:p>
-            <a:endParaRPr b="0" lang="en-US" sz="2800" spc="-1" strike="noStrike">
-              <a:solidFill>
-                <a:srgbClr val="000000"/>
-              </a:solidFill>
+            <a:endParaRPr b="0" lang="en-GB" sz="3200" spc="-1" strike="noStrike">
               <a:latin typeface="Arial"/>
             </a:endParaRPr>
           </a:p>
@@ -5928,10 +5564,8 @@
             <a:noAutofit/>
           </a:bodyPr>
           <a:p>
-            <a:endParaRPr b="0" lang="en-US" sz="1800" spc="-1" strike="noStrike">
-              <a:solidFill>
-                <a:srgbClr val="000000"/>
-              </a:solidFill>
+            <a:pPr algn="ctr"/>
+            <a:endParaRPr b="0" lang="en-GB" sz="4400" spc="-1" strike="noStrike">
               <a:latin typeface="Arial"/>
             </a:endParaRPr>
           </a:p>
@@ -5961,10 +5595,7 @@
             <a:normAutofit/>
           </a:bodyPr>
           <a:p>
-            <a:endParaRPr b="0" lang="en-US" sz="2800" spc="-1" strike="noStrike">
-              <a:solidFill>
-                <a:srgbClr val="000000"/>
-              </a:solidFill>
+            <a:endParaRPr b="0" lang="en-GB" sz="3200" spc="-1" strike="noStrike">
               <a:latin typeface="Arial"/>
             </a:endParaRPr>
           </a:p>
@@ -5994,10 +5625,7 @@
             <a:normAutofit/>
           </a:bodyPr>
           <a:p>
-            <a:endParaRPr b="0" lang="en-US" sz="2800" spc="-1" strike="noStrike">
-              <a:solidFill>
-                <a:srgbClr val="000000"/>
-              </a:solidFill>
+            <a:endParaRPr b="0" lang="en-GB" sz="3200" spc="-1" strike="noStrike">
               <a:latin typeface="Arial"/>
             </a:endParaRPr>
           </a:p>
@@ -6027,10 +5655,7 @@
             <a:normAutofit/>
           </a:bodyPr>
           <a:p>
-            <a:endParaRPr b="0" lang="en-US" sz="2800" spc="-1" strike="noStrike">
-              <a:solidFill>
-                <a:srgbClr val="000000"/>
-              </a:solidFill>
+            <a:endParaRPr b="0" lang="en-GB" sz="3200" spc="-1" strike="noStrike">
               <a:latin typeface="Arial"/>
             </a:endParaRPr>
           </a:p>
@@ -6082,10 +5707,8 @@
             <a:noAutofit/>
           </a:bodyPr>
           <a:p>
-            <a:endParaRPr b="0" lang="en-US" sz="1800" spc="-1" strike="noStrike">
-              <a:solidFill>
-                <a:srgbClr val="000000"/>
-              </a:solidFill>
+            <a:pPr algn="ctr"/>
+            <a:endParaRPr b="0" lang="en-GB" sz="4400" spc="-1" strike="noStrike">
               <a:latin typeface="Arial"/>
             </a:endParaRPr>
           </a:p>
@@ -6115,10 +5738,7 @@
             <a:normAutofit/>
           </a:bodyPr>
           <a:p>
-            <a:endParaRPr b="0" lang="en-US" sz="2800" spc="-1" strike="noStrike">
-              <a:solidFill>
-                <a:srgbClr val="000000"/>
-              </a:solidFill>
+            <a:endParaRPr b="0" lang="en-GB" sz="3200" spc="-1" strike="noStrike">
               <a:latin typeface="Arial"/>
             </a:endParaRPr>
           </a:p>
@@ -6148,10 +5768,7 @@
             <a:normAutofit/>
           </a:bodyPr>
           <a:p>
-            <a:endParaRPr b="0" lang="en-US" sz="2800" spc="-1" strike="noStrike">
-              <a:solidFill>
-                <a:srgbClr val="000000"/>
-              </a:solidFill>
+            <a:endParaRPr b="0" lang="en-GB" sz="3200" spc="-1" strike="noStrike">
               <a:latin typeface="Arial"/>
             </a:endParaRPr>
           </a:p>
@@ -6181,10 +5798,7 @@
             <a:normAutofit/>
           </a:bodyPr>
           <a:p>
-            <a:endParaRPr b="0" lang="en-US" sz="2800" spc="-1" strike="noStrike">
-              <a:solidFill>
-                <a:srgbClr val="000000"/>
-              </a:solidFill>
+            <a:endParaRPr b="0" lang="en-GB" sz="3200" spc="-1" strike="noStrike">
               <a:latin typeface="Arial"/>
             </a:endParaRPr>
           </a:p>
@@ -6236,10 +5850,8 @@
             <a:noAutofit/>
           </a:bodyPr>
           <a:p>
-            <a:endParaRPr b="0" lang="en-US" sz="1800" spc="-1" strike="noStrike">
-              <a:solidFill>
-                <a:srgbClr val="000000"/>
-              </a:solidFill>
+            <a:pPr algn="ctr"/>
+            <a:endParaRPr b="0" lang="en-GB" sz="4400" spc="-1" strike="noStrike">
               <a:latin typeface="Arial"/>
             </a:endParaRPr>
           </a:p>
@@ -6269,10 +5881,7 @@
             <a:normAutofit/>
           </a:bodyPr>
           <a:p>
-            <a:endParaRPr b="0" lang="en-US" sz="2800" spc="-1" strike="noStrike">
-              <a:solidFill>
-                <a:srgbClr val="000000"/>
-              </a:solidFill>
+            <a:endParaRPr b="0" lang="en-GB" sz="3200" spc="-1" strike="noStrike">
               <a:latin typeface="Arial"/>
             </a:endParaRPr>
           </a:p>
@@ -6302,10 +5911,7 @@
             <a:normAutofit/>
           </a:bodyPr>
           <a:p>
-            <a:endParaRPr b="0" lang="en-US" sz="2800" spc="-1" strike="noStrike">
-              <a:solidFill>
-                <a:srgbClr val="000000"/>
-              </a:solidFill>
+            <a:endParaRPr b="0" lang="en-GB" sz="3200" spc="-1" strike="noStrike">
               <a:latin typeface="Arial"/>
             </a:endParaRPr>
           </a:p>
@@ -6357,10 +5963,8 @@
             <a:noAutofit/>
           </a:bodyPr>
           <a:p>
-            <a:endParaRPr b="0" lang="en-US" sz="1800" spc="-1" strike="noStrike">
-              <a:solidFill>
-                <a:srgbClr val="000000"/>
-              </a:solidFill>
+            <a:pPr algn="ctr"/>
+            <a:endParaRPr b="0" lang="en-GB" sz="4400" spc="-1" strike="noStrike">
               <a:latin typeface="Arial"/>
             </a:endParaRPr>
           </a:p>
@@ -6390,10 +5994,7 @@
             <a:normAutofit/>
           </a:bodyPr>
           <a:p>
-            <a:endParaRPr b="0" lang="en-US" sz="2800" spc="-1" strike="noStrike">
-              <a:solidFill>
-                <a:srgbClr val="000000"/>
-              </a:solidFill>
+            <a:endParaRPr b="0" lang="en-GB" sz="3200" spc="-1" strike="noStrike">
               <a:latin typeface="Arial"/>
             </a:endParaRPr>
           </a:p>
@@ -6423,10 +6024,7 @@
             <a:normAutofit/>
           </a:bodyPr>
           <a:p>
-            <a:endParaRPr b="0" lang="en-US" sz="2800" spc="-1" strike="noStrike">
-              <a:solidFill>
-                <a:srgbClr val="000000"/>
-              </a:solidFill>
+            <a:endParaRPr b="0" lang="en-GB" sz="3200" spc="-1" strike="noStrike">
               <a:latin typeface="Arial"/>
             </a:endParaRPr>
           </a:p>
@@ -6456,10 +6054,7 @@
             <a:normAutofit/>
           </a:bodyPr>
           <a:p>
-            <a:endParaRPr b="0" lang="en-US" sz="2800" spc="-1" strike="noStrike">
-              <a:solidFill>
-                <a:srgbClr val="000000"/>
-              </a:solidFill>
+            <a:endParaRPr b="0" lang="en-GB" sz="3200" spc="-1" strike="noStrike">
               <a:latin typeface="Arial"/>
             </a:endParaRPr>
           </a:p>
@@ -6489,10 +6084,7 @@
             <a:normAutofit/>
           </a:bodyPr>
           <a:p>
-            <a:endParaRPr b="0" lang="en-US" sz="2800" spc="-1" strike="noStrike">
-              <a:solidFill>
-                <a:srgbClr val="000000"/>
-              </a:solidFill>
+            <a:endParaRPr b="0" lang="en-GB" sz="3200" spc="-1" strike="noStrike">
               <a:latin typeface="Arial"/>
             </a:endParaRPr>
           </a:p>
@@ -6597,10 +6189,8 @@
             <a:noAutofit/>
           </a:bodyPr>
           <a:p>
-            <a:endParaRPr b="0" lang="en-US" sz="1800" spc="-1" strike="noStrike">
-              <a:solidFill>
-                <a:srgbClr val="000000"/>
-              </a:solidFill>
+            <a:pPr algn="ctr"/>
+            <a:endParaRPr b="0" lang="en-GB" sz="4400" spc="-1" strike="noStrike">
               <a:latin typeface="Arial"/>
             </a:endParaRPr>
           </a:p>
@@ -6630,10 +6220,7 @@
             <a:normAutofit/>
           </a:bodyPr>
           <a:p>
-            <a:endParaRPr b="0" lang="en-US" sz="2800" spc="-1" strike="noStrike">
-              <a:solidFill>
-                <a:srgbClr val="000000"/>
-              </a:solidFill>
+            <a:endParaRPr b="0" lang="en-GB" sz="3200" spc="-1" strike="noStrike">
               <a:latin typeface="Arial"/>
             </a:endParaRPr>
           </a:p>
@@ -6663,10 +6250,7 @@
             <a:normAutofit/>
           </a:bodyPr>
           <a:p>
-            <a:endParaRPr b="0" lang="en-US" sz="2800" spc="-1" strike="noStrike">
-              <a:solidFill>
-                <a:srgbClr val="000000"/>
-              </a:solidFill>
+            <a:endParaRPr b="0" lang="en-GB" sz="3200" spc="-1" strike="noStrike">
               <a:latin typeface="Arial"/>
             </a:endParaRPr>
           </a:p>
@@ -6696,10 +6280,7 @@
             <a:normAutofit/>
           </a:bodyPr>
           <a:p>
-            <a:endParaRPr b="0" lang="en-US" sz="2800" spc="-1" strike="noStrike">
-              <a:solidFill>
-                <a:srgbClr val="000000"/>
-              </a:solidFill>
+            <a:endParaRPr b="0" lang="en-GB" sz="3200" spc="-1" strike="noStrike">
               <a:latin typeface="Arial"/>
             </a:endParaRPr>
           </a:p>
@@ -6729,10 +6310,7 @@
             <a:normAutofit/>
           </a:bodyPr>
           <a:p>
-            <a:endParaRPr b="0" lang="en-US" sz="2800" spc="-1" strike="noStrike">
-              <a:solidFill>
-                <a:srgbClr val="000000"/>
-              </a:solidFill>
+            <a:endParaRPr b="0" lang="en-GB" sz="3200" spc="-1" strike="noStrike">
               <a:latin typeface="Arial"/>
             </a:endParaRPr>
           </a:p>
@@ -6762,10 +6340,7 @@
             <a:normAutofit/>
           </a:bodyPr>
           <a:p>
-            <a:endParaRPr b="0" lang="en-US" sz="2800" spc="-1" strike="noStrike">
-              <a:solidFill>
-                <a:srgbClr val="000000"/>
-              </a:solidFill>
+            <a:endParaRPr b="0" lang="en-GB" sz="3200" spc="-1" strike="noStrike">
               <a:latin typeface="Arial"/>
             </a:endParaRPr>
           </a:p>
@@ -6795,10 +6370,7 @@
             <a:normAutofit/>
           </a:bodyPr>
           <a:p>
-            <a:endParaRPr b="0" lang="en-US" sz="2800" spc="-1" strike="noStrike">
-              <a:solidFill>
-                <a:srgbClr val="000000"/>
-              </a:solidFill>
+            <a:endParaRPr b="0" lang="en-GB" sz="3200" spc="-1" strike="noStrike">
               <a:latin typeface="Arial"/>
             </a:endParaRPr>
           </a:p>
@@ -6850,10 +6422,8 @@
             <a:noAutofit/>
           </a:bodyPr>
           <a:p>
-            <a:endParaRPr b="0" lang="en-US" sz="1800" spc="-1" strike="noStrike">
-              <a:solidFill>
-                <a:srgbClr val="000000"/>
-              </a:solidFill>
+            <a:pPr algn="ctr"/>
+            <a:endParaRPr b="0" lang="en-GB" sz="4400" spc="-1" strike="noStrike">
               <a:latin typeface="Arial"/>
             </a:endParaRPr>
           </a:p>
@@ -6883,10 +6453,7 @@
             <a:normAutofit/>
           </a:bodyPr>
           <a:p>
-            <a:endParaRPr b="0" lang="en-US" sz="2800" spc="-1" strike="noStrike">
-              <a:solidFill>
-                <a:srgbClr val="000000"/>
-              </a:solidFill>
+            <a:endParaRPr b="0" lang="en-GB" sz="3200" spc="-1" strike="noStrike">
               <a:latin typeface="Arial"/>
             </a:endParaRPr>
           </a:p>
@@ -6916,10 +6483,7 @@
             <a:normAutofit/>
           </a:bodyPr>
           <a:p>
-            <a:endParaRPr b="0" lang="en-US" sz="2800" spc="-1" strike="noStrike">
-              <a:solidFill>
-                <a:srgbClr val="000000"/>
-              </a:solidFill>
+            <a:endParaRPr b="0" lang="en-GB" sz="3200" spc="-1" strike="noStrike">
               <a:latin typeface="Arial"/>
             </a:endParaRPr>
           </a:p>
@@ -6949,10 +6513,7 @@
             <a:normAutofit/>
           </a:bodyPr>
           <a:p>
-            <a:endParaRPr b="0" lang="en-US" sz="2800" spc="-1" strike="noStrike">
-              <a:solidFill>
-                <a:srgbClr val="000000"/>
-              </a:solidFill>
+            <a:endParaRPr b="0" lang="en-GB" sz="3200" spc="-1" strike="noStrike">
               <a:latin typeface="Arial"/>
             </a:endParaRPr>
           </a:p>
@@ -7004,10 +6565,8 @@
             <a:noAutofit/>
           </a:bodyPr>
           <a:p>
-            <a:endParaRPr b="0" lang="en-US" sz="1800" spc="-1" strike="noStrike">
-              <a:solidFill>
-                <a:srgbClr val="000000"/>
-              </a:solidFill>
+            <a:pPr algn="ctr"/>
+            <a:endParaRPr b="0" lang="en-GB" sz="4400" spc="-1" strike="noStrike">
               <a:latin typeface="Arial"/>
             </a:endParaRPr>
           </a:p>
@@ -7037,10 +6596,7 @@
             <a:normAutofit/>
           </a:bodyPr>
           <a:p>
-            <a:endParaRPr b="0" lang="en-US" sz="2800" spc="-1" strike="noStrike">
-              <a:solidFill>
-                <a:srgbClr val="000000"/>
-              </a:solidFill>
+            <a:endParaRPr b="0" lang="en-GB" sz="3200" spc="-1" strike="noStrike">
               <a:latin typeface="Arial"/>
             </a:endParaRPr>
           </a:p>
@@ -7070,10 +6626,7 @@
             <a:normAutofit/>
           </a:bodyPr>
           <a:p>
-            <a:endParaRPr b="0" lang="en-US" sz="2800" spc="-1" strike="noStrike">
-              <a:solidFill>
-                <a:srgbClr val="000000"/>
-              </a:solidFill>
+            <a:endParaRPr b="0" lang="en-GB" sz="3200" spc="-1" strike="noStrike">
               <a:latin typeface="Arial"/>
             </a:endParaRPr>
           </a:p>
@@ -7103,10 +6656,7 @@
             <a:normAutofit/>
           </a:bodyPr>
           <a:p>
-            <a:endParaRPr b="0" lang="en-US" sz="2800" spc="-1" strike="noStrike">
-              <a:solidFill>
-                <a:srgbClr val="000000"/>
-              </a:solidFill>
+            <a:endParaRPr b="0" lang="en-GB" sz="3200" spc="-1" strike="noStrike">
               <a:latin typeface="Arial"/>
             </a:endParaRPr>
           </a:p>
@@ -7158,10 +6708,8 @@
             <a:noAutofit/>
           </a:bodyPr>
           <a:p>
-            <a:endParaRPr b="0" lang="en-US" sz="1800" spc="-1" strike="noStrike">
-              <a:solidFill>
-                <a:srgbClr val="000000"/>
-              </a:solidFill>
+            <a:pPr algn="ctr"/>
+            <a:endParaRPr b="0" lang="en-GB" sz="4400" spc="-1" strike="noStrike">
               <a:latin typeface="Arial"/>
             </a:endParaRPr>
           </a:p>
@@ -7191,10 +6739,7 @@
             <a:normAutofit/>
           </a:bodyPr>
           <a:p>
-            <a:endParaRPr b="0" lang="en-US" sz="2800" spc="-1" strike="noStrike">
-              <a:solidFill>
-                <a:srgbClr val="000000"/>
-              </a:solidFill>
+            <a:endParaRPr b="0" lang="en-GB" sz="3200" spc="-1" strike="noStrike">
               <a:latin typeface="Arial"/>
             </a:endParaRPr>
           </a:p>
@@ -7224,10 +6769,7 @@
             <a:normAutofit/>
           </a:bodyPr>
           <a:p>
-            <a:endParaRPr b="0" lang="en-US" sz="2800" spc="-1" strike="noStrike">
-              <a:solidFill>
-                <a:srgbClr val="000000"/>
-              </a:solidFill>
+            <a:endParaRPr b="0" lang="en-GB" sz="3200" spc="-1" strike="noStrike">
               <a:latin typeface="Arial"/>
             </a:endParaRPr>
           </a:p>
@@ -7257,10 +6799,7 @@
             <a:normAutofit/>
           </a:bodyPr>
           <a:p>
-            <a:endParaRPr b="0" lang="en-US" sz="2800" spc="-1" strike="noStrike">
-              <a:solidFill>
-                <a:srgbClr val="000000"/>
-              </a:solidFill>
+            <a:endParaRPr b="0" lang="en-GB" sz="3200" spc="-1" strike="noStrike">
               <a:latin typeface="Arial"/>
             </a:endParaRPr>
           </a:p>
@@ -7307,8 +6846,8 @@
         </p:nvSpPr>
         <p:spPr>
           <a:xfrm>
-            <a:off x="457200" y="684000"/>
-            <a:ext cx="8228160" cy="1144080"/>
+            <a:off x="457200" y="273600"/>
+            <a:ext cx="8228880" cy="1144440"/>
           </a:xfrm>
           <a:prstGeom prst="rect">
             <a:avLst/>
@@ -7320,18 +6859,30 @@
           </a:bodyPr>
           <a:p>
             <a:r>
-              <a:rPr b="0" lang="en-US" sz="4400" spc="-1" strike="noStrike">
-                <a:solidFill>
-                  <a:srgbClr val="000000"/>
-                </a:solidFill>
+              <a:rPr b="0" lang="en-GB" sz="1800" spc="-1" strike="noStrike">
                 <a:latin typeface="Arial"/>
               </a:rPr>
-              <a:t>Click to edit the title text format</a:t>
-            </a:r>
-            <a:endParaRPr b="0" lang="en-US" sz="4400" spc="-1" strike="noStrike">
-              <a:solidFill>
-                <a:srgbClr val="000000"/>
-              </a:solidFill>
+              <a:t>Click to </a:t>
+            </a:r>
+            <a:r>
+              <a:rPr b="0" lang="en-GB" sz="1800" spc="-1" strike="noStrike">
+                <a:latin typeface="Arial"/>
+              </a:rPr>
+              <a:t>edit the </a:t>
+            </a:r>
+            <a:r>
+              <a:rPr b="0" lang="en-GB" sz="1800" spc="-1" strike="noStrike">
+                <a:latin typeface="Arial"/>
+              </a:rPr>
+              <a:t>title text </a:t>
+            </a:r>
+            <a:r>
+              <a:rPr b="0" lang="en-GB" sz="1800" spc="-1" strike="noStrike">
+                <a:latin typeface="Arial"/>
+              </a:rPr>
+              <a:t>format</a:t>
+            </a:r>
+            <a:endParaRPr b="0" lang="en-GB" sz="1800" spc="-1" strike="noStrike">
               <a:latin typeface="Arial"/>
             </a:endParaRPr>
           </a:p>
@@ -7350,7 +6901,7 @@
         <p:spPr>
           <a:xfrm>
             <a:off x="457200" y="1604520"/>
-            <a:ext cx="8229240" cy="3977280"/>
+            <a:ext cx="8228880" cy="3976920"/>
           </a:xfrm>
           <a:prstGeom prst="rect">
             <a:avLst/>
@@ -7373,18 +6924,12 @@
               <a:buChar char=""/>
             </a:pPr>
             <a:r>
-              <a:rPr b="0" lang="en-US" sz="2800" spc="-1" strike="noStrike">
-                <a:solidFill>
-                  <a:srgbClr val="000000"/>
-                </a:solidFill>
+              <a:rPr b="0" lang="en-GB" sz="1800" spc="-1" strike="noStrike">
                 <a:latin typeface="Arial"/>
               </a:rPr>
               <a:t>Click to edit the outline text format</a:t>
             </a:r>
-            <a:endParaRPr b="0" lang="en-US" sz="2800" spc="-1" strike="noStrike">
-              <a:solidFill>
-                <a:srgbClr val="000000"/>
-              </a:solidFill>
+            <a:endParaRPr b="0" lang="en-GB" sz="1800" spc="-1" strike="noStrike">
               <a:latin typeface="Arial"/>
             </a:endParaRPr>
           </a:p>
@@ -7401,18 +6946,12 @@
               <a:buChar char=""/>
             </a:pPr>
             <a:r>
-              <a:rPr b="0" lang="en-US" sz="2000" spc="-1" strike="noStrike">
-                <a:solidFill>
-                  <a:srgbClr val="000000"/>
-                </a:solidFill>
+              <a:rPr b="0" lang="en-GB" sz="1800" spc="-1" strike="noStrike">
                 <a:latin typeface="Arial"/>
               </a:rPr>
               <a:t>Second Outline Level</a:t>
             </a:r>
-            <a:endParaRPr b="0" lang="en-US" sz="2000" spc="-1" strike="noStrike">
-              <a:solidFill>
-                <a:srgbClr val="000000"/>
-              </a:solidFill>
+            <a:endParaRPr b="0" lang="en-GB" sz="1800" spc="-1" strike="noStrike">
               <a:latin typeface="Arial"/>
             </a:endParaRPr>
           </a:p>
@@ -7429,18 +6968,12 @@
               <a:buChar char=""/>
             </a:pPr>
             <a:r>
-              <a:rPr b="0" lang="en-US" sz="1800" spc="-1" strike="noStrike">
-                <a:solidFill>
-                  <a:srgbClr val="000000"/>
-                </a:solidFill>
+              <a:rPr b="0" lang="en-GB" sz="1800" spc="-1" strike="noStrike">
                 <a:latin typeface="Arial"/>
               </a:rPr>
               <a:t>Third Outline Level</a:t>
             </a:r>
-            <a:endParaRPr b="0" lang="en-US" sz="1800" spc="-1" strike="noStrike">
-              <a:solidFill>
-                <a:srgbClr val="000000"/>
-              </a:solidFill>
+            <a:endParaRPr b="0" lang="en-GB" sz="1800" spc="-1" strike="noStrike">
               <a:latin typeface="Arial"/>
             </a:endParaRPr>
           </a:p>
@@ -7457,18 +6990,12 @@
               <a:buChar char=""/>
             </a:pPr>
             <a:r>
-              <a:rPr b="0" lang="en-US" sz="1800" spc="-1" strike="noStrike">
-                <a:solidFill>
-                  <a:srgbClr val="000000"/>
-                </a:solidFill>
+              <a:rPr b="0" lang="en-GB" sz="1800" spc="-1" strike="noStrike">
                 <a:latin typeface="Arial"/>
               </a:rPr>
               <a:t>Fourth Outline Level</a:t>
             </a:r>
-            <a:endParaRPr b="0" lang="en-US" sz="1800" spc="-1" strike="noStrike">
-              <a:solidFill>
-                <a:srgbClr val="000000"/>
-              </a:solidFill>
+            <a:endParaRPr b="0" lang="en-GB" sz="1800" spc="-1" strike="noStrike">
               <a:latin typeface="Arial"/>
             </a:endParaRPr>
           </a:p>
@@ -7485,18 +7012,12 @@
               <a:buChar char=""/>
             </a:pPr>
             <a:r>
-              <a:rPr b="0" lang="en-US" sz="2000" spc="-1" strike="noStrike">
-                <a:solidFill>
-                  <a:srgbClr val="000000"/>
-                </a:solidFill>
+              <a:rPr b="0" lang="en-GB" sz="1800" spc="-1" strike="noStrike">
                 <a:latin typeface="Arial"/>
               </a:rPr>
               <a:t>Fifth Outline Level</a:t>
             </a:r>
-            <a:endParaRPr b="0" lang="en-US" sz="2000" spc="-1" strike="noStrike">
-              <a:solidFill>
-                <a:srgbClr val="000000"/>
-              </a:solidFill>
+            <a:endParaRPr b="0" lang="en-GB" sz="1800" spc="-1" strike="noStrike">
               <a:latin typeface="Arial"/>
             </a:endParaRPr>
           </a:p>
@@ -7513,18 +7034,12 @@
               <a:buChar char=""/>
             </a:pPr>
             <a:r>
-              <a:rPr b="0" lang="en-US" sz="2000" spc="-1" strike="noStrike">
-                <a:solidFill>
-                  <a:srgbClr val="000000"/>
-                </a:solidFill>
+              <a:rPr b="0" lang="en-GB" sz="1800" spc="-1" strike="noStrike">
                 <a:latin typeface="Arial"/>
               </a:rPr>
               <a:t>Sixth Outline Level</a:t>
             </a:r>
-            <a:endParaRPr b="0" lang="en-US" sz="2000" spc="-1" strike="noStrike">
-              <a:solidFill>
-                <a:srgbClr val="000000"/>
-              </a:solidFill>
+            <a:endParaRPr b="0" lang="en-GB" sz="1800" spc="-1" strike="noStrike">
               <a:latin typeface="Arial"/>
             </a:endParaRPr>
           </a:p>
@@ -7541,18 +7056,12 @@
               <a:buChar char=""/>
             </a:pPr>
             <a:r>
-              <a:rPr b="0" lang="en-US" sz="2000" spc="-1" strike="noStrike">
-                <a:solidFill>
-                  <a:srgbClr val="000000"/>
-                </a:solidFill>
+              <a:rPr b="0" lang="en-GB" sz="1800" spc="-1" strike="noStrike">
                 <a:latin typeface="Arial"/>
               </a:rPr>
               <a:t>Seventh Outline Level</a:t>
             </a:r>
-            <a:endParaRPr b="0" lang="en-US" sz="2000" spc="-1" strike="noStrike">
-              <a:solidFill>
-                <a:srgbClr val="000000"/>
-              </a:solidFill>
+            <a:endParaRPr b="0" lang="en-GB" sz="1800" spc="-1" strike="noStrike">
               <a:latin typeface="Arial"/>
             </a:endParaRPr>
           </a:p>
@@ -7614,8 +7123,8 @@
         </p:nvSpPr>
         <p:spPr>
           <a:xfrm>
-            <a:off x="457200" y="684000"/>
-            <a:ext cx="8228160" cy="1144080"/>
+            <a:off x="457200" y="273600"/>
+            <a:ext cx="8229240" cy="1144800"/>
           </a:xfrm>
           <a:prstGeom prst="rect">
             <a:avLst/>
@@ -7626,19 +7135,32 @@
             <a:noAutofit/>
           </a:bodyPr>
           <a:p>
-            <a:r>
-              <a:rPr b="0" lang="en-US" sz="4400" spc="-1" strike="noStrike">
-                <a:solidFill>
-                  <a:srgbClr val="000000"/>
-                </a:solidFill>
+            <a:pPr algn="ctr"/>
+            <a:r>
+              <a:rPr b="0" lang="en-GB" sz="4400" spc="-1" strike="noStrike">
                 <a:latin typeface="Arial"/>
               </a:rPr>
-              <a:t>Click to edit the title text format</a:t>
-            </a:r>
-            <a:endParaRPr b="0" lang="en-US" sz="4400" spc="-1" strike="noStrike">
-              <a:solidFill>
-                <a:srgbClr val="000000"/>
-              </a:solidFill>
+              <a:t>Click to </a:t>
+            </a:r>
+            <a:r>
+              <a:rPr b="0" lang="en-GB" sz="4400" spc="-1" strike="noStrike">
+                <a:latin typeface="Arial"/>
+              </a:rPr>
+              <a:t>edit the </a:t>
+            </a:r>
+            <a:r>
+              <a:rPr b="0" lang="en-GB" sz="4400" spc="-1" strike="noStrike">
+                <a:latin typeface="Arial"/>
+              </a:rPr>
+              <a:t>title text </a:t>
+            </a:r>
+            <a:r>
+              <a:rPr b="0" lang="en-GB" sz="4400" spc="-1" strike="noStrike">
+                <a:latin typeface="Arial"/>
+              </a:rPr>
+              <a:t>format</a:t>
+            </a:r>
+            <a:endParaRPr b="0" lang="en-GB" sz="4400" spc="-1" strike="noStrike">
               <a:latin typeface="Arial"/>
             </a:endParaRPr>
           </a:p>
@@ -7656,8 +7178,8 @@
         </p:nvSpPr>
         <p:spPr>
           <a:xfrm>
-            <a:off x="457200" y="2002680"/>
-            <a:ext cx="8228160" cy="3577680"/>
+            <a:off x="457200" y="1604520"/>
+            <a:ext cx="8229240" cy="3977280"/>
           </a:xfrm>
           <a:prstGeom prst="rect">
             <a:avLst/>
@@ -7680,18 +7202,12 @@
               <a:buChar char=""/>
             </a:pPr>
             <a:r>
-              <a:rPr b="0" lang="en-US" sz="2800" spc="-1" strike="noStrike">
-                <a:solidFill>
-                  <a:srgbClr val="000000"/>
-                </a:solidFill>
+              <a:rPr b="0" lang="en-GB" sz="3200" spc="-1" strike="noStrike">
                 <a:latin typeface="Arial"/>
               </a:rPr>
               <a:t>Click to edit the outline text format</a:t>
             </a:r>
-            <a:endParaRPr b="0" lang="en-US" sz="2800" spc="-1" strike="noStrike">
-              <a:solidFill>
-                <a:srgbClr val="000000"/>
-              </a:solidFill>
+            <a:endParaRPr b="0" lang="en-GB" sz="3200" spc="-1" strike="noStrike">
               <a:latin typeface="Arial"/>
             </a:endParaRPr>
           </a:p>
@@ -7708,18 +7224,12 @@
               <a:buChar char=""/>
             </a:pPr>
             <a:r>
-              <a:rPr b="0" lang="en-US" sz="2800" spc="-1" strike="noStrike">
-                <a:solidFill>
-                  <a:srgbClr val="000000"/>
-                </a:solidFill>
+              <a:rPr b="0" lang="en-GB" sz="2800" spc="-1" strike="noStrike">
                 <a:latin typeface="Arial"/>
               </a:rPr>
               <a:t>Second Outline Level</a:t>
             </a:r>
-            <a:endParaRPr b="0" lang="en-US" sz="2800" spc="-1" strike="noStrike">
-              <a:solidFill>
-                <a:srgbClr val="000000"/>
-              </a:solidFill>
+            <a:endParaRPr b="0" lang="en-GB" sz="2800" spc="-1" strike="noStrike">
               <a:latin typeface="Arial"/>
             </a:endParaRPr>
           </a:p>
@@ -7736,18 +7246,12 @@
               <a:buChar char=""/>
             </a:pPr>
             <a:r>
-              <a:rPr b="0" lang="en-US" sz="2800" spc="-1" strike="noStrike">
-                <a:solidFill>
-                  <a:srgbClr val="000000"/>
-                </a:solidFill>
+              <a:rPr b="0" lang="en-GB" sz="2400" spc="-1" strike="noStrike">
                 <a:latin typeface="Arial"/>
               </a:rPr>
               <a:t>Third Outline Level</a:t>
             </a:r>
-            <a:endParaRPr b="0" lang="en-US" sz="2800" spc="-1" strike="noStrike">
-              <a:solidFill>
-                <a:srgbClr val="000000"/>
-              </a:solidFill>
+            <a:endParaRPr b="0" lang="en-GB" sz="2400" spc="-1" strike="noStrike">
               <a:latin typeface="Arial"/>
             </a:endParaRPr>
           </a:p>
@@ -7764,18 +7268,12 @@
               <a:buChar char=""/>
             </a:pPr>
             <a:r>
-              <a:rPr b="0" lang="en-US" sz="2800" spc="-1" strike="noStrike">
-                <a:solidFill>
-                  <a:srgbClr val="000000"/>
-                </a:solidFill>
+              <a:rPr b="0" lang="en-GB" sz="2000" spc="-1" strike="noStrike">
                 <a:latin typeface="Arial"/>
               </a:rPr>
               <a:t>Fourth Outline Level</a:t>
             </a:r>
-            <a:endParaRPr b="0" lang="en-US" sz="2800" spc="-1" strike="noStrike">
-              <a:solidFill>
-                <a:srgbClr val="000000"/>
-              </a:solidFill>
+            <a:endParaRPr b="0" lang="en-GB" sz="2000" spc="-1" strike="noStrike">
               <a:latin typeface="Arial"/>
             </a:endParaRPr>
           </a:p>
@@ -7792,18 +7290,12 @@
               <a:buChar char=""/>
             </a:pPr>
             <a:r>
-              <a:rPr b="0" lang="en-US" sz="2800" spc="-1" strike="noStrike">
-                <a:solidFill>
-                  <a:srgbClr val="000000"/>
-                </a:solidFill>
+              <a:rPr b="0" lang="en-GB" sz="2000" spc="-1" strike="noStrike">
                 <a:latin typeface="Arial"/>
               </a:rPr>
               <a:t>Fifth Outline Level</a:t>
             </a:r>
-            <a:endParaRPr b="0" lang="en-US" sz="2800" spc="-1" strike="noStrike">
-              <a:solidFill>
-                <a:srgbClr val="000000"/>
-              </a:solidFill>
+            <a:endParaRPr b="0" lang="en-GB" sz="2000" spc="-1" strike="noStrike">
               <a:latin typeface="Arial"/>
             </a:endParaRPr>
           </a:p>
@@ -7820,18 +7312,12 @@
               <a:buChar char=""/>
             </a:pPr>
             <a:r>
-              <a:rPr b="0" lang="en-US" sz="2800" spc="-1" strike="noStrike">
-                <a:solidFill>
-                  <a:srgbClr val="000000"/>
-                </a:solidFill>
+              <a:rPr b="0" lang="en-GB" sz="2000" spc="-1" strike="noStrike">
                 <a:latin typeface="Arial"/>
               </a:rPr>
               <a:t>Sixth Outline Level</a:t>
             </a:r>
-            <a:endParaRPr b="0" lang="en-US" sz="2800" spc="-1" strike="noStrike">
-              <a:solidFill>
-                <a:srgbClr val="000000"/>
-              </a:solidFill>
+            <a:endParaRPr b="0" lang="en-GB" sz="2000" spc="-1" strike="noStrike">
               <a:latin typeface="Arial"/>
             </a:endParaRPr>
           </a:p>
@@ -7848,18 +7334,12 @@
               <a:buChar char=""/>
             </a:pPr>
             <a:r>
-              <a:rPr b="0" lang="en-US" sz="2800" spc="-1" strike="noStrike">
-                <a:solidFill>
-                  <a:srgbClr val="000000"/>
-                </a:solidFill>
+              <a:rPr b="0" lang="en-GB" sz="2000" spc="-1" strike="noStrike">
                 <a:latin typeface="Arial"/>
               </a:rPr>
               <a:t>Seventh Outline Level</a:t>
             </a:r>
-            <a:endParaRPr b="0" lang="en-US" sz="2800" spc="-1" strike="noStrike">
-              <a:solidFill>
-                <a:srgbClr val="000000"/>
-              </a:solidFill>
+            <a:endParaRPr b="0" lang="en-GB" sz="2000" spc="-1" strike="noStrike">
               <a:latin typeface="Arial"/>
             </a:endParaRPr>
           </a:p>
@@ -7933,19 +7413,92 @@
             <a:noAutofit/>
           </a:bodyPr>
           <a:p>
-            <a:r>
-              <a:rPr b="0" lang="en-US" sz="1800" spc="-1" strike="noStrike">
-                <a:solidFill>
-                  <a:srgbClr val="000000"/>
-                </a:solidFill>
+            <a:pPr algn="ctr"/>
+            <a:r>
+              <a:rPr b="0" lang="en-GB" sz="4400" spc="-1" strike="noStrike">
                 <a:latin typeface="Arial"/>
               </a:rPr>
-              <a:t>Click to edit the title text format</a:t>
-            </a:r>
-            <a:endParaRPr b="0" lang="en-US" sz="1800" spc="-1" strike="noStrike">
-              <a:solidFill>
-                <a:srgbClr val="000000"/>
-              </a:solidFill>
+              <a:t>Cli</a:t>
+            </a:r>
+            <a:r>
+              <a:rPr b="0" lang="en-GB" sz="4400" spc="-1" strike="noStrike">
+                <a:latin typeface="Arial"/>
+              </a:rPr>
+              <a:t>ck </a:t>
+            </a:r>
+            <a:r>
+              <a:rPr b="0" lang="en-GB" sz="4400" spc="-1" strike="noStrike">
+                <a:latin typeface="Arial"/>
+              </a:rPr>
+              <a:t>to </a:t>
+            </a:r>
+            <a:r>
+              <a:rPr b="0" lang="en-GB" sz="4400" spc="-1" strike="noStrike">
+                <a:latin typeface="Arial"/>
+              </a:rPr>
+              <a:t>ed</a:t>
+            </a:r>
+            <a:r>
+              <a:rPr b="0" lang="en-GB" sz="4400" spc="-1" strike="noStrike">
+                <a:latin typeface="Arial"/>
+              </a:rPr>
+              <a:t>it </a:t>
+            </a:r>
+            <a:r>
+              <a:rPr b="0" lang="en-GB" sz="4400" spc="-1" strike="noStrike">
+                <a:latin typeface="Arial"/>
+              </a:rPr>
+              <a:t>th</a:t>
+            </a:r>
+            <a:r>
+              <a:rPr b="0" lang="en-GB" sz="4400" spc="-1" strike="noStrike">
+                <a:latin typeface="Arial"/>
+              </a:rPr>
+              <a:t>e </a:t>
+            </a:r>
+            <a:r>
+              <a:rPr b="0" lang="en-GB" sz="4400" spc="-1" strike="noStrike">
+                <a:latin typeface="Arial"/>
+              </a:rPr>
+              <a:t>titl</a:t>
+            </a:r>
+            <a:r>
+              <a:rPr b="0" lang="en-GB" sz="4400" spc="-1" strike="noStrike">
+                <a:latin typeface="Arial"/>
+              </a:rPr>
+              <a:t>e </a:t>
+            </a:r>
+            <a:r>
+              <a:rPr b="0" lang="en-GB" sz="4400" spc="-1" strike="noStrike">
+                <a:latin typeface="Arial"/>
+              </a:rPr>
+              <a:t>te</a:t>
+            </a:r>
+            <a:r>
+              <a:rPr b="0" lang="en-GB" sz="4400" spc="-1" strike="noStrike">
+                <a:latin typeface="Arial"/>
+              </a:rPr>
+              <a:t>xt </a:t>
+            </a:r>
+            <a:r>
+              <a:rPr b="0" lang="en-GB" sz="4400" spc="-1" strike="noStrike">
+                <a:latin typeface="Arial"/>
+              </a:rPr>
+              <a:t>for</a:t>
+            </a:r>
+            <a:r>
+              <a:rPr b="0" lang="en-GB" sz="4400" spc="-1" strike="noStrike">
+                <a:latin typeface="Arial"/>
+              </a:rPr>
+              <a:t>m</a:t>
+            </a:r>
+            <a:r>
+              <a:rPr b="0" lang="en-GB" sz="4400" spc="-1" strike="noStrike">
+                <a:latin typeface="Arial"/>
+              </a:rPr>
+              <a:t>at</a:t>
+            </a:r>
+            <a:endParaRPr b="0" lang="en-GB" sz="4400" spc="-1" strike="noStrike">
               <a:latin typeface="Arial"/>
             </a:endParaRPr>
           </a:p>
@@ -7987,18 +7540,12 @@
               <a:buChar char=""/>
             </a:pPr>
             <a:r>
-              <a:rPr b="0" lang="en-US" sz="2800" spc="-1" strike="noStrike">
-                <a:solidFill>
-                  <a:srgbClr val="000000"/>
-                </a:solidFill>
+              <a:rPr b="0" lang="en-GB" sz="3200" spc="-1" strike="noStrike">
                 <a:latin typeface="Arial"/>
               </a:rPr>
               <a:t>Click to edit the outline text format</a:t>
             </a:r>
-            <a:endParaRPr b="0" lang="en-US" sz="2800" spc="-1" strike="noStrike">
-              <a:solidFill>
-                <a:srgbClr val="000000"/>
-              </a:solidFill>
+            <a:endParaRPr b="0" lang="en-GB" sz="3200" spc="-1" strike="noStrike">
               <a:latin typeface="Arial"/>
             </a:endParaRPr>
           </a:p>
@@ -8015,18 +7562,12 @@
               <a:buChar char=""/>
             </a:pPr>
             <a:r>
-              <a:rPr b="0" lang="en-US" sz="2000" spc="-1" strike="noStrike">
-                <a:solidFill>
-                  <a:srgbClr val="000000"/>
-                </a:solidFill>
+              <a:rPr b="0" lang="en-GB" sz="2800" spc="-1" strike="noStrike">
                 <a:latin typeface="Arial"/>
               </a:rPr>
               <a:t>Second Outline Level</a:t>
             </a:r>
-            <a:endParaRPr b="0" lang="en-US" sz="2000" spc="-1" strike="noStrike">
-              <a:solidFill>
-                <a:srgbClr val="000000"/>
-              </a:solidFill>
+            <a:endParaRPr b="0" lang="en-GB" sz="2800" spc="-1" strike="noStrike">
               <a:latin typeface="Arial"/>
             </a:endParaRPr>
           </a:p>
@@ -8043,18 +7584,12 @@
               <a:buChar char=""/>
             </a:pPr>
             <a:r>
-              <a:rPr b="0" lang="en-US" sz="1800" spc="-1" strike="noStrike">
-                <a:solidFill>
-                  <a:srgbClr val="000000"/>
-                </a:solidFill>
+              <a:rPr b="0" lang="en-GB" sz="2400" spc="-1" strike="noStrike">
                 <a:latin typeface="Arial"/>
               </a:rPr>
               <a:t>Third Outline Level</a:t>
             </a:r>
-            <a:endParaRPr b="0" lang="en-US" sz="1800" spc="-1" strike="noStrike">
-              <a:solidFill>
-                <a:srgbClr val="000000"/>
-              </a:solidFill>
+            <a:endParaRPr b="0" lang="en-GB" sz="2400" spc="-1" strike="noStrike">
               <a:latin typeface="Arial"/>
             </a:endParaRPr>
           </a:p>
@@ -8071,18 +7606,12 @@
               <a:buChar char=""/>
             </a:pPr>
             <a:r>
-              <a:rPr b="0" lang="en-US" sz="1800" spc="-1" strike="noStrike">
-                <a:solidFill>
-                  <a:srgbClr val="000000"/>
-                </a:solidFill>
+              <a:rPr b="0" lang="en-GB" sz="2000" spc="-1" strike="noStrike">
                 <a:latin typeface="Arial"/>
               </a:rPr>
               <a:t>Fourth Outline Level</a:t>
             </a:r>
-            <a:endParaRPr b="0" lang="en-US" sz="1800" spc="-1" strike="noStrike">
-              <a:solidFill>
-                <a:srgbClr val="000000"/>
-              </a:solidFill>
+            <a:endParaRPr b="0" lang="en-GB" sz="2000" spc="-1" strike="noStrike">
               <a:latin typeface="Arial"/>
             </a:endParaRPr>
           </a:p>
@@ -8099,18 +7628,12 @@
               <a:buChar char=""/>
             </a:pPr>
             <a:r>
-              <a:rPr b="0" lang="en-US" sz="2000" spc="-1" strike="noStrike">
-                <a:solidFill>
-                  <a:srgbClr val="000000"/>
-                </a:solidFill>
+              <a:rPr b="0" lang="en-GB" sz="2000" spc="-1" strike="noStrike">
                 <a:latin typeface="Arial"/>
               </a:rPr>
               <a:t>Fifth Outline Level</a:t>
             </a:r>
-            <a:endParaRPr b="0" lang="en-US" sz="2000" spc="-1" strike="noStrike">
-              <a:solidFill>
-                <a:srgbClr val="000000"/>
-              </a:solidFill>
+            <a:endParaRPr b="0" lang="en-GB" sz="2000" spc="-1" strike="noStrike">
               <a:latin typeface="Arial"/>
             </a:endParaRPr>
           </a:p>
@@ -8127,18 +7650,12 @@
               <a:buChar char=""/>
             </a:pPr>
             <a:r>
-              <a:rPr b="0" lang="en-US" sz="2000" spc="-1" strike="noStrike">
-                <a:solidFill>
-                  <a:srgbClr val="000000"/>
-                </a:solidFill>
+              <a:rPr b="0" lang="en-GB" sz="2000" spc="-1" strike="noStrike">
                 <a:latin typeface="Arial"/>
               </a:rPr>
               <a:t>Sixth Outline Level</a:t>
             </a:r>
-            <a:endParaRPr b="0" lang="en-US" sz="2000" spc="-1" strike="noStrike">
-              <a:solidFill>
-                <a:srgbClr val="000000"/>
-              </a:solidFill>
+            <a:endParaRPr b="0" lang="en-GB" sz="2000" spc="-1" strike="noStrike">
               <a:latin typeface="Arial"/>
             </a:endParaRPr>
           </a:p>
@@ -8155,18 +7672,12 @@
               <a:buChar char=""/>
             </a:pPr>
             <a:r>
-              <a:rPr b="0" lang="en-US" sz="2000" spc="-1" strike="noStrike">
-                <a:solidFill>
-                  <a:srgbClr val="000000"/>
-                </a:solidFill>
+              <a:rPr b="0" lang="en-GB" sz="2000" spc="-1" strike="noStrike">
                 <a:latin typeface="Arial"/>
               </a:rPr>
               <a:t>Seventh Outline Level</a:t>
             </a:r>
-            <a:endParaRPr b="0" lang="en-US" sz="2000" spc="-1" strike="noStrike">
-              <a:solidFill>
-                <a:srgbClr val="000000"/>
-              </a:solidFill>
+            <a:endParaRPr b="0" lang="en-GB" sz="2000" spc="-1" strike="noStrike">
               <a:latin typeface="Arial"/>
             </a:endParaRPr>
           </a:p>
@@ -8240,19 +7751,38 @@
             <a:noAutofit/>
           </a:bodyPr>
           <a:p>
-            <a:r>
-              <a:rPr b="0" lang="en-US" sz="1800" spc="-1" strike="noStrike">
-                <a:solidFill>
-                  <a:srgbClr val="000000"/>
-                </a:solidFill>
+            <a:pPr algn="ctr"/>
+            <a:r>
+              <a:rPr b="0" lang="en-GB" sz="4400" spc="-1" strike="noStrike">
                 <a:latin typeface="Arial"/>
               </a:rPr>
-              <a:t>Click to edit the title text format</a:t>
-            </a:r>
-            <a:endParaRPr b="0" lang="en-US" sz="1800" spc="-1" strike="noStrike">
-              <a:solidFill>
-                <a:srgbClr val="000000"/>
-              </a:solidFill>
+              <a:t>Click </a:t>
+            </a:r>
+            <a:r>
+              <a:rPr b="0" lang="en-GB" sz="4400" spc="-1" strike="noStrike">
+                <a:latin typeface="Arial"/>
+              </a:rPr>
+              <a:t>to edit </a:t>
+            </a:r>
+            <a:r>
+              <a:rPr b="0" lang="en-GB" sz="4400" spc="-1" strike="noStrike">
+                <a:latin typeface="Arial"/>
+              </a:rPr>
+              <a:t>the title </a:t>
+            </a:r>
+            <a:r>
+              <a:rPr b="0" lang="en-GB" sz="4400" spc="-1" strike="noStrike">
+                <a:latin typeface="Arial"/>
+              </a:rPr>
+              <a:t>text </a:t>
+            </a:r>
+            <a:r>
+              <a:rPr b="0" lang="en-GB" sz="4400" spc="-1" strike="noStrike">
+                <a:latin typeface="Arial"/>
+              </a:rPr>
+              <a:t>format</a:t>
+            </a:r>
+            <a:endParaRPr b="0" lang="en-GB" sz="4400" spc="-1" strike="noStrike">
               <a:latin typeface="Arial"/>
             </a:endParaRPr>
           </a:p>
@@ -8294,18 +7824,12 @@
               <a:buChar char=""/>
             </a:pPr>
             <a:r>
-              <a:rPr b="0" lang="en-US" sz="2800" spc="-1" strike="noStrike">
-                <a:solidFill>
-                  <a:srgbClr val="000000"/>
-                </a:solidFill>
+              <a:rPr b="0" lang="en-GB" sz="3200" spc="-1" strike="noStrike">
                 <a:latin typeface="Arial"/>
               </a:rPr>
               <a:t>Click to edit the outline text format</a:t>
             </a:r>
-            <a:endParaRPr b="0" lang="en-US" sz="2800" spc="-1" strike="noStrike">
-              <a:solidFill>
-                <a:srgbClr val="000000"/>
-              </a:solidFill>
+            <a:endParaRPr b="0" lang="en-GB" sz="3200" spc="-1" strike="noStrike">
               <a:latin typeface="Arial"/>
             </a:endParaRPr>
           </a:p>
@@ -8322,18 +7846,12 @@
               <a:buChar char=""/>
             </a:pPr>
             <a:r>
-              <a:rPr b="0" lang="en-US" sz="2000" spc="-1" strike="noStrike">
-                <a:solidFill>
-                  <a:srgbClr val="000000"/>
-                </a:solidFill>
+              <a:rPr b="0" lang="en-GB" sz="2800" spc="-1" strike="noStrike">
                 <a:latin typeface="Arial"/>
               </a:rPr>
               <a:t>Second Outline Level</a:t>
             </a:r>
-            <a:endParaRPr b="0" lang="en-US" sz="2000" spc="-1" strike="noStrike">
-              <a:solidFill>
-                <a:srgbClr val="000000"/>
-              </a:solidFill>
+            <a:endParaRPr b="0" lang="en-GB" sz="2800" spc="-1" strike="noStrike">
               <a:latin typeface="Arial"/>
             </a:endParaRPr>
           </a:p>
@@ -8350,18 +7868,12 @@
               <a:buChar char=""/>
             </a:pPr>
             <a:r>
-              <a:rPr b="0" lang="en-US" sz="1800" spc="-1" strike="noStrike">
-                <a:solidFill>
-                  <a:srgbClr val="000000"/>
-                </a:solidFill>
+              <a:rPr b="0" lang="en-GB" sz="2400" spc="-1" strike="noStrike">
                 <a:latin typeface="Arial"/>
               </a:rPr>
               <a:t>Third Outline Level</a:t>
             </a:r>
-            <a:endParaRPr b="0" lang="en-US" sz="1800" spc="-1" strike="noStrike">
-              <a:solidFill>
-                <a:srgbClr val="000000"/>
-              </a:solidFill>
+            <a:endParaRPr b="0" lang="en-GB" sz="2400" spc="-1" strike="noStrike">
               <a:latin typeface="Arial"/>
             </a:endParaRPr>
           </a:p>
@@ -8378,18 +7890,12 @@
               <a:buChar char=""/>
             </a:pPr>
             <a:r>
-              <a:rPr b="0" lang="en-US" sz="1800" spc="-1" strike="noStrike">
-                <a:solidFill>
-                  <a:srgbClr val="000000"/>
-                </a:solidFill>
+              <a:rPr b="0" lang="en-GB" sz="2000" spc="-1" strike="noStrike">
                 <a:latin typeface="Arial"/>
               </a:rPr>
               <a:t>Fourth Outline Level</a:t>
             </a:r>
-            <a:endParaRPr b="0" lang="en-US" sz="1800" spc="-1" strike="noStrike">
-              <a:solidFill>
-                <a:srgbClr val="000000"/>
-              </a:solidFill>
+            <a:endParaRPr b="0" lang="en-GB" sz="2000" spc="-1" strike="noStrike">
               <a:latin typeface="Arial"/>
             </a:endParaRPr>
           </a:p>
@@ -8406,18 +7912,12 @@
               <a:buChar char=""/>
             </a:pPr>
             <a:r>
-              <a:rPr b="0" lang="en-US" sz="2000" spc="-1" strike="noStrike">
-                <a:solidFill>
-                  <a:srgbClr val="000000"/>
-                </a:solidFill>
+              <a:rPr b="0" lang="en-GB" sz="2000" spc="-1" strike="noStrike">
                 <a:latin typeface="Arial"/>
               </a:rPr>
               <a:t>Fifth Outline Level</a:t>
             </a:r>
-            <a:endParaRPr b="0" lang="en-US" sz="2000" spc="-1" strike="noStrike">
-              <a:solidFill>
-                <a:srgbClr val="000000"/>
-              </a:solidFill>
+            <a:endParaRPr b="0" lang="en-GB" sz="2000" spc="-1" strike="noStrike">
               <a:latin typeface="Arial"/>
             </a:endParaRPr>
           </a:p>
@@ -8434,18 +7934,12 @@
               <a:buChar char=""/>
             </a:pPr>
             <a:r>
-              <a:rPr b="0" lang="en-US" sz="2000" spc="-1" strike="noStrike">
-                <a:solidFill>
-                  <a:srgbClr val="000000"/>
-                </a:solidFill>
+              <a:rPr b="0" lang="en-GB" sz="2000" spc="-1" strike="noStrike">
                 <a:latin typeface="Arial"/>
               </a:rPr>
               <a:t>Sixth Outline Level</a:t>
             </a:r>
-            <a:endParaRPr b="0" lang="en-US" sz="2000" spc="-1" strike="noStrike">
-              <a:solidFill>
-                <a:srgbClr val="000000"/>
-              </a:solidFill>
+            <a:endParaRPr b="0" lang="en-GB" sz="2000" spc="-1" strike="noStrike">
               <a:latin typeface="Arial"/>
             </a:endParaRPr>
           </a:p>
@@ -8462,18 +7956,12 @@
               <a:buChar char=""/>
             </a:pPr>
             <a:r>
-              <a:rPr b="0" lang="en-US" sz="2000" spc="-1" strike="noStrike">
-                <a:solidFill>
-                  <a:srgbClr val="000000"/>
-                </a:solidFill>
+              <a:rPr b="0" lang="en-GB" sz="2000" spc="-1" strike="noStrike">
                 <a:latin typeface="Arial"/>
               </a:rPr>
               <a:t>Seventh Outline Level</a:t>
             </a:r>
-            <a:endParaRPr b="0" lang="en-US" sz="2000" spc="-1" strike="noStrike">
-              <a:solidFill>
-                <a:srgbClr val="000000"/>
-              </a:solidFill>
+            <a:endParaRPr b="0" lang="en-GB" sz="2000" spc="-1" strike="noStrike">
               <a:latin typeface="Arial"/>
             </a:endParaRPr>
           </a:p>
@@ -8535,8 +8023,8 @@
         </p:nvSpPr>
         <p:spPr>
           <a:xfrm>
-            <a:off x="457200" y="684000"/>
-            <a:ext cx="8228160" cy="1144080"/>
+            <a:off x="457200" y="273600"/>
+            <a:ext cx="8228880" cy="1144440"/>
           </a:xfrm>
           <a:prstGeom prst="rect">
             <a:avLst/>
@@ -8548,18 +8036,18 @@
           </a:bodyPr>
           <a:p>
             <a:r>
-              <a:rPr b="0" lang="en-US" sz="4400" spc="-1" strike="noStrike">
-                <a:solidFill>
-                  <a:srgbClr val="000000"/>
-                </a:solidFill>
+              <a:rPr b="0" lang="en-GB" sz="1800" spc="-1" strike="noStrike">
                 <a:latin typeface="Arial"/>
               </a:rPr>
-              <a:t>Click to edit the title text format</a:t>
-            </a:r>
-            <a:endParaRPr b="0" lang="en-US" sz="4400" spc="-1" strike="noStrike">
-              <a:solidFill>
-                <a:srgbClr val="000000"/>
-              </a:solidFill>
+              <a:t>Click to edit the title </a:t>
+            </a:r>
+            <a:r>
+              <a:rPr b="0" lang="en-GB" sz="1800" spc="-1" strike="noStrike">
+                <a:latin typeface="Arial"/>
+              </a:rPr>
+              <a:t>text format</a:t>
+            </a:r>
+            <a:endParaRPr b="0" lang="en-GB" sz="1800" spc="-1" strike="noStrike">
               <a:latin typeface="Arial"/>
             </a:endParaRPr>
           </a:p>
@@ -8578,7 +8066,7 @@
         <p:spPr>
           <a:xfrm>
             <a:off x="457200" y="1604520"/>
-            <a:ext cx="8229240" cy="3977280"/>
+            <a:ext cx="8228880" cy="3976920"/>
           </a:xfrm>
           <a:prstGeom prst="rect">
             <a:avLst/>
@@ -8601,18 +8089,12 @@
               <a:buChar char=""/>
             </a:pPr>
             <a:r>
-              <a:rPr b="0" lang="en-US" sz="2800" spc="-1" strike="noStrike">
-                <a:solidFill>
-                  <a:srgbClr val="000000"/>
-                </a:solidFill>
+              <a:rPr b="0" lang="en-GB" sz="1800" spc="-1" strike="noStrike">
                 <a:latin typeface="Arial"/>
               </a:rPr>
               <a:t>Click to edit the outline text format</a:t>
             </a:r>
-            <a:endParaRPr b="0" lang="en-US" sz="2800" spc="-1" strike="noStrike">
-              <a:solidFill>
-                <a:srgbClr val="000000"/>
-              </a:solidFill>
+            <a:endParaRPr b="0" lang="en-GB" sz="1800" spc="-1" strike="noStrike">
               <a:latin typeface="Arial"/>
             </a:endParaRPr>
           </a:p>
@@ -8629,18 +8111,12 @@
               <a:buChar char=""/>
             </a:pPr>
             <a:r>
-              <a:rPr b="0" lang="en-US" sz="2000" spc="-1" strike="noStrike">
-                <a:solidFill>
-                  <a:srgbClr val="000000"/>
-                </a:solidFill>
+              <a:rPr b="0" lang="en-GB" sz="1800" spc="-1" strike="noStrike">
                 <a:latin typeface="Arial"/>
               </a:rPr>
               <a:t>Second Outline Level</a:t>
             </a:r>
-            <a:endParaRPr b="0" lang="en-US" sz="2000" spc="-1" strike="noStrike">
-              <a:solidFill>
-                <a:srgbClr val="000000"/>
-              </a:solidFill>
+            <a:endParaRPr b="0" lang="en-GB" sz="1800" spc="-1" strike="noStrike">
               <a:latin typeface="Arial"/>
             </a:endParaRPr>
           </a:p>
@@ -8657,18 +8133,12 @@
               <a:buChar char=""/>
             </a:pPr>
             <a:r>
-              <a:rPr b="0" lang="en-US" sz="1800" spc="-1" strike="noStrike">
-                <a:solidFill>
-                  <a:srgbClr val="000000"/>
-                </a:solidFill>
+              <a:rPr b="0" lang="en-GB" sz="1800" spc="-1" strike="noStrike">
                 <a:latin typeface="Arial"/>
               </a:rPr>
               <a:t>Third Outline Level</a:t>
             </a:r>
-            <a:endParaRPr b="0" lang="en-US" sz="1800" spc="-1" strike="noStrike">
-              <a:solidFill>
-                <a:srgbClr val="000000"/>
-              </a:solidFill>
+            <a:endParaRPr b="0" lang="en-GB" sz="1800" spc="-1" strike="noStrike">
               <a:latin typeface="Arial"/>
             </a:endParaRPr>
           </a:p>
@@ -8685,18 +8155,12 @@
               <a:buChar char=""/>
             </a:pPr>
             <a:r>
-              <a:rPr b="0" lang="en-US" sz="1800" spc="-1" strike="noStrike">
-                <a:solidFill>
-                  <a:srgbClr val="000000"/>
-                </a:solidFill>
+              <a:rPr b="0" lang="en-GB" sz="1800" spc="-1" strike="noStrike">
                 <a:latin typeface="Arial"/>
               </a:rPr>
               <a:t>Fourth Outline Level</a:t>
             </a:r>
-            <a:endParaRPr b="0" lang="en-US" sz="1800" spc="-1" strike="noStrike">
-              <a:solidFill>
-                <a:srgbClr val="000000"/>
-              </a:solidFill>
+            <a:endParaRPr b="0" lang="en-GB" sz="1800" spc="-1" strike="noStrike">
               <a:latin typeface="Arial"/>
             </a:endParaRPr>
           </a:p>
@@ -8713,18 +8177,12 @@
               <a:buChar char=""/>
             </a:pPr>
             <a:r>
-              <a:rPr b="0" lang="en-US" sz="2000" spc="-1" strike="noStrike">
-                <a:solidFill>
-                  <a:srgbClr val="000000"/>
-                </a:solidFill>
+              <a:rPr b="0" lang="en-GB" sz="1800" spc="-1" strike="noStrike">
                 <a:latin typeface="Arial"/>
               </a:rPr>
               <a:t>Fifth Outline Level</a:t>
             </a:r>
-            <a:endParaRPr b="0" lang="en-US" sz="2000" spc="-1" strike="noStrike">
-              <a:solidFill>
-                <a:srgbClr val="000000"/>
-              </a:solidFill>
+            <a:endParaRPr b="0" lang="en-GB" sz="1800" spc="-1" strike="noStrike">
               <a:latin typeface="Arial"/>
             </a:endParaRPr>
           </a:p>
@@ -8741,18 +8199,12 @@
               <a:buChar char=""/>
             </a:pPr>
             <a:r>
-              <a:rPr b="0" lang="en-US" sz="2000" spc="-1" strike="noStrike">
-                <a:solidFill>
-                  <a:srgbClr val="000000"/>
-                </a:solidFill>
+              <a:rPr b="0" lang="en-GB" sz="1800" spc="-1" strike="noStrike">
                 <a:latin typeface="Arial"/>
               </a:rPr>
               <a:t>Sixth Outline Level</a:t>
             </a:r>
-            <a:endParaRPr b="0" lang="en-US" sz="2000" spc="-1" strike="noStrike">
-              <a:solidFill>
-                <a:srgbClr val="000000"/>
-              </a:solidFill>
+            <a:endParaRPr b="0" lang="en-GB" sz="1800" spc="-1" strike="noStrike">
               <a:latin typeface="Arial"/>
             </a:endParaRPr>
           </a:p>
@@ -8769,18 +8221,12 @@
               <a:buChar char=""/>
             </a:pPr>
             <a:r>
-              <a:rPr b="0" lang="en-US" sz="2000" spc="-1" strike="noStrike">
-                <a:solidFill>
-                  <a:srgbClr val="000000"/>
-                </a:solidFill>
+              <a:rPr b="0" lang="en-GB" sz="1800" spc="-1" strike="noStrike">
                 <a:latin typeface="Arial"/>
               </a:rPr>
               <a:t>Seventh Outline Level</a:t>
             </a:r>
-            <a:endParaRPr b="0" lang="en-US" sz="2000" spc="-1" strike="noStrike">
-              <a:solidFill>
-                <a:srgbClr val="000000"/>
-              </a:solidFill>
+            <a:endParaRPr b="0" lang="en-GB" sz="1800" spc="-1" strike="noStrike">
               <a:latin typeface="Arial"/>
             </a:endParaRPr>
           </a:p>
@@ -8832,7 +8278,7 @@
         <p:spPr>
           <a:xfrm>
             <a:off x="685800" y="2130480"/>
-            <a:ext cx="7771320" cy="1468800"/>
+            <a:ext cx="7770960" cy="1468440"/>
           </a:xfrm>
           <a:prstGeom prst="rect">
             <a:avLst/>
@@ -8916,7 +8362,7 @@
         <p:spPr>
           <a:xfrm>
             <a:off x="1378080" y="4766400"/>
-            <a:ext cx="6399720" cy="1751400"/>
+            <a:ext cx="6399360" cy="1751040"/>
           </a:xfrm>
           <a:prstGeom prst="rect">
             <a:avLst/>
@@ -9029,7 +8475,7 @@
         <p:spPr>
           <a:xfrm>
             <a:off x="457200" y="360"/>
-            <a:ext cx="8228160" cy="1144080"/>
+            <a:ext cx="8227800" cy="1143720"/>
           </a:xfrm>
           <a:prstGeom prst="rect">
             <a:avLst/>
@@ -9084,7 +8530,7 @@
         <p:spPr>
           <a:xfrm>
             <a:off x="0" y="1275840"/>
-            <a:ext cx="6697440" cy="5581080"/>
+            <a:ext cx="6697080" cy="5580720"/>
           </a:xfrm>
           <a:prstGeom prst="rect">
             <a:avLst/>
@@ -9103,7 +8549,7 @@
         <p:spPr>
           <a:xfrm>
             <a:off x="6214320" y="6488280"/>
-            <a:ext cx="2928960" cy="257400"/>
+            <a:ext cx="2928600" cy="257040"/>
           </a:xfrm>
           <a:prstGeom prst="rect">
             <a:avLst/>
@@ -9166,7 +8612,7 @@
         <p:spPr>
           <a:xfrm>
             <a:off x="6698160" y="1091880"/>
-            <a:ext cx="1921320" cy="3905640"/>
+            <a:ext cx="1920960" cy="3905280"/>
           </a:xfrm>
           <a:prstGeom prst="rect">
             <a:avLst/>
@@ -9187,7 +8633,7 @@
             <a:normAutofit/>
           </a:bodyPr>
           <a:p>
-            <a:pPr marL="343080" indent="-342360">
+            <a:pPr marL="343080" indent="-342000">
               <a:lnSpc>
                 <a:spcPct val="100000"/>
               </a:lnSpc>
@@ -9274,14 +8720,14 @@
       </p:grpSpPr>
       <p:sp>
         <p:nvSpPr>
-          <p:cNvPr id="234" name="TextShape 1"/>
-          <p:cNvSpPr txBox="1"/>
+          <p:cNvPr id="234" name="CustomShape 1"/>
+          <p:cNvSpPr/>
           <p:nvPr/>
         </p:nvSpPr>
         <p:spPr>
           <a:xfrm>
             <a:off x="457200" y="684000"/>
-            <a:ext cx="8228160" cy="1144080"/>
+            <a:ext cx="8227800" cy="1143720"/>
           </a:xfrm>
           <a:prstGeom prst="rect">
             <a:avLst/>
@@ -9291,6 +8737,12 @@
             <a:noFill/>
           </a:ln>
         </p:spPr>
+        <p:style>
+          <a:lnRef idx="0"/>
+          <a:fillRef idx="0"/>
+          <a:effectRef idx="0"/>
+          <a:fontRef idx="minor"/>
+        </p:style>
         <p:txBody>
           <a:bodyPr lIns="0" rIns="0" tIns="0" bIns="0" anchor="ctr">
             <a:noAutofit/>
@@ -9309,27 +8761,24 @@
                 <a:latin typeface="Arial"/>
                 <a:ea typeface="DejaVu Sans"/>
               </a:rPr>
-              <a:t>PCA</a:t>
-            </a:r>
-            <a:endParaRPr b="0" lang="en-US" sz="4400" spc="-1" strike="noStrike">
-              <a:solidFill>
-                <a:srgbClr val="000000"/>
-              </a:solidFill>
-              <a:latin typeface="Arial"/>
-            </a:endParaRPr>
-          </a:p>
-        </p:txBody>
-      </p:sp>
-      <p:sp>
-        <p:nvSpPr>
-          <p:cNvPr id="235" name="TextShape 2"/>
-          <p:cNvSpPr txBox="1"/>
+              <a:t>PCA – how to plot and understand; scree plot?</a:t>
+            </a:r>
+            <a:endParaRPr b="0" lang="en-GB" sz="4400" spc="-1" strike="noStrike">
+              <a:latin typeface="Arial"/>
+            </a:endParaRPr>
+          </a:p>
+        </p:txBody>
+      </p:sp>
+      <p:sp>
+        <p:nvSpPr>
+          <p:cNvPr id="235" name="CustomShape 2"/>
+          <p:cNvSpPr/>
           <p:nvPr/>
         </p:nvSpPr>
         <p:spPr>
           <a:xfrm>
             <a:off x="457200" y="2002680"/>
-            <a:ext cx="8228160" cy="3577680"/>
+            <a:ext cx="8227800" cy="3577320"/>
           </a:xfrm>
           <a:prstGeom prst="rect">
             <a:avLst/>
@@ -9339,17 +8788,12 @@
             <a:noFill/>
           </a:ln>
         </p:spPr>
-        <p:txBody>
-          <a:bodyPr lIns="0" rIns="0" tIns="0" bIns="0" anchor="ctr">
-            <a:noAutofit/>
-          </a:bodyPr>
-          <a:p>
-            <a:pPr algn="ctr"/>
-            <a:endParaRPr b="0" lang="en-GB" sz="3200" spc="-1" strike="noStrike">
-              <a:latin typeface="Arial"/>
-            </a:endParaRPr>
-          </a:p>
-        </p:txBody>
+        <p:style>
+          <a:lnRef idx="0"/>
+          <a:fillRef idx="0"/>
+          <a:effectRef idx="0"/>
+          <a:fontRef idx="minor"/>
+        </p:style>
       </p:sp>
     </p:spTree>
   </p:cSld>
@@ -9397,7 +8841,7 @@
         <p:spPr>
           <a:xfrm>
             <a:off x="0" y="0"/>
-            <a:ext cx="9143280" cy="6857280"/>
+            <a:ext cx="9142920" cy="6856920"/>
           </a:xfrm>
           <a:prstGeom prst="rect">
             <a:avLst/>
@@ -9433,7 +8877,7 @@
         <p:spPr>
           <a:xfrm>
             <a:off x="912960" y="2222640"/>
-            <a:ext cx="3519000" cy="2411640"/>
+            <a:ext cx="3518640" cy="2411280"/>
           </a:xfrm>
           <a:prstGeom prst="rect">
             <a:avLst/>
@@ -9506,7 +8950,7 @@
         <p:spPr>
           <a:xfrm>
             <a:off x="4132800" y="851400"/>
-            <a:ext cx="4637880" cy="5154120"/>
+            <a:ext cx="4637520" cy="5153760"/>
           </a:xfrm>
           <a:custGeom>
             <a:avLst/>
@@ -9887,7 +9331,7 @@
         <p:spPr>
           <a:xfrm>
             <a:off x="5484960" y="2341080"/>
-            <a:ext cx="2745720" cy="2745720"/>
+            <a:ext cx="2745360" cy="2745360"/>
           </a:xfrm>
           <a:prstGeom prst="rect">
             <a:avLst/>
@@ -9929,14 +9373,14 @@
       </p:grpSpPr>
       <p:sp>
         <p:nvSpPr>
-          <p:cNvPr id="240" name="TextShape 1"/>
-          <p:cNvSpPr txBox="1"/>
+          <p:cNvPr id="240" name="CustomShape 1"/>
+          <p:cNvSpPr/>
           <p:nvPr/>
         </p:nvSpPr>
         <p:spPr>
           <a:xfrm>
             <a:off x="457200" y="684000"/>
-            <a:ext cx="8228160" cy="1144080"/>
+            <a:ext cx="8227800" cy="1143720"/>
           </a:xfrm>
           <a:prstGeom prst="rect">
             <a:avLst/>
@@ -9946,6 +9390,12 @@
             <a:noFill/>
           </a:ln>
         </p:spPr>
+        <p:style>
+          <a:lnRef idx="0"/>
+          <a:fillRef idx="0"/>
+          <a:effectRef idx="0"/>
+          <a:fontRef idx="minor"/>
+        </p:style>
         <p:txBody>
           <a:bodyPr lIns="0" rIns="0" tIns="0" bIns="0" anchor="ctr">
             <a:noAutofit/>
@@ -9964,27 +9414,24 @@
                 <a:latin typeface="Arial"/>
                 <a:ea typeface="DejaVu Sans"/>
               </a:rPr>
-              <a:t>Interactive plots ggplotly</a:t>
-            </a:r>
-            <a:endParaRPr b="0" lang="en-US" sz="4400" spc="-1" strike="noStrike">
-              <a:solidFill>
-                <a:srgbClr val="000000"/>
-              </a:solidFill>
-              <a:latin typeface="Arial"/>
-            </a:endParaRPr>
-          </a:p>
-        </p:txBody>
-      </p:sp>
-      <p:sp>
-        <p:nvSpPr>
-          <p:cNvPr id="241" name="TextShape 2"/>
-          <p:cNvSpPr txBox="1"/>
+              <a:t>Shiny packages – PCA explorer</a:t>
+            </a:r>
+            <a:endParaRPr b="0" lang="en-GB" sz="4400" spc="-1" strike="noStrike">
+              <a:latin typeface="Arial"/>
+            </a:endParaRPr>
+          </a:p>
+        </p:txBody>
+      </p:sp>
+      <p:sp>
+        <p:nvSpPr>
+          <p:cNvPr id="241" name="CustomShape 2"/>
+          <p:cNvSpPr/>
           <p:nvPr/>
         </p:nvSpPr>
         <p:spPr>
           <a:xfrm>
             <a:off x="457200" y="2002680"/>
-            <a:ext cx="8228160" cy="3577680"/>
+            <a:ext cx="8227800" cy="3577320"/>
           </a:xfrm>
           <a:prstGeom prst="rect">
             <a:avLst/>
@@ -9994,17 +9441,12 @@
             <a:noFill/>
           </a:ln>
         </p:spPr>
-        <p:txBody>
-          <a:bodyPr lIns="0" rIns="0" tIns="0" bIns="0" anchor="ctr">
-            <a:noAutofit/>
-          </a:bodyPr>
-          <a:p>
-            <a:pPr algn="ctr"/>
-            <a:endParaRPr b="0" lang="en-GB" sz="3200" spc="-1" strike="noStrike">
-              <a:latin typeface="Arial"/>
-            </a:endParaRPr>
-          </a:p>
-        </p:txBody>
+        <p:style>
+          <a:lnRef idx="0"/>
+          <a:fillRef idx="0"/>
+          <a:effectRef idx="0"/>
+          <a:fontRef idx="minor"/>
+        </p:style>
       </p:sp>
     </p:spTree>
   </p:cSld>
@@ -10022,6 +9464,13 @@
 <file path=ppt/slides/slide14.xml><?xml version="1.0" encoding="utf-8"?>
 <p:sld xmlns:a="http://schemas.openxmlformats.org/drawingml/2006/main" xmlns:p="http://schemas.openxmlformats.org/presentationml/2006/main" xmlns:r="http://schemas.openxmlformats.org/officeDocument/2006/relationships" xmlns:p14="http://schemas.microsoft.com/office/powerpoint/2010/main" xmlns:p15="http://schemas.microsoft.com/office/powerpoint/2012/main" xmlns:mc="http://schemas.openxmlformats.org/markup-compatibility/2006">
   <p:cSld>
+    <p:bg>
+      <p:bgPr>
+        <a:solidFill>
+          <a:srgbClr val="ffffff"/>
+        </a:solidFill>
+      </p:bgPr>
+    </p:bg>
     <p:spTree>
       <p:nvGrpSpPr>
         <p:cNvPr id="1" name=""/>
@@ -10038,14 +9487,50 @@
       </p:grpSpPr>
       <p:sp>
         <p:nvSpPr>
-          <p:cNvPr id="242" name="TextShape 1"/>
-          <p:cNvSpPr txBox="1"/>
+          <p:cNvPr id="242" name="CustomShape 1"/>
+          <p:cNvSpPr/>
           <p:nvPr/>
         </p:nvSpPr>
         <p:spPr>
           <a:xfrm>
-            <a:off x="457200" y="684000"/>
-            <a:ext cx="8228160" cy="1144080"/>
+            <a:off x="0" y="0"/>
+            <a:ext cx="9142920" cy="6856920"/>
+          </a:xfrm>
+          <a:prstGeom prst="rect">
+            <a:avLst/>
+          </a:prstGeom>
+          <a:solidFill>
+            <a:schemeClr val="bg1"/>
+          </a:solidFill>
+          <a:ln>
+            <a:noFill/>
+          </a:ln>
+        </p:spPr>
+        <p:style>
+          <a:lnRef idx="2">
+            <a:schemeClr val="accent1">
+              <a:shade val="50000"/>
+            </a:schemeClr>
+          </a:lnRef>
+          <a:fillRef idx="1">
+            <a:schemeClr val="accent1"/>
+          </a:fillRef>
+          <a:effectRef idx="0">
+            <a:schemeClr val="accent1"/>
+          </a:effectRef>
+          <a:fontRef idx="minor"/>
+        </p:style>
+      </p:sp>
+      <p:sp>
+        <p:nvSpPr>
+          <p:cNvPr id="243" name="CustomShape 2"/>
+          <p:cNvSpPr/>
+          <p:nvPr/>
+        </p:nvSpPr>
+        <p:spPr>
+          <a:xfrm>
+            <a:off x="912960" y="2222640"/>
+            <a:ext cx="3518640" cy="2411280"/>
           </a:xfrm>
           <a:prstGeom prst="rect">
             <a:avLst/>
@@ -10055,66 +9540,460 @@
             <a:noFill/>
           </a:ln>
         </p:spPr>
-        <p:txBody>
-          <a:bodyPr lIns="0" rIns="0" tIns="0" bIns="0" anchor="ctr">
-            <a:noAutofit/>
+        <p:style>
+          <a:lnRef idx="0"/>
+          <a:fillRef idx="0"/>
+          <a:effectRef idx="0"/>
+          <a:fontRef idx="minor"/>
+        </p:style>
+        <p:txBody>
+          <a:bodyPr lIns="90000" rIns="90000" tIns="45000" bIns="45000">
+            <a:normAutofit/>
           </a:bodyPr>
           <a:p>
             <a:pPr>
               <a:lnSpc>
                 <a:spcPct val="90000"/>
               </a:lnSpc>
+              <a:spcAft>
+                <a:spcPts val="601"/>
+              </a:spcAft>
+              <a:tabLst>
+                <a:tab algn="l" pos="0"/>
+              </a:tabLst>
             </a:pPr>
             <a:r>
-              <a:rPr b="0" lang="en-US" sz="4400" spc="-1" strike="noStrike">
+              <a:rPr b="1" lang="en-US" sz="5400" spc="-1" strike="noStrike">
                 <a:solidFill>
                   <a:srgbClr val="000000"/>
                 </a:solidFill>
-                <a:latin typeface="Arial"/>
+                <a:latin typeface="Calibri"/>
                 <a:ea typeface="DejaVu Sans"/>
               </a:rPr>
-              <a:t>Shiny packages – PCA explorer</a:t>
-            </a:r>
-            <a:endParaRPr b="0" lang="en-US" sz="4400" spc="-1" strike="noStrike">
-              <a:solidFill>
-                <a:srgbClr val="000000"/>
-              </a:solidFill>
-              <a:latin typeface="Arial"/>
-            </a:endParaRPr>
-          </a:p>
-        </p:txBody>
-      </p:sp>
-      <p:sp>
-        <p:nvSpPr>
-          <p:cNvPr id="243" name="TextShape 2"/>
-          <p:cNvSpPr txBox="1"/>
+              <a:t>Let’s explore practically</a:t>
+            </a:r>
+            <a:endParaRPr b="0" lang="en-GB" sz="5400" spc="-1" strike="noStrike">
+              <a:latin typeface="Arial"/>
+            </a:endParaRPr>
+          </a:p>
+          <a:p>
+            <a:pPr>
+              <a:lnSpc>
+                <a:spcPct val="90000"/>
+              </a:lnSpc>
+              <a:spcAft>
+                <a:spcPts val="601"/>
+              </a:spcAft>
+              <a:tabLst>
+                <a:tab algn="l" pos="0"/>
+              </a:tabLst>
+            </a:pPr>
+            <a:endParaRPr b="0" lang="en-GB" sz="5400" spc="-1" strike="noStrike">
+              <a:latin typeface="Arial"/>
+            </a:endParaRPr>
+          </a:p>
+        </p:txBody>
+      </p:sp>
+      <p:sp>
+        <p:nvSpPr>
+          <p:cNvPr id="244" name="CustomShape 3"/>
+          <p:cNvSpPr/>
           <p:nvPr/>
         </p:nvSpPr>
         <p:spPr>
           <a:xfrm>
-            <a:off x="457200" y="2002680"/>
-            <a:ext cx="8228160" cy="3577680"/>
-          </a:xfrm>
-          <a:prstGeom prst="rect">
-            <a:avLst/>
-          </a:prstGeom>
-          <a:noFill/>
+            <a:off x="4132800" y="851400"/>
+            <a:ext cx="4637520" cy="5153760"/>
+          </a:xfrm>
+          <a:custGeom>
+            <a:avLst/>
+            <a:gdLst/>
+            <a:ahLst/>
+            <a:rect l="l" t="t" r="r" b="b"/>
+            <a:pathLst>
+              <a:path w="6184806" h="5154967">
+                <a:moveTo>
+                  <a:pt x="363179" y="3125191"/>
+                </a:moveTo>
+                <a:cubicBezTo>
+                  <a:pt x="363179" y="3125191"/>
+                  <a:pt x="363179" y="3125191"/>
+                  <a:pt x="898270" y="3125191"/>
+                </a:cubicBezTo>
+                <a:cubicBezTo>
+                  <a:pt x="931786" y="3125191"/>
+                  <a:pt x="964145" y="3143614"/>
+                  <a:pt x="980326" y="3173551"/>
+                </a:cubicBezTo>
+                <a:cubicBezTo>
+                  <a:pt x="980326" y="3173551"/>
+                  <a:pt x="980326" y="3173551"/>
+                  <a:pt x="1248448" y="3635277"/>
+                </a:cubicBezTo>
+                <a:cubicBezTo>
+                  <a:pt x="1265784" y="3664063"/>
+                  <a:pt x="1265784" y="3700909"/>
+                  <a:pt x="1248448" y="3729695"/>
+                </a:cubicBezTo>
+                <a:cubicBezTo>
+                  <a:pt x="1248448" y="3729695"/>
+                  <a:pt x="1248448" y="3729695"/>
+                  <a:pt x="980326" y="4191421"/>
+                </a:cubicBezTo>
+                <a:cubicBezTo>
+                  <a:pt x="964145" y="4221358"/>
+                  <a:pt x="931786" y="4239781"/>
+                  <a:pt x="898270" y="4239781"/>
+                </a:cubicBezTo>
+                <a:cubicBezTo>
+                  <a:pt x="898270" y="4239781"/>
+                  <a:pt x="898270" y="4239781"/>
+                  <a:pt x="363179" y="4239781"/>
+                </a:cubicBezTo>
+                <a:cubicBezTo>
+                  <a:pt x="328508" y="4239781"/>
+                  <a:pt x="297305" y="4221358"/>
+                  <a:pt x="279969" y="4191421"/>
+                </a:cubicBezTo>
+                <a:cubicBezTo>
+                  <a:pt x="279969" y="4191421"/>
+                  <a:pt x="279969" y="4191421"/>
+                  <a:pt x="13002" y="3729695"/>
+                </a:cubicBezTo>
+                <a:cubicBezTo>
+                  <a:pt x="-4334" y="3700909"/>
+                  <a:pt x="-4334" y="3664063"/>
+                  <a:pt x="13002" y="3635277"/>
+                </a:cubicBezTo>
+                <a:cubicBezTo>
+                  <a:pt x="13002" y="3635277"/>
+                  <a:pt x="13002" y="3635277"/>
+                  <a:pt x="279969" y="3173551"/>
+                </a:cubicBezTo>
+                <a:cubicBezTo>
+                  <a:pt x="297305" y="3143614"/>
+                  <a:pt x="328508" y="3125191"/>
+                  <a:pt x="363179" y="3125191"/>
+                </a:cubicBezTo>
+                <a:close/>
+                <a:moveTo>
+                  <a:pt x="2489721" y="570035"/>
+                </a:moveTo>
+                <a:cubicBezTo>
+                  <a:pt x="2489721" y="570035"/>
+                  <a:pt x="2489721" y="570035"/>
+                  <a:pt x="2764862" y="570035"/>
+                </a:cubicBezTo>
+                <a:lnTo>
+                  <a:pt x="2796959" y="570035"/>
+                </a:lnTo>
+                <a:lnTo>
+                  <a:pt x="2827587" y="622777"/>
+                </a:lnTo>
+                <a:cubicBezTo>
+                  <a:pt x="2870233" y="696217"/>
+                  <a:pt x="2919858" y="781675"/>
+                  <a:pt x="2977604" y="881117"/>
+                </a:cubicBezTo>
+                <a:cubicBezTo>
+                  <a:pt x="3004153" y="925204"/>
+                  <a:pt x="3004153" y="981634"/>
+                  <a:pt x="2977604" y="1025720"/>
+                </a:cubicBezTo>
+                <a:cubicBezTo>
+                  <a:pt x="2977604" y="1025720"/>
+                  <a:pt x="2977604" y="1025720"/>
+                  <a:pt x="2566968" y="1732863"/>
+                </a:cubicBezTo>
+                <a:cubicBezTo>
+                  <a:pt x="2542188" y="1778712"/>
+                  <a:pt x="2492629" y="1806927"/>
+                  <a:pt x="2441299" y="1806927"/>
+                </a:cubicBezTo>
+                <a:cubicBezTo>
+                  <a:pt x="2441299" y="1806927"/>
+                  <a:pt x="2441299" y="1806927"/>
+                  <a:pt x="1621798" y="1806927"/>
+                </a:cubicBezTo>
+                <a:cubicBezTo>
+                  <a:pt x="1608523" y="1806927"/>
+                  <a:pt x="1595580" y="1805163"/>
+                  <a:pt x="1583218" y="1801802"/>
+                </a:cubicBezTo>
+                <a:lnTo>
+                  <a:pt x="1556683" y="1790677"/>
+                </a:lnTo>
+                <a:lnTo>
+                  <a:pt x="1572899" y="1762631"/>
+                </a:lnTo>
+                <a:cubicBezTo>
+                  <a:pt x="1719523" y="1509042"/>
+                  <a:pt x="1907201" y="1184448"/>
+                  <a:pt x="2147429" y="768968"/>
+                </a:cubicBezTo>
+                <a:cubicBezTo>
+                  <a:pt x="2218739" y="645819"/>
+                  <a:pt x="2347099" y="570035"/>
+                  <a:pt x="2489721" y="570035"/>
+                </a:cubicBezTo>
+                <a:close/>
+                <a:moveTo>
+                  <a:pt x="1573268" y="0"/>
+                </a:moveTo>
+                <a:cubicBezTo>
+                  <a:pt x="1573268" y="0"/>
+                  <a:pt x="1573268" y="0"/>
+                  <a:pt x="2497662" y="0"/>
+                </a:cubicBezTo>
+                <a:cubicBezTo>
+                  <a:pt x="2555561" y="0"/>
+                  <a:pt x="2611463" y="31828"/>
+                  <a:pt x="2639415" y="83546"/>
+                </a:cubicBezTo>
+                <a:cubicBezTo>
+                  <a:pt x="2639415" y="83546"/>
+                  <a:pt x="2639415" y="83546"/>
+                  <a:pt x="2887862" y="511387"/>
+                </a:cubicBezTo>
+                <a:lnTo>
+                  <a:pt x="2915928" y="559720"/>
+                </a:lnTo>
+                <a:lnTo>
+                  <a:pt x="2893844" y="559720"/>
+                </a:lnTo>
+                <a:lnTo>
+                  <a:pt x="2789466" y="559720"/>
+                </a:lnTo>
+                <a:lnTo>
+                  <a:pt x="2744122" y="481634"/>
+                </a:lnTo>
+                <a:cubicBezTo>
+                  <a:pt x="2570885" y="183309"/>
+                  <a:pt x="2570885" y="183309"/>
+                  <a:pt x="2570885" y="183309"/>
+                </a:cubicBezTo>
+                <a:cubicBezTo>
+                  <a:pt x="2546104" y="137459"/>
+                  <a:pt x="2496545" y="109244"/>
+                  <a:pt x="2445216" y="109244"/>
+                </a:cubicBezTo>
+                <a:cubicBezTo>
+                  <a:pt x="1625714" y="109244"/>
+                  <a:pt x="1625714" y="109244"/>
+                  <a:pt x="1625714" y="109244"/>
+                </a:cubicBezTo>
+                <a:cubicBezTo>
+                  <a:pt x="1572615" y="109244"/>
+                  <a:pt x="1524825" y="137459"/>
+                  <a:pt x="1498276" y="183309"/>
+                </a:cubicBezTo>
+                <a:cubicBezTo>
+                  <a:pt x="1089410" y="890450"/>
+                  <a:pt x="1089410" y="890450"/>
+                  <a:pt x="1089410" y="890450"/>
+                </a:cubicBezTo>
+                <a:cubicBezTo>
+                  <a:pt x="1062860" y="934537"/>
+                  <a:pt x="1062860" y="990968"/>
+                  <a:pt x="1089410" y="1035054"/>
+                </a:cubicBezTo>
+                <a:cubicBezTo>
+                  <a:pt x="1498276" y="1742196"/>
+                  <a:pt x="1498276" y="1742196"/>
+                  <a:pt x="1498276" y="1742196"/>
+                </a:cubicBezTo>
+                <a:cubicBezTo>
+                  <a:pt x="1511551" y="1765121"/>
+                  <a:pt x="1530135" y="1783637"/>
+                  <a:pt x="1552039" y="1796421"/>
+                </a:cubicBezTo>
+                <a:lnTo>
+                  <a:pt x="1558260" y="1799029"/>
+                </a:lnTo>
+                <a:lnTo>
+                  <a:pt x="1524911" y="1856707"/>
+                </a:lnTo>
+                <a:lnTo>
+                  <a:pt x="1500108" y="1899604"/>
+                </a:lnTo>
+                <a:lnTo>
+                  <a:pt x="1525834" y="1910390"/>
+                </a:lnTo>
+                <a:cubicBezTo>
+                  <a:pt x="1539779" y="1914181"/>
+                  <a:pt x="1554378" y="1916170"/>
+                  <a:pt x="1569352" y="1916170"/>
+                </a:cubicBezTo>
+                <a:cubicBezTo>
+                  <a:pt x="2493745" y="1916170"/>
+                  <a:pt x="2493745" y="1916170"/>
+                  <a:pt x="2493745" y="1916170"/>
+                </a:cubicBezTo>
+                <a:cubicBezTo>
+                  <a:pt x="2551645" y="1916170"/>
+                  <a:pt x="2607546" y="1884345"/>
+                  <a:pt x="2635498" y="1832627"/>
+                </a:cubicBezTo>
+                <a:cubicBezTo>
+                  <a:pt x="3098693" y="1034974"/>
+                  <a:pt x="3098693" y="1034974"/>
+                  <a:pt x="3098693" y="1034974"/>
+                </a:cubicBezTo>
+                <a:cubicBezTo>
+                  <a:pt x="3128641" y="985246"/>
+                  <a:pt x="3128641" y="921593"/>
+                  <a:pt x="3098693" y="871863"/>
+                </a:cubicBezTo>
+                <a:cubicBezTo>
+                  <a:pt x="3040794" y="772157"/>
+                  <a:pt x="2990132" y="684914"/>
+                  <a:pt x="2945803" y="608576"/>
+                </a:cubicBezTo>
+                <a:lnTo>
+                  <a:pt x="2923422" y="570035"/>
+                </a:lnTo>
+                <a:lnTo>
+                  <a:pt x="3027104" y="570035"/>
+                </a:lnTo>
+                <a:cubicBezTo>
+                  <a:pt x="3349535" y="570035"/>
+                  <a:pt x="3865424" y="570035"/>
+                  <a:pt x="4690846" y="570035"/>
+                </a:cubicBezTo>
+                <a:cubicBezTo>
+                  <a:pt x="4828714" y="570035"/>
+                  <a:pt x="4961827" y="645819"/>
+                  <a:pt x="5028384" y="768968"/>
+                </a:cubicBezTo>
+                <a:cubicBezTo>
+                  <a:pt x="5028384" y="768968"/>
+                  <a:pt x="5028384" y="768968"/>
+                  <a:pt x="6131323" y="2668304"/>
+                </a:cubicBezTo>
+                <a:cubicBezTo>
+                  <a:pt x="6202634" y="2786717"/>
+                  <a:pt x="6202634" y="2938285"/>
+                  <a:pt x="6131323" y="3056698"/>
+                </a:cubicBezTo>
+                <a:cubicBezTo>
+                  <a:pt x="6131323" y="3056698"/>
+                  <a:pt x="6131323" y="3056698"/>
+                  <a:pt x="5028384" y="4956035"/>
+                </a:cubicBezTo>
+                <a:cubicBezTo>
+                  <a:pt x="4961827" y="5079184"/>
+                  <a:pt x="4828714" y="5154967"/>
+                  <a:pt x="4690846" y="5154967"/>
+                </a:cubicBezTo>
+                <a:cubicBezTo>
+                  <a:pt x="4690846" y="5154967"/>
+                  <a:pt x="4690846" y="5154967"/>
+                  <a:pt x="2489721" y="5154967"/>
+                </a:cubicBezTo>
+                <a:cubicBezTo>
+                  <a:pt x="2347099" y="5154967"/>
+                  <a:pt x="2218739" y="5079184"/>
+                  <a:pt x="2147429" y="4956035"/>
+                </a:cubicBezTo>
+                <a:cubicBezTo>
+                  <a:pt x="2147429" y="4956035"/>
+                  <a:pt x="2147429" y="4956035"/>
+                  <a:pt x="1049243" y="3056698"/>
+                </a:cubicBezTo>
+                <a:cubicBezTo>
+                  <a:pt x="977932" y="2938285"/>
+                  <a:pt x="977932" y="2786717"/>
+                  <a:pt x="1049243" y="2668304"/>
+                </a:cubicBezTo>
+                <a:cubicBezTo>
+                  <a:pt x="1049243" y="2668304"/>
+                  <a:pt x="1049243" y="2668304"/>
+                  <a:pt x="1457007" y="1963067"/>
+                </a:cubicBezTo>
+                <a:lnTo>
+                  <a:pt x="1491373" y="1903634"/>
+                </a:lnTo>
+                <a:lnTo>
+                  <a:pt x="1490164" y="1903127"/>
+                </a:lnTo>
+                <a:cubicBezTo>
+                  <a:pt x="1465456" y="1888705"/>
+                  <a:pt x="1444493" y="1867820"/>
+                  <a:pt x="1429519" y="1841960"/>
+                </a:cubicBezTo>
+                <a:cubicBezTo>
+                  <a:pt x="1429519" y="1841960"/>
+                  <a:pt x="1429519" y="1841960"/>
+                  <a:pt x="968320" y="1044307"/>
+                </a:cubicBezTo>
+                <a:cubicBezTo>
+                  <a:pt x="938371" y="994579"/>
+                  <a:pt x="938371" y="930926"/>
+                  <a:pt x="968320" y="881196"/>
+                </a:cubicBezTo>
+                <a:cubicBezTo>
+                  <a:pt x="968320" y="881196"/>
+                  <a:pt x="968320" y="881196"/>
+                  <a:pt x="1429519" y="83546"/>
+                </a:cubicBezTo>
+                <a:cubicBezTo>
+                  <a:pt x="1459466" y="31828"/>
+                  <a:pt x="1513373" y="0"/>
+                  <a:pt x="1573268" y="0"/>
+                </a:cubicBezTo>
+                <a:close/>
+              </a:path>
+            </a:pathLst>
+          </a:custGeom>
+          <a:solidFill>
+            <a:schemeClr val="tx1">
+              <a:lumMod val="50000"/>
+              <a:lumOff val="50000"/>
+              <a:alpha val="15000"/>
+            </a:schemeClr>
+          </a:solidFill>
           <a:ln>
             <a:noFill/>
           </a:ln>
         </p:spPr>
-        <p:txBody>
-          <a:bodyPr lIns="0" rIns="0" tIns="0" bIns="0" anchor="ctr">
-            <a:noAutofit/>
-          </a:bodyPr>
-          <a:p>
-            <a:pPr algn="ctr"/>
-            <a:endParaRPr b="0" lang="en-GB" sz="3200" spc="-1" strike="noStrike">
-              <a:latin typeface="Arial"/>
-            </a:endParaRPr>
-          </a:p>
-        </p:txBody>
-      </p:sp>
+        <p:style>
+          <a:lnRef idx="2">
+            <a:schemeClr val="accent1">
+              <a:shade val="50000"/>
+            </a:schemeClr>
+          </a:lnRef>
+          <a:fillRef idx="1">
+            <a:schemeClr val="accent1"/>
+          </a:fillRef>
+          <a:effectRef idx="0">
+            <a:schemeClr val="accent1"/>
+          </a:effectRef>
+          <a:fontRef idx="minor"/>
+        </p:style>
+      </p:sp>
+      <p:pic>
+        <p:nvPicPr>
+          <p:cNvPr id="245" name="Graphic 5_1" descr="Cmd Terminal outline"/>
+          <p:cNvPicPr/>
+          <p:nvPr/>
+        </p:nvPicPr>
+        <p:blipFill>
+          <a:blip r:embed="rId1"/>
+          <a:stretch/>
+        </p:blipFill>
+        <p:spPr>
+          <a:xfrm>
+            <a:off x="5484960" y="2341080"/>
+            <a:ext cx="2745360" cy="2745360"/>
+          </a:xfrm>
+          <a:prstGeom prst="rect">
+            <a:avLst/>
+          </a:prstGeom>
+          <a:ln>
+            <a:noFill/>
+          </a:ln>
+        </p:spPr>
+      </p:pic>
     </p:spTree>
   </p:cSld>
   <mc:AlternateContent>
@@ -10147,50 +10026,14 @@
       </p:grpSpPr>
       <p:sp>
         <p:nvSpPr>
-          <p:cNvPr id="244" name="CustomShape 1"/>
+          <p:cNvPr id="246" name="CustomShape 1"/>
           <p:cNvSpPr/>
           <p:nvPr/>
         </p:nvSpPr>
         <p:spPr>
           <a:xfrm>
-            <a:off x="0" y="0"/>
-            <a:ext cx="9143280" cy="6857280"/>
-          </a:xfrm>
-          <a:prstGeom prst="rect">
-            <a:avLst/>
-          </a:prstGeom>
-          <a:solidFill>
-            <a:schemeClr val="bg1"/>
-          </a:solidFill>
-          <a:ln>
-            <a:noFill/>
-          </a:ln>
-        </p:spPr>
-        <p:style>
-          <a:lnRef idx="2">
-            <a:schemeClr val="accent1">
-              <a:shade val="50000"/>
-            </a:schemeClr>
-          </a:lnRef>
-          <a:fillRef idx="1">
-            <a:schemeClr val="accent1"/>
-          </a:fillRef>
-          <a:effectRef idx="0">
-            <a:schemeClr val="accent1"/>
-          </a:effectRef>
-          <a:fontRef idx="minor"/>
-        </p:style>
-      </p:sp>
-      <p:sp>
-        <p:nvSpPr>
-          <p:cNvPr id="245" name="CustomShape 2"/>
-          <p:cNvSpPr/>
-          <p:nvPr/>
-        </p:nvSpPr>
-        <p:spPr>
-          <a:xfrm>
-            <a:off x="912960" y="2222640"/>
-            <a:ext cx="3519000" cy="2411640"/>
+            <a:off x="457200" y="684000"/>
+            <a:ext cx="8227800" cy="1143720"/>
           </a:xfrm>
           <a:prstGeom prst="rect">
             <a:avLst/>
@@ -10207,493 +10050,41 @@
           <a:fontRef idx="minor"/>
         </p:style>
         <p:txBody>
-          <a:bodyPr lIns="90000" rIns="90000" tIns="45000" bIns="45000">
-            <a:normAutofit/>
-          </a:bodyPr>
-          <a:p>
-            <a:pPr>
+          <a:bodyPr lIns="0" rIns="0" tIns="0" bIns="0" anchor="ctr">
+            <a:noAutofit/>
+          </a:bodyPr>
+          <a:p>
+            <a:pPr algn="ctr">
               <a:lnSpc>
-                <a:spcPct val="90000"/>
+                <a:spcPct val="100000"/>
               </a:lnSpc>
-              <a:spcAft>
-                <a:spcPts val="601"/>
-              </a:spcAft>
-              <a:tabLst>
-                <a:tab algn="l" pos="0"/>
-              </a:tabLst>
             </a:pPr>
             <a:r>
-              <a:rPr b="1" lang="en-US" sz="5400" spc="-1" strike="noStrike">
+              <a:rPr b="1" lang="en-GB" sz="4400" spc="-1" strike="noStrike">
                 <a:solidFill>
                   <a:srgbClr val="000000"/>
                 </a:solidFill>
                 <a:latin typeface="Calibri"/>
                 <a:ea typeface="DejaVu Sans"/>
               </a:rPr>
-              <a:t>Let’s explore practically</a:t>
-            </a:r>
-            <a:endParaRPr b="0" lang="en-GB" sz="5400" spc="-1" strike="noStrike">
-              <a:latin typeface="Arial"/>
-            </a:endParaRPr>
-          </a:p>
-          <a:p>
-            <a:pPr>
-              <a:lnSpc>
-                <a:spcPct val="90000"/>
-              </a:lnSpc>
-              <a:spcAft>
-                <a:spcPts val="601"/>
-              </a:spcAft>
-              <a:tabLst>
-                <a:tab algn="l" pos="0"/>
-              </a:tabLst>
-            </a:pPr>
-            <a:endParaRPr b="0" lang="en-GB" sz="5400" spc="-1" strike="noStrike">
-              <a:latin typeface="Arial"/>
-            </a:endParaRPr>
-          </a:p>
-        </p:txBody>
-      </p:sp>
-      <p:sp>
-        <p:nvSpPr>
-          <p:cNvPr id="246" name="CustomShape 3"/>
+              <a:t>Useful references</a:t>
+            </a:r>
+            <a:endParaRPr b="0" lang="en-GB" sz="4400" spc="-1" strike="noStrike">
+              <a:latin typeface="Arial"/>
+            </a:endParaRPr>
+          </a:p>
+        </p:txBody>
+      </p:sp>
+      <p:sp>
+        <p:nvSpPr>
+          <p:cNvPr id="247" name="CustomShape 2"/>
           <p:cNvSpPr/>
           <p:nvPr/>
         </p:nvSpPr>
         <p:spPr>
           <a:xfrm>
-            <a:off x="4132800" y="851400"/>
-            <a:ext cx="4637880" cy="5154120"/>
-          </a:xfrm>
-          <a:custGeom>
-            <a:avLst/>
-            <a:gdLst/>
-            <a:ahLst/>
-            <a:rect l="l" t="t" r="r" b="b"/>
-            <a:pathLst>
-              <a:path w="6184806" h="5154967">
-                <a:moveTo>
-                  <a:pt x="363179" y="3125191"/>
-                </a:moveTo>
-                <a:cubicBezTo>
-                  <a:pt x="363179" y="3125191"/>
-                  <a:pt x="363179" y="3125191"/>
-                  <a:pt x="898270" y="3125191"/>
-                </a:cubicBezTo>
-                <a:cubicBezTo>
-                  <a:pt x="931786" y="3125191"/>
-                  <a:pt x="964145" y="3143614"/>
-                  <a:pt x="980326" y="3173551"/>
-                </a:cubicBezTo>
-                <a:cubicBezTo>
-                  <a:pt x="980326" y="3173551"/>
-                  <a:pt x="980326" y="3173551"/>
-                  <a:pt x="1248448" y="3635277"/>
-                </a:cubicBezTo>
-                <a:cubicBezTo>
-                  <a:pt x="1265784" y="3664063"/>
-                  <a:pt x="1265784" y="3700909"/>
-                  <a:pt x="1248448" y="3729695"/>
-                </a:cubicBezTo>
-                <a:cubicBezTo>
-                  <a:pt x="1248448" y="3729695"/>
-                  <a:pt x="1248448" y="3729695"/>
-                  <a:pt x="980326" y="4191421"/>
-                </a:cubicBezTo>
-                <a:cubicBezTo>
-                  <a:pt x="964145" y="4221358"/>
-                  <a:pt x="931786" y="4239781"/>
-                  <a:pt x="898270" y="4239781"/>
-                </a:cubicBezTo>
-                <a:cubicBezTo>
-                  <a:pt x="898270" y="4239781"/>
-                  <a:pt x="898270" y="4239781"/>
-                  <a:pt x="363179" y="4239781"/>
-                </a:cubicBezTo>
-                <a:cubicBezTo>
-                  <a:pt x="328508" y="4239781"/>
-                  <a:pt x="297305" y="4221358"/>
-                  <a:pt x="279969" y="4191421"/>
-                </a:cubicBezTo>
-                <a:cubicBezTo>
-                  <a:pt x="279969" y="4191421"/>
-                  <a:pt x="279969" y="4191421"/>
-                  <a:pt x="13002" y="3729695"/>
-                </a:cubicBezTo>
-                <a:cubicBezTo>
-                  <a:pt x="-4334" y="3700909"/>
-                  <a:pt x="-4334" y="3664063"/>
-                  <a:pt x="13002" y="3635277"/>
-                </a:cubicBezTo>
-                <a:cubicBezTo>
-                  <a:pt x="13002" y="3635277"/>
-                  <a:pt x="13002" y="3635277"/>
-                  <a:pt x="279969" y="3173551"/>
-                </a:cubicBezTo>
-                <a:cubicBezTo>
-                  <a:pt x="297305" y="3143614"/>
-                  <a:pt x="328508" y="3125191"/>
-                  <a:pt x="363179" y="3125191"/>
-                </a:cubicBezTo>
-                <a:close/>
-                <a:moveTo>
-                  <a:pt x="2489721" y="570035"/>
-                </a:moveTo>
-                <a:cubicBezTo>
-                  <a:pt x="2489721" y="570035"/>
-                  <a:pt x="2489721" y="570035"/>
-                  <a:pt x="2764862" y="570035"/>
-                </a:cubicBezTo>
-                <a:lnTo>
-                  <a:pt x="2796959" y="570035"/>
-                </a:lnTo>
-                <a:lnTo>
-                  <a:pt x="2827587" y="622777"/>
-                </a:lnTo>
-                <a:cubicBezTo>
-                  <a:pt x="2870233" y="696217"/>
-                  <a:pt x="2919858" y="781675"/>
-                  <a:pt x="2977604" y="881117"/>
-                </a:cubicBezTo>
-                <a:cubicBezTo>
-                  <a:pt x="3004153" y="925204"/>
-                  <a:pt x="3004153" y="981634"/>
-                  <a:pt x="2977604" y="1025720"/>
-                </a:cubicBezTo>
-                <a:cubicBezTo>
-                  <a:pt x="2977604" y="1025720"/>
-                  <a:pt x="2977604" y="1025720"/>
-                  <a:pt x="2566968" y="1732863"/>
-                </a:cubicBezTo>
-                <a:cubicBezTo>
-                  <a:pt x="2542188" y="1778712"/>
-                  <a:pt x="2492629" y="1806927"/>
-                  <a:pt x="2441299" y="1806927"/>
-                </a:cubicBezTo>
-                <a:cubicBezTo>
-                  <a:pt x="2441299" y="1806927"/>
-                  <a:pt x="2441299" y="1806927"/>
-                  <a:pt x="1621798" y="1806927"/>
-                </a:cubicBezTo>
-                <a:cubicBezTo>
-                  <a:pt x="1608523" y="1806927"/>
-                  <a:pt x="1595580" y="1805163"/>
-                  <a:pt x="1583218" y="1801802"/>
-                </a:cubicBezTo>
-                <a:lnTo>
-                  <a:pt x="1556683" y="1790677"/>
-                </a:lnTo>
-                <a:lnTo>
-                  <a:pt x="1572899" y="1762631"/>
-                </a:lnTo>
-                <a:cubicBezTo>
-                  <a:pt x="1719523" y="1509042"/>
-                  <a:pt x="1907201" y="1184448"/>
-                  <a:pt x="2147429" y="768968"/>
-                </a:cubicBezTo>
-                <a:cubicBezTo>
-                  <a:pt x="2218739" y="645819"/>
-                  <a:pt x="2347099" y="570035"/>
-                  <a:pt x="2489721" y="570035"/>
-                </a:cubicBezTo>
-                <a:close/>
-                <a:moveTo>
-                  <a:pt x="1573268" y="0"/>
-                </a:moveTo>
-                <a:cubicBezTo>
-                  <a:pt x="1573268" y="0"/>
-                  <a:pt x="1573268" y="0"/>
-                  <a:pt x="2497662" y="0"/>
-                </a:cubicBezTo>
-                <a:cubicBezTo>
-                  <a:pt x="2555561" y="0"/>
-                  <a:pt x="2611463" y="31828"/>
-                  <a:pt x="2639415" y="83546"/>
-                </a:cubicBezTo>
-                <a:cubicBezTo>
-                  <a:pt x="2639415" y="83546"/>
-                  <a:pt x="2639415" y="83546"/>
-                  <a:pt x="2887862" y="511387"/>
-                </a:cubicBezTo>
-                <a:lnTo>
-                  <a:pt x="2915928" y="559720"/>
-                </a:lnTo>
-                <a:lnTo>
-                  <a:pt x="2893844" y="559720"/>
-                </a:lnTo>
-                <a:lnTo>
-                  <a:pt x="2789466" y="559720"/>
-                </a:lnTo>
-                <a:lnTo>
-                  <a:pt x="2744122" y="481634"/>
-                </a:lnTo>
-                <a:cubicBezTo>
-                  <a:pt x="2570885" y="183309"/>
-                  <a:pt x="2570885" y="183309"/>
-                  <a:pt x="2570885" y="183309"/>
-                </a:cubicBezTo>
-                <a:cubicBezTo>
-                  <a:pt x="2546104" y="137459"/>
-                  <a:pt x="2496545" y="109244"/>
-                  <a:pt x="2445216" y="109244"/>
-                </a:cubicBezTo>
-                <a:cubicBezTo>
-                  <a:pt x="1625714" y="109244"/>
-                  <a:pt x="1625714" y="109244"/>
-                  <a:pt x="1625714" y="109244"/>
-                </a:cubicBezTo>
-                <a:cubicBezTo>
-                  <a:pt x="1572615" y="109244"/>
-                  <a:pt x="1524825" y="137459"/>
-                  <a:pt x="1498276" y="183309"/>
-                </a:cubicBezTo>
-                <a:cubicBezTo>
-                  <a:pt x="1089410" y="890450"/>
-                  <a:pt x="1089410" y="890450"/>
-                  <a:pt x="1089410" y="890450"/>
-                </a:cubicBezTo>
-                <a:cubicBezTo>
-                  <a:pt x="1062860" y="934537"/>
-                  <a:pt x="1062860" y="990968"/>
-                  <a:pt x="1089410" y="1035054"/>
-                </a:cubicBezTo>
-                <a:cubicBezTo>
-                  <a:pt x="1498276" y="1742196"/>
-                  <a:pt x="1498276" y="1742196"/>
-                  <a:pt x="1498276" y="1742196"/>
-                </a:cubicBezTo>
-                <a:cubicBezTo>
-                  <a:pt x="1511551" y="1765121"/>
-                  <a:pt x="1530135" y="1783637"/>
-                  <a:pt x="1552039" y="1796421"/>
-                </a:cubicBezTo>
-                <a:lnTo>
-                  <a:pt x="1558260" y="1799029"/>
-                </a:lnTo>
-                <a:lnTo>
-                  <a:pt x="1524911" y="1856707"/>
-                </a:lnTo>
-                <a:lnTo>
-                  <a:pt x="1500108" y="1899604"/>
-                </a:lnTo>
-                <a:lnTo>
-                  <a:pt x="1525834" y="1910390"/>
-                </a:lnTo>
-                <a:cubicBezTo>
-                  <a:pt x="1539779" y="1914181"/>
-                  <a:pt x="1554378" y="1916170"/>
-                  <a:pt x="1569352" y="1916170"/>
-                </a:cubicBezTo>
-                <a:cubicBezTo>
-                  <a:pt x="2493745" y="1916170"/>
-                  <a:pt x="2493745" y="1916170"/>
-                  <a:pt x="2493745" y="1916170"/>
-                </a:cubicBezTo>
-                <a:cubicBezTo>
-                  <a:pt x="2551645" y="1916170"/>
-                  <a:pt x="2607546" y="1884345"/>
-                  <a:pt x="2635498" y="1832627"/>
-                </a:cubicBezTo>
-                <a:cubicBezTo>
-                  <a:pt x="3098693" y="1034974"/>
-                  <a:pt x="3098693" y="1034974"/>
-                  <a:pt x="3098693" y="1034974"/>
-                </a:cubicBezTo>
-                <a:cubicBezTo>
-                  <a:pt x="3128641" y="985246"/>
-                  <a:pt x="3128641" y="921593"/>
-                  <a:pt x="3098693" y="871863"/>
-                </a:cubicBezTo>
-                <a:cubicBezTo>
-                  <a:pt x="3040794" y="772157"/>
-                  <a:pt x="2990132" y="684914"/>
-                  <a:pt x="2945803" y="608576"/>
-                </a:cubicBezTo>
-                <a:lnTo>
-                  <a:pt x="2923422" y="570035"/>
-                </a:lnTo>
-                <a:lnTo>
-                  <a:pt x="3027104" y="570035"/>
-                </a:lnTo>
-                <a:cubicBezTo>
-                  <a:pt x="3349535" y="570035"/>
-                  <a:pt x="3865424" y="570035"/>
-                  <a:pt x="4690846" y="570035"/>
-                </a:cubicBezTo>
-                <a:cubicBezTo>
-                  <a:pt x="4828714" y="570035"/>
-                  <a:pt x="4961827" y="645819"/>
-                  <a:pt x="5028384" y="768968"/>
-                </a:cubicBezTo>
-                <a:cubicBezTo>
-                  <a:pt x="5028384" y="768968"/>
-                  <a:pt x="5028384" y="768968"/>
-                  <a:pt x="6131323" y="2668304"/>
-                </a:cubicBezTo>
-                <a:cubicBezTo>
-                  <a:pt x="6202634" y="2786717"/>
-                  <a:pt x="6202634" y="2938285"/>
-                  <a:pt x="6131323" y="3056698"/>
-                </a:cubicBezTo>
-                <a:cubicBezTo>
-                  <a:pt x="6131323" y="3056698"/>
-                  <a:pt x="6131323" y="3056698"/>
-                  <a:pt x="5028384" y="4956035"/>
-                </a:cubicBezTo>
-                <a:cubicBezTo>
-                  <a:pt x="4961827" y="5079184"/>
-                  <a:pt x="4828714" y="5154967"/>
-                  <a:pt x="4690846" y="5154967"/>
-                </a:cubicBezTo>
-                <a:cubicBezTo>
-                  <a:pt x="4690846" y="5154967"/>
-                  <a:pt x="4690846" y="5154967"/>
-                  <a:pt x="2489721" y="5154967"/>
-                </a:cubicBezTo>
-                <a:cubicBezTo>
-                  <a:pt x="2347099" y="5154967"/>
-                  <a:pt x="2218739" y="5079184"/>
-                  <a:pt x="2147429" y="4956035"/>
-                </a:cubicBezTo>
-                <a:cubicBezTo>
-                  <a:pt x="2147429" y="4956035"/>
-                  <a:pt x="2147429" y="4956035"/>
-                  <a:pt x="1049243" y="3056698"/>
-                </a:cubicBezTo>
-                <a:cubicBezTo>
-                  <a:pt x="977932" y="2938285"/>
-                  <a:pt x="977932" y="2786717"/>
-                  <a:pt x="1049243" y="2668304"/>
-                </a:cubicBezTo>
-                <a:cubicBezTo>
-                  <a:pt x="1049243" y="2668304"/>
-                  <a:pt x="1049243" y="2668304"/>
-                  <a:pt x="1457007" y="1963067"/>
-                </a:cubicBezTo>
-                <a:lnTo>
-                  <a:pt x="1491373" y="1903634"/>
-                </a:lnTo>
-                <a:lnTo>
-                  <a:pt x="1490164" y="1903127"/>
-                </a:lnTo>
-                <a:cubicBezTo>
-                  <a:pt x="1465456" y="1888705"/>
-                  <a:pt x="1444493" y="1867820"/>
-                  <a:pt x="1429519" y="1841960"/>
-                </a:cubicBezTo>
-                <a:cubicBezTo>
-                  <a:pt x="1429519" y="1841960"/>
-                  <a:pt x="1429519" y="1841960"/>
-                  <a:pt x="968320" y="1044307"/>
-                </a:cubicBezTo>
-                <a:cubicBezTo>
-                  <a:pt x="938371" y="994579"/>
-                  <a:pt x="938371" y="930926"/>
-                  <a:pt x="968320" y="881196"/>
-                </a:cubicBezTo>
-                <a:cubicBezTo>
-                  <a:pt x="968320" y="881196"/>
-                  <a:pt x="968320" y="881196"/>
-                  <a:pt x="1429519" y="83546"/>
-                </a:cubicBezTo>
-                <a:cubicBezTo>
-                  <a:pt x="1459466" y="31828"/>
-                  <a:pt x="1513373" y="0"/>
-                  <a:pt x="1573268" y="0"/>
-                </a:cubicBezTo>
-                <a:close/>
-              </a:path>
-            </a:pathLst>
-          </a:custGeom>
-          <a:solidFill>
-            <a:schemeClr val="tx1">
-              <a:lumMod val="50000"/>
-              <a:lumOff val="50000"/>
-              <a:alpha val="15000"/>
-            </a:schemeClr>
-          </a:solidFill>
-          <a:ln>
-            <a:noFill/>
-          </a:ln>
-        </p:spPr>
-        <p:style>
-          <a:lnRef idx="2">
-            <a:schemeClr val="accent1">
-              <a:shade val="50000"/>
-            </a:schemeClr>
-          </a:lnRef>
-          <a:fillRef idx="1">
-            <a:schemeClr val="accent1"/>
-          </a:fillRef>
-          <a:effectRef idx="0">
-            <a:schemeClr val="accent1"/>
-          </a:effectRef>
-          <a:fontRef idx="minor"/>
-        </p:style>
-      </p:sp>
-      <p:pic>
-        <p:nvPicPr>
-          <p:cNvPr id="247" name="Graphic 5" descr="Cmd Terminal outline"/>
-          <p:cNvPicPr/>
-          <p:nvPr/>
-        </p:nvPicPr>
-        <p:blipFill>
-          <a:blip r:embed="rId1"/>
-          <a:stretch/>
-        </p:blipFill>
-        <p:spPr>
-          <a:xfrm>
-            <a:off x="5484960" y="2341080"/>
-            <a:ext cx="2745720" cy="2745720"/>
-          </a:xfrm>
-          <a:prstGeom prst="rect">
-            <a:avLst/>
-          </a:prstGeom>
-          <a:ln>
-            <a:noFill/>
-          </a:ln>
-        </p:spPr>
-      </p:pic>
-    </p:spTree>
-  </p:cSld>
-  <mc:AlternateContent>
-    <mc:Choice Requires="p14">
-      <p:transition spd="slow" p14:dur="2000"/>
-    </mc:Choice>
-    <mc:Fallback>
-      <p:transition spd="slow"/>
-    </mc:Fallback>
-  </mc:AlternateContent>
-</p:sld>
-</file>
-
-<file path=ppt/slides/slide16.xml><?xml version="1.0" encoding="utf-8"?>
-<p:sld xmlns:a="http://schemas.openxmlformats.org/drawingml/2006/main" xmlns:p="http://schemas.openxmlformats.org/presentationml/2006/main" xmlns:r="http://schemas.openxmlformats.org/officeDocument/2006/relationships" xmlns:p14="http://schemas.microsoft.com/office/powerpoint/2010/main" xmlns:p15="http://schemas.microsoft.com/office/powerpoint/2012/main" xmlns:mc="http://schemas.openxmlformats.org/markup-compatibility/2006">
-  <p:cSld>
-    <p:spTree>
-      <p:nvGrpSpPr>
-        <p:cNvPr id="1" name=""/>
-        <p:cNvGrpSpPr/>
-        <p:nvPr/>
-      </p:nvGrpSpPr>
-      <p:grpSpPr>
-        <a:xfrm>
-          <a:off x="0" y="0"/>
-          <a:ext cx="0" cy="0"/>
-          <a:chOff x="0" y="0"/>
-          <a:chExt cx="0" cy="0"/>
-        </a:xfrm>
-      </p:grpSpPr>
-      <p:sp>
-        <p:nvSpPr>
-          <p:cNvPr id="248" name="CustomShape 1"/>
-          <p:cNvSpPr/>
-          <p:nvPr/>
-        </p:nvSpPr>
-        <p:spPr>
-          <a:xfrm>
-            <a:off x="457200" y="684000"/>
-            <a:ext cx="8228160" cy="1144080"/>
+            <a:off x="457200" y="2034720"/>
+            <a:ext cx="8227800" cy="4249800"/>
           </a:xfrm>
           <a:prstGeom prst="rect">
             <a:avLst/>
@@ -10710,62 +10101,11 @@
           <a:fontRef idx="minor"/>
         </p:style>
         <p:txBody>
-          <a:bodyPr lIns="0" rIns="0" tIns="0" bIns="0" anchor="ctr">
-            <a:noAutofit/>
-          </a:bodyPr>
-          <a:p>
-            <a:pPr algn="ctr">
-              <a:lnSpc>
-                <a:spcPct val="100000"/>
-              </a:lnSpc>
-            </a:pPr>
-            <a:r>
-              <a:rPr b="1" lang="en-GB" sz="4400" spc="-1" strike="noStrike">
-                <a:solidFill>
-                  <a:srgbClr val="000000"/>
-                </a:solidFill>
-                <a:latin typeface="Calibri"/>
-                <a:ea typeface="DejaVu Sans"/>
-              </a:rPr>
-              <a:t>Useful references</a:t>
-            </a:r>
-            <a:endParaRPr b="0" lang="en-GB" sz="4400" spc="-1" strike="noStrike">
-              <a:latin typeface="Arial"/>
-            </a:endParaRPr>
-          </a:p>
-        </p:txBody>
-      </p:sp>
-      <p:sp>
-        <p:nvSpPr>
-          <p:cNvPr id="249" name="CustomShape 2"/>
-          <p:cNvSpPr/>
-          <p:nvPr/>
-        </p:nvSpPr>
-        <p:spPr>
-          <a:xfrm>
-            <a:off x="457200" y="2034720"/>
-            <a:ext cx="8228160" cy="4250160"/>
-          </a:xfrm>
-          <a:prstGeom prst="rect">
-            <a:avLst/>
-          </a:prstGeom>
-          <a:noFill/>
-          <a:ln>
-            <a:noFill/>
-          </a:ln>
-        </p:spPr>
-        <p:style>
-          <a:lnRef idx="0"/>
-          <a:fillRef idx="0"/>
-          <a:effectRef idx="0"/>
-          <a:fontRef idx="minor"/>
-        </p:style>
-        <p:txBody>
           <a:bodyPr lIns="90000" rIns="90000" tIns="45000" bIns="45000">
             <a:normAutofit/>
           </a:bodyPr>
           <a:p>
-            <a:pPr marL="343080" indent="-342360">
+            <a:pPr marL="343080" indent="-342000">
               <a:lnSpc>
                 <a:spcPct val="100000"/>
               </a:lnSpc>
@@ -10805,7 +10145,7 @@
             </a:endParaRPr>
           </a:p>
           <a:p>
-            <a:pPr marL="343080" indent="-342360">
+            <a:pPr marL="343080" indent="-342000">
               <a:lnSpc>
                 <a:spcPct val="100000"/>
               </a:lnSpc>
@@ -10845,7 +10185,7 @@
             </a:endParaRPr>
           </a:p>
           <a:p>
-            <a:pPr marL="343080" indent="-342360">
+            <a:pPr marL="343080" indent="-342000">
               <a:lnSpc>
                 <a:spcPct val="100000"/>
               </a:lnSpc>
@@ -10925,7 +10265,7 @@
         <p:spPr>
           <a:xfrm>
             <a:off x="480240" y="1371600"/>
-            <a:ext cx="3613320" cy="3452040"/>
+            <a:ext cx="3612960" cy="3451680"/>
           </a:xfrm>
           <a:prstGeom prst="rect">
             <a:avLst/>
@@ -10982,7 +10322,7 @@
         <p:spPr>
           <a:xfrm>
             <a:off x="4969080" y="1371600"/>
-            <a:ext cx="3658320" cy="4895280"/>
+            <a:ext cx="3657960" cy="4894920"/>
           </a:xfrm>
           <a:prstGeom prst="rect">
             <a:avLst/>
@@ -11003,7 +10343,7 @@
             <a:normAutofit/>
           </a:bodyPr>
           <a:p>
-            <a:pPr indent="-216000">
+            <a:pPr marL="216000" indent="-215640">
               <a:lnSpc>
                 <a:spcPct val="100000"/>
               </a:lnSpc>
@@ -11035,7 +10375,33 @@
             </a:endParaRPr>
           </a:p>
           <a:p>
-            <a:pPr lvl="1" marL="457200" indent="-216000">
+            <a:pPr>
+              <a:lnSpc>
+                <a:spcPct val="100000"/>
+              </a:lnSpc>
+              <a:spcBef>
+                <a:spcPts val="320"/>
+              </a:spcBef>
+              <a:spcAft>
+                <a:spcPts val="544"/>
+              </a:spcAft>
+            </a:pPr>
+            <a:r>
+              <a:rPr b="0" lang="en-US" sz="1600" spc="-1" strike="noStrike">
+                <a:solidFill>
+                  <a:srgbClr val="000000"/>
+                </a:solidFill>
+                <a:latin typeface="Calibri"/>
+                <a:ea typeface="DejaVu Sans"/>
+              </a:rPr>
+              <a:t>Adding statistics to plots</a:t>
+            </a:r>
+            <a:endParaRPr b="0" lang="en-GB" sz="1600" spc="-1" strike="noStrike">
+              <a:latin typeface="Arial"/>
+            </a:endParaRPr>
+          </a:p>
+          <a:p>
+            <a:pPr lvl="1" marL="457200" indent="-215640">
               <a:lnSpc>
                 <a:spcPct val="100000"/>
               </a:lnSpc>
@@ -11060,14 +10426,14 @@
                 <a:latin typeface="Calibri"/>
                 <a:ea typeface="DejaVu Sans"/>
               </a:rPr>
-              <a:t>Plotting continued from Session 2</a:t>
+              <a:t>Colours</a:t>
             </a:r>
             <a:endParaRPr b="0" lang="en-GB" sz="1600" spc="-1" strike="noStrike">
               <a:latin typeface="Arial"/>
             </a:endParaRPr>
           </a:p>
           <a:p>
-            <a:pPr lvl="1" marL="457200" indent="-216000">
+            <a:pPr lvl="1" marL="457200" indent="-215640">
               <a:lnSpc>
                 <a:spcPct val="100000"/>
               </a:lnSpc>
@@ -11092,14 +10458,14 @@
                 <a:latin typeface="Calibri"/>
                 <a:ea typeface="DejaVu Sans"/>
               </a:rPr>
-              <a:t>Statistics</a:t>
+              <a:t>Heatmaps</a:t>
             </a:r>
             <a:endParaRPr b="0" lang="en-GB" sz="1600" spc="-1" strike="noStrike">
               <a:latin typeface="Arial"/>
             </a:endParaRPr>
           </a:p>
           <a:p>
-            <a:pPr lvl="1" marL="457200" indent="-216000">
+            <a:pPr lvl="1" marL="457200" indent="-215640">
               <a:lnSpc>
                 <a:spcPct val="100000"/>
               </a:lnSpc>
@@ -11124,14 +10490,14 @@
                 <a:latin typeface="Calibri"/>
                 <a:ea typeface="DejaVu Sans"/>
               </a:rPr>
-              <a:t>Colours</a:t>
+              <a:t>PCA</a:t>
             </a:r>
             <a:endParaRPr b="0" lang="en-GB" sz="1600" spc="-1" strike="noStrike">
               <a:latin typeface="Arial"/>
             </a:endParaRPr>
           </a:p>
           <a:p>
-            <a:pPr lvl="1" marL="457200" indent="-216000">
+            <a:pPr lvl="1" marL="457200" indent="-215640">
               <a:lnSpc>
                 <a:spcPct val="100000"/>
               </a:lnSpc>
@@ -11156,78 +10522,14 @@
                 <a:latin typeface="Calibri"/>
                 <a:ea typeface="DejaVu Sans"/>
               </a:rPr>
-              <a:t>Heatmaps</a:t>
+              <a:t>Plotly, PCA-explorer</a:t>
             </a:r>
             <a:endParaRPr b="0" lang="en-GB" sz="1600" spc="-1" strike="noStrike">
               <a:latin typeface="Arial"/>
             </a:endParaRPr>
           </a:p>
           <a:p>
-            <a:pPr lvl="1" marL="457200" indent="-216000">
-              <a:lnSpc>
-                <a:spcPct val="100000"/>
-              </a:lnSpc>
-              <a:spcBef>
-                <a:spcPts val="320"/>
-              </a:spcBef>
-              <a:spcAft>
-                <a:spcPts val="544"/>
-              </a:spcAft>
-              <a:buClr>
-                <a:srgbClr val="000000"/>
-              </a:buClr>
-              <a:buSzPct val="80000"/>
-              <a:buFont typeface="Wingdings 3" charset="2"/>
-              <a:buChar char=""/>
-            </a:pPr>
-            <a:r>
-              <a:rPr b="0" lang="en-US" sz="1600" spc="-1" strike="noStrike">
-                <a:solidFill>
-                  <a:srgbClr val="000000"/>
-                </a:solidFill>
-                <a:latin typeface="Calibri"/>
-                <a:ea typeface="DejaVu Sans"/>
-              </a:rPr>
-              <a:t>PCA</a:t>
-            </a:r>
-            <a:endParaRPr b="0" lang="en-GB" sz="1600" spc="-1" strike="noStrike">
-              <a:latin typeface="Arial"/>
-            </a:endParaRPr>
-          </a:p>
-          <a:p>
-            <a:pPr lvl="1" marL="457200" indent="-216000">
-              <a:lnSpc>
-                <a:spcPct val="100000"/>
-              </a:lnSpc>
-              <a:spcBef>
-                <a:spcPts val="320"/>
-              </a:spcBef>
-              <a:spcAft>
-                <a:spcPts val="544"/>
-              </a:spcAft>
-              <a:buClr>
-                <a:srgbClr val="000000"/>
-              </a:buClr>
-              <a:buSzPct val="80000"/>
-              <a:buFont typeface="Wingdings 3" charset="2"/>
-              <a:buChar char=""/>
-            </a:pPr>
-            <a:r>
-              <a:rPr b="0" lang="en-US" sz="1600" spc="-1" strike="noStrike">
-                <a:solidFill>
-                  <a:srgbClr val="000000"/>
-                </a:solidFill>
-                <a:latin typeface="Calibri"/>
-                <a:ea typeface="DejaVu Sans"/>
-              </a:rPr>
-              <a:t>Plotly, PCA-explorer</a:t>
-            </a:r>
-            <a:endParaRPr b="0" lang="en-GB" sz="1600" spc="-1" strike="noStrike">
-              <a:latin typeface="Arial"/>
-            </a:endParaRPr>
-          </a:p>
-          <a:p>
-            <a:pPr lvl="1" marL="457200" indent="-216000">
+            <a:pPr lvl="1" marL="457200" indent="-215640">
               <a:lnSpc>
                 <a:spcPct val="100000"/>
               </a:lnSpc>
@@ -11299,7 +10601,7 @@
         <p:spPr>
           <a:xfrm>
             <a:off x="457200" y="684000"/>
-            <a:ext cx="8228160" cy="1144080"/>
+            <a:ext cx="8227800" cy="1143720"/>
           </a:xfrm>
           <a:prstGeom prst="rect">
             <a:avLst/>
@@ -11350,7 +10652,7 @@
         <p:spPr>
           <a:xfrm>
             <a:off x="457200" y="1700280"/>
-            <a:ext cx="8228160" cy="4864320"/>
+            <a:ext cx="8227800" cy="4863960"/>
           </a:xfrm>
           <a:prstGeom prst="rect">
             <a:avLst/>
@@ -11371,7 +10673,7 @@
             <a:normAutofit fontScale="91000"/>
           </a:bodyPr>
           <a:p>
-            <a:pPr marL="343080" indent="-342360">
+            <a:pPr marL="343080" indent="-342000">
               <a:lnSpc>
                 <a:spcPct val="100000"/>
               </a:lnSpc>
@@ -11409,7 +10711,7 @@
             </a:endParaRPr>
           </a:p>
           <a:p>
-            <a:pPr marL="343080" indent="-342360">
+            <a:pPr marL="343080" indent="-342000">
               <a:lnSpc>
                 <a:spcPct val="100000"/>
               </a:lnSpc>
@@ -11437,7 +10739,7 @@
             </a:endParaRPr>
           </a:p>
           <a:p>
-            <a:pPr marL="343080" indent="-342360">
+            <a:pPr marL="343080" indent="-342000">
               <a:lnSpc>
                 <a:spcPct val="100000"/>
               </a:lnSpc>
@@ -11547,7 +10849,7 @@
             </a:endParaRPr>
           </a:p>
           <a:p>
-            <a:pPr marL="343080" indent="-342360">
+            <a:pPr marL="343080" indent="-342000">
               <a:lnSpc>
                 <a:spcPct val="100000"/>
               </a:lnSpc>
@@ -11614,7 +10916,7 @@
             </a:endParaRPr>
           </a:p>
           <a:p>
-            <a:pPr marL="343080" indent="-342360">
+            <a:pPr marL="343080" indent="-342000">
               <a:lnSpc>
                 <a:spcPct val="100000"/>
               </a:lnSpc>
@@ -11645,7 +10947,7 @@
             </a:endParaRPr>
           </a:p>
           <a:p>
-            <a:pPr marL="343080" indent="-342360">
+            <a:pPr marL="343080" indent="-342000">
               <a:lnSpc>
                 <a:spcPct val="100000"/>
               </a:lnSpc>
@@ -11748,7 +11050,7 @@
             </a:endParaRPr>
           </a:p>
           <a:p>
-            <a:pPr marL="343080" indent="-342360">
+            <a:pPr marL="343080" indent="-342000">
               <a:lnSpc>
                 <a:spcPct val="100000"/>
               </a:lnSpc>
@@ -11815,7 +11117,7 @@
             </a:endParaRPr>
           </a:p>
           <a:p>
-            <a:pPr marL="343080" indent="-342360">
+            <a:pPr marL="343080" indent="-342000">
               <a:lnSpc>
                 <a:spcPct val="100000"/>
               </a:lnSpc>
@@ -11912,7 +11214,7 @@
         <p:spPr>
           <a:xfrm>
             <a:off x="457200" y="274680"/>
-            <a:ext cx="8228880" cy="1142280"/>
+            <a:ext cx="8228520" cy="1141920"/>
           </a:xfrm>
           <a:prstGeom prst="rect">
             <a:avLst/>
@@ -11963,7 +11265,7 @@
         <p:spPr>
           <a:xfrm>
             <a:off x="457200" y="1600200"/>
-            <a:ext cx="8228880" cy="4525200"/>
+            <a:ext cx="8228520" cy="4524840"/>
           </a:xfrm>
           <a:prstGeom prst="rect">
             <a:avLst/>
@@ -12030,7 +11332,7 @@
             </a:endParaRPr>
           </a:p>
           <a:p>
-            <a:pPr marL="343080" indent="-342360">
+            <a:pPr marL="343080" indent="-342000">
               <a:lnSpc>
                 <a:spcPct val="100000"/>
               </a:lnSpc>
@@ -12061,7 +11363,7 @@
             </a:endParaRPr>
           </a:p>
           <a:p>
-            <a:pPr marL="343080" indent="-342360" algn="just">
+            <a:pPr marL="343080" indent="-342000" algn="just">
               <a:lnSpc>
                 <a:spcPct val="100000"/>
               </a:lnSpc>
@@ -12117,7 +11419,7 @@
             </a:endParaRPr>
           </a:p>
           <a:p>
-            <a:pPr>
+            <a:pPr marL="343080" indent="-342000">
               <a:lnSpc>
                 <a:spcPct val="100000"/>
               </a:lnSpc>
@@ -12143,7 +11445,7 @@
             </a:endParaRPr>
           </a:p>
           <a:p>
-            <a:pPr marL="343080" indent="-342360">
+            <a:pPr marL="343080" indent="-342000">
               <a:lnSpc>
                 <a:spcPct val="100000"/>
               </a:lnSpc>
@@ -12286,7 +11588,7 @@
         <p:spPr>
           <a:xfrm>
             <a:off x="457200" y="274680"/>
-            <a:ext cx="8228880" cy="1142280"/>
+            <a:ext cx="8228520" cy="1141920"/>
           </a:xfrm>
           <a:prstGeom prst="rect">
             <a:avLst/>
@@ -12337,7 +11639,7 @@
         <p:spPr>
           <a:xfrm>
             <a:off x="457200" y="1600200"/>
-            <a:ext cx="8228880" cy="4525200"/>
+            <a:ext cx="8228520" cy="4524840"/>
           </a:xfrm>
           <a:prstGeom prst="rect">
             <a:avLst/>
@@ -12530,7 +11832,7 @@
         <p:spPr>
           <a:xfrm>
             <a:off x="0" y="0"/>
-            <a:ext cx="9143280" cy="6857280"/>
+            <a:ext cx="9142920" cy="6856920"/>
           </a:xfrm>
           <a:prstGeom prst="rect">
             <a:avLst/>
@@ -12566,7 +11868,7 @@
         <p:spPr>
           <a:xfrm>
             <a:off x="912960" y="2222640"/>
-            <a:ext cx="3519000" cy="2411640"/>
+            <a:ext cx="3518640" cy="2411280"/>
           </a:xfrm>
           <a:prstGeom prst="rect">
             <a:avLst/>
@@ -12639,7 +11941,7 @@
         <p:spPr>
           <a:xfrm>
             <a:off x="4132800" y="851400"/>
-            <a:ext cx="4637880" cy="5154120"/>
+            <a:ext cx="4637520" cy="5153760"/>
           </a:xfrm>
           <a:custGeom>
             <a:avLst/>
@@ -13020,7 +12322,7 @@
         <p:spPr>
           <a:xfrm>
             <a:off x="5484960" y="2341080"/>
-            <a:ext cx="2745720" cy="2745720"/>
+            <a:ext cx="2745360" cy="2745360"/>
           </a:xfrm>
           <a:prstGeom prst="rect">
             <a:avLst/>
@@ -13069,7 +12371,7 @@
         <p:spPr>
           <a:xfrm>
             <a:off x="457200" y="9360"/>
-            <a:ext cx="8228160" cy="1144080"/>
+            <a:ext cx="8227800" cy="1143720"/>
           </a:xfrm>
           <a:prstGeom prst="rect">
             <a:avLst/>
@@ -13120,7 +12422,7 @@
         <p:spPr>
           <a:xfrm>
             <a:off x="457200" y="1260720"/>
-            <a:ext cx="8162280" cy="711720"/>
+            <a:ext cx="8161920" cy="711360"/>
           </a:xfrm>
           <a:prstGeom prst="rect">
             <a:avLst/>
@@ -13141,7 +12443,7 @@
             <a:normAutofit/>
           </a:bodyPr>
           <a:p>
-            <a:pPr marL="343080" indent="-342360">
+            <a:pPr marL="343080" indent="-342000">
               <a:lnSpc>
                 <a:spcPct val="100000"/>
               </a:lnSpc>
@@ -13184,7 +12486,7 @@
         <p:spPr>
           <a:xfrm>
             <a:off x="-360" y="1972800"/>
-            <a:ext cx="9143280" cy="4884480"/>
+            <a:ext cx="9142920" cy="4884120"/>
           </a:xfrm>
           <a:prstGeom prst="rect">
             <a:avLst/>
@@ -13238,7 +12540,7 @@
         <p:spPr>
           <a:xfrm>
             <a:off x="128880" y="1613880"/>
-            <a:ext cx="7394400" cy="5243400"/>
+            <a:ext cx="7394040" cy="5243040"/>
           </a:xfrm>
           <a:prstGeom prst="rect">
             <a:avLst/>
@@ -13257,7 +12559,7 @@
         <p:spPr>
           <a:xfrm>
             <a:off x="457200" y="9360"/>
-            <a:ext cx="8228160" cy="1144080"/>
+            <a:ext cx="8227800" cy="1143720"/>
           </a:xfrm>
           <a:prstGeom prst="rect">
             <a:avLst/>
@@ -13308,7 +12610,7 @@
         <p:spPr>
           <a:xfrm>
             <a:off x="5779440" y="951120"/>
-            <a:ext cx="3115440" cy="3283920"/>
+            <a:ext cx="3115080" cy="3283560"/>
           </a:xfrm>
           <a:prstGeom prst="rect">
             <a:avLst/>
@@ -13329,7 +12631,7 @@
             <a:normAutofit fontScale="97000"/>
           </a:bodyPr>
           <a:p>
-            <a:pPr marL="343080" indent="-342360">
+            <a:pPr marL="343080" indent="-342000">
               <a:lnSpc>
                 <a:spcPct val="100000"/>
               </a:lnSpc>
@@ -13357,7 +12659,7 @@
             </a:endParaRPr>
           </a:p>
           <a:p>
-            <a:pPr marL="343080" indent="-342360">
+            <a:pPr marL="343080" indent="-342000">
               <a:lnSpc>
                 <a:spcPct val="100000"/>
               </a:lnSpc>
@@ -13385,7 +12687,7 @@
             </a:endParaRPr>
           </a:p>
           <a:p>
-            <a:pPr lvl="1" marL="743040" indent="-285120">
+            <a:pPr lvl="1" marL="743040" indent="-284760">
               <a:lnSpc>
                 <a:spcPct val="100000"/>
               </a:lnSpc>
@@ -13413,7 +12715,7 @@
             </a:endParaRPr>
           </a:p>
           <a:p>
-            <a:pPr lvl="1" marL="743040" indent="-285120">
+            <a:pPr lvl="1" marL="743040" indent="-284760">
               <a:lnSpc>
                 <a:spcPct val="100000"/>
               </a:lnSpc>
@@ -13441,7 +12743,7 @@
             </a:endParaRPr>
           </a:p>
           <a:p>
-            <a:pPr lvl="1" marL="743040" indent="-285120">
+            <a:pPr lvl="1" marL="743040" indent="-284760">
               <a:lnSpc>
                 <a:spcPct val="100000"/>
               </a:lnSpc>
@@ -13469,7 +12771,7 @@
             </a:endParaRPr>
           </a:p>
           <a:p>
-            <a:pPr marL="343080" indent="-342360">
+            <a:pPr marL="343080" indent="-342000">
               <a:lnSpc>
                 <a:spcPct val="100000"/>
               </a:lnSpc>
@@ -13549,7 +12851,7 @@
         <p:spPr>
           <a:xfrm>
             <a:off x="457200" y="360"/>
-            <a:ext cx="8228160" cy="1144080"/>
+            <a:ext cx="8227800" cy="1143720"/>
           </a:xfrm>
           <a:prstGeom prst="rect">
             <a:avLst/>
@@ -13600,7 +12902,7 @@
         <p:spPr>
           <a:xfrm>
             <a:off x="457200" y="1091880"/>
-            <a:ext cx="8162280" cy="1003320"/>
+            <a:ext cx="8161920" cy="1002960"/>
           </a:xfrm>
           <a:prstGeom prst="rect">
             <a:avLst/>
@@ -13621,7 +12923,7 @@
             <a:normAutofit/>
           </a:bodyPr>
           <a:p>
-            <a:pPr marL="343080" indent="-342360">
+            <a:pPr marL="343080" indent="-342000">
               <a:lnSpc>
                 <a:spcPct val="100000"/>
               </a:lnSpc>
@@ -13649,7 +12951,7 @@
             </a:endParaRPr>
           </a:p>
           <a:p>
-            <a:pPr lvl="1" marL="743040" indent="-285120">
+            <a:pPr lvl="1" marL="743040" indent="-284760">
               <a:lnSpc>
                 <a:spcPct val="100000"/>
               </a:lnSpc>
@@ -13677,7 +12979,7 @@
             </a:endParaRPr>
           </a:p>
           <a:p>
-            <a:pPr lvl="1" marL="743040" indent="-285120">
+            <a:pPr lvl="1" marL="743040" indent="-284760">
               <a:lnSpc>
                 <a:spcPct val="100000"/>
               </a:lnSpc>
@@ -13755,7 +13057,7 @@
         <p:spPr>
           <a:xfrm>
             <a:off x="4283280" y="2148480"/>
-            <a:ext cx="4007520" cy="4362480"/>
+            <a:ext cx="4007160" cy="4362120"/>
           </a:xfrm>
           <a:prstGeom prst="rect">
             <a:avLst/>
@@ -13774,7 +13076,7 @@
         <p:spPr>
           <a:xfrm>
             <a:off x="4314600" y="3302640"/>
-            <a:ext cx="3417120" cy="212400"/>
+            <a:ext cx="3416760" cy="212040"/>
           </a:xfrm>
           <a:prstGeom prst="rect">
             <a:avLst/>
@@ -13806,7 +13108,7 @@
         <p:spPr>
           <a:xfrm>
             <a:off x="4314600" y="2148480"/>
-            <a:ext cx="3417120" cy="1153440"/>
+            <a:ext cx="3416760" cy="1153080"/>
           </a:xfrm>
           <a:prstGeom prst="rect">
             <a:avLst/>
@@ -13838,7 +13140,7 @@
         <p:spPr>
           <a:xfrm>
             <a:off x="4314600" y="6298560"/>
-            <a:ext cx="3417120" cy="212400"/>
+            <a:ext cx="3416760" cy="212040"/>
           </a:xfrm>
           <a:prstGeom prst="rect">
             <a:avLst/>
@@ -13873,7 +13175,7 @@
         <p:spPr>
           <a:xfrm>
             <a:off x="7732440" y="3515400"/>
-            <a:ext cx="589680" cy="2782440"/>
+            <a:ext cx="589320" cy="2782080"/>
           </a:xfrm>
           <a:prstGeom prst="rect">
             <a:avLst/>
@@ -13908,7 +13210,7 @@
         <p:spPr>
           <a:xfrm>
             <a:off x="7290720" y="2148480"/>
-            <a:ext cx="1031400" cy="887040"/>
+            <a:ext cx="1031040" cy="886680"/>
           </a:xfrm>
           <a:prstGeom prst="rect">
             <a:avLst/>
@@ -13943,7 +13245,7 @@
         <p:spPr>
           <a:xfrm>
             <a:off x="457200" y="3026160"/>
-            <a:ext cx="2337480" cy="364320"/>
+            <a:ext cx="2337120" cy="363960"/>
           </a:xfrm>
           <a:prstGeom prst="rect">
             <a:avLst/>
@@ -13994,7 +13296,7 @@
         <p:spPr>
           <a:xfrm>
             <a:off x="1402560" y="6142320"/>
-            <a:ext cx="1983240" cy="364320"/>
+            <a:ext cx="1982880" cy="363960"/>
           </a:xfrm>
           <a:prstGeom prst="rect">
             <a:avLst/>
@@ -14045,7 +13347,7 @@
         <p:spPr>
           <a:xfrm>
             <a:off x="3288600" y="4537800"/>
-            <a:ext cx="918720" cy="364320"/>
+            <a:ext cx="918360" cy="363960"/>
           </a:xfrm>
           <a:prstGeom prst="rect">
             <a:avLst/>
@@ -14096,7 +13398,7 @@
         <p:spPr>
           <a:xfrm>
             <a:off x="555840" y="2310480"/>
-            <a:ext cx="2337480" cy="364320"/>
+            <a:ext cx="2337120" cy="363960"/>
           </a:xfrm>
           <a:prstGeom prst="rect">
             <a:avLst/>
@@ -14147,7 +13449,7 @@
         <p:spPr>
           <a:xfrm>
             <a:off x="7466040" y="1484280"/>
-            <a:ext cx="1153440" cy="364320"/>
+            <a:ext cx="1153080" cy="363960"/>
           </a:xfrm>
           <a:prstGeom prst="rect">
             <a:avLst/>
@@ -14198,7 +13500,7 @@
         <p:spPr>
           <a:xfrm>
             <a:off x="1402560" y="5412600"/>
-            <a:ext cx="1885320" cy="364320"/>
+            <a:ext cx="1884960" cy="363960"/>
           </a:xfrm>
           <a:prstGeom prst="rect">
             <a:avLst/>
@@ -14248,8 +13550,8 @@
         </p:nvSpPr>
         <p:spPr>
           <a:xfrm flipH="1" flipV="1">
-            <a:off x="2794680" y="3210120"/>
-            <a:ext cx="1518480" cy="197280"/>
+            <a:off x="2793960" y="3209400"/>
+            <a:ext cx="1518120" cy="196920"/>
           </a:xfrm>
           <a:custGeom>
             <a:avLst/>
@@ -14301,8 +13603,8 @@
         </p:nvSpPr>
         <p:spPr>
           <a:xfrm flipH="1" flipV="1">
-            <a:off x="4207320" y="4721760"/>
-            <a:ext cx="1233360" cy="138240"/>
+            <a:off x="4206600" y="4721040"/>
+            <a:ext cx="1233000" cy="137880"/>
           </a:xfrm>
           <a:custGeom>
             <a:avLst/>
@@ -14354,8 +13656,8 @@
         </p:nvSpPr>
         <p:spPr>
           <a:xfrm flipH="1" flipV="1">
-            <a:off x="2893320" y="2494440"/>
-            <a:ext cx="1419840" cy="229680"/>
+            <a:off x="2892600" y="2493720"/>
+            <a:ext cx="1419480" cy="229320"/>
           </a:xfrm>
           <a:custGeom>
             <a:avLst/>
@@ -14408,7 +13710,7 @@
         <p:spPr>
           <a:xfrm flipV="1">
             <a:off x="7806960" y="1852920"/>
-            <a:ext cx="235800" cy="294120"/>
+            <a:ext cx="235440" cy="293760"/>
           </a:xfrm>
           <a:custGeom>
             <a:avLst/>
@@ -14460,8 +13762,8 @@
         </p:nvSpPr>
         <p:spPr>
           <a:xfrm flipH="1">
-            <a:off x="3287880" y="4907160"/>
-            <a:ext cx="4443120" cy="689400"/>
+            <a:off x="3287160" y="4907160"/>
+            <a:ext cx="4442760" cy="689040"/>
           </a:xfrm>
           <a:custGeom>
             <a:avLst/>
@@ -14514,7 +13816,7 @@
         <p:spPr>
           <a:xfrm flipH="1" flipV="1">
             <a:off x="3386160" y="6326280"/>
-            <a:ext cx="927000" cy="77400"/>
+            <a:ext cx="926640" cy="77040"/>
           </a:xfrm>
           <a:custGeom>
             <a:avLst/>

--- a/powerpoint files/Session3.pptx
+++ b/powerpoint files/Session3.pptx
@@ -120,6 +120,11 @@
       </a:defRPr>
     </a:lvl9pPr>
   </p:defaultTextStyle>
+  <p:extLst>
+    <p:ext uri="{EFAFB233-063F-42B5-8137-9DF3F51BA10A}">
+      <p15:sldGuideLst xmlns:p15="http://schemas.microsoft.com/office/powerpoint/2012/main"/>
+    </p:ext>
+  </p:extLst>
 </p:presentation>
 </file>
 
@@ -9906,7 +9911,7 @@
         </p:style>
         <p:txBody>
           <a:bodyPr lIns="90000" tIns="45000" rIns="90000" bIns="45000" anchor="ctr">
-            <a:normAutofit fontScale="54500" lnSpcReduction="10000"/>
+            <a:normAutofit fontScale="62000" lnSpcReduction="20000"/>
           </a:bodyPr>
           <a:lstStyle/>
           <a:p>
@@ -10355,7 +10360,7 @@
         </p:nvSpPr>
         <p:spPr>
           <a:xfrm>
-            <a:off x="457200" y="684000"/>
+            <a:off x="714652" y="0"/>
             <a:ext cx="8227800" cy="1143720"/>
           </a:xfrm>
           <a:prstGeom prst="rect">
@@ -10390,58 +10395,263 @@
               </a:lnSpc>
             </a:pPr>
             <a:r>
-              <a:rPr lang="en-US" sz="4400" b="0" strike="noStrike" spc="-1">
+              <a:rPr lang="en-US" sz="4400" b="0" strike="noStrike" spc="-1" dirty="0">
                 <a:solidFill>
                   <a:srgbClr val="000000"/>
                 </a:solidFill>
                 <a:latin typeface="Arial"/>
                 <a:ea typeface="DejaVu Sans"/>
               </a:rPr>
-              <a:t>PCA – how to plot and understand; scree plot?</a:t>
+              <a:t>Principal Component Analysis</a:t>
             </a:r>
-            <a:endParaRPr lang="en-GB" sz="4400" b="0" strike="noStrike" spc="-1">
-              <a:latin typeface="Arial"/>
-            </a:endParaRPr>
-          </a:p>
-        </p:txBody>
-      </p:sp>
-      <p:sp>
-        <p:nvSpPr>
-          <p:cNvPr id="235" name="CustomShape 2"/>
-          <p:cNvSpPr/>
+            <a:endParaRPr lang="en-GB" sz="4400" b="0" strike="noStrike" spc="-1" dirty="0">
+              <a:latin typeface="Arial"/>
+            </a:endParaRPr>
+          </a:p>
+        </p:txBody>
+      </p:sp>
+      <p:pic>
+        <p:nvPicPr>
+          <p:cNvPr id="3" name="Picture 2">
+            <a:extLst>
+              <a:ext uri="{FF2B5EF4-FFF2-40B4-BE49-F238E27FC236}">
+                <a16:creationId xmlns:a16="http://schemas.microsoft.com/office/drawing/2014/main" id="{25214D30-4290-4D1D-B327-EE3425B24545}"/>
+              </a:ext>
+            </a:extLst>
+          </p:cNvPr>
+          <p:cNvPicPr>
+            <a:picLocks noChangeAspect="1"/>
+          </p:cNvPicPr>
           <p:nvPr/>
-        </p:nvSpPr>
-        <p:spPr>
-          <a:xfrm>
-            <a:off x="457200" y="2002680"/>
-            <a:ext cx="8227800" cy="3577320"/>
+        </p:nvPicPr>
+        <p:blipFill>
+          <a:blip r:embed="rId2"/>
+          <a:stretch>
+            <a:fillRect/>
+          </a:stretch>
+        </p:blipFill>
+        <p:spPr>
+          <a:xfrm>
+            <a:off x="264552" y="1964963"/>
+            <a:ext cx="4921785" cy="2894505"/>
+          </a:xfrm>
+          <a:prstGeom prst="rect">
+            <a:avLst/>
+          </a:prstGeom>
+        </p:spPr>
+      </p:pic>
+      <p:sp>
+        <p:nvSpPr>
+          <p:cNvPr id="7" name="TextBox 6">
+            <a:extLst>
+              <a:ext uri="{FF2B5EF4-FFF2-40B4-BE49-F238E27FC236}">
+                <a16:creationId xmlns:a16="http://schemas.microsoft.com/office/drawing/2014/main" id="{4E1F50E1-DE63-43D2-ACAD-7277587E1AEF}"/>
+              </a:ext>
+            </a:extLst>
+          </p:cNvPr>
+          <p:cNvSpPr txBox="1"/>
+          <p:nvPr/>
+        </p:nvSpPr>
+        <p:spPr>
+          <a:xfrm>
+            <a:off x="2725445" y="6086281"/>
+            <a:ext cx="6217007" cy="276999"/>
           </a:xfrm>
           <a:prstGeom prst="rect">
             <a:avLst/>
           </a:prstGeom>
           <a:noFill/>
-          <a:ln>
-            <a:noFill/>
-          </a:ln>
-        </p:spPr>
-        <p:style>
-          <a:lnRef idx="0">
-            <a:scrgbClr r="0" g="0" b="0"/>
-          </a:lnRef>
-          <a:fillRef idx="0">
-            <a:scrgbClr r="0" g="0" b="0"/>
-          </a:fillRef>
-          <a:effectRef idx="0">
-            <a:scrgbClr r="0" g="0" b="0"/>
-          </a:effectRef>
-          <a:fontRef idx="minor"/>
-        </p:style>
+        </p:spPr>
+        <p:txBody>
+          <a:bodyPr wrap="square">
+            <a:spAutoFit/>
+          </a:bodyPr>
+          <a:lstStyle/>
+          <a:p>
+            <a:pPr algn="r"/>
+            <a:r>
+              <a:rPr lang="en-GB" sz="1200" dirty="0"/>
+              <a:t>https://builtin.com/data-science/step-step-explanation-principal-component-analysis</a:t>
+            </a:r>
+          </a:p>
+        </p:txBody>
+      </p:sp>
+      <p:pic>
+        <p:nvPicPr>
+          <p:cNvPr id="6" name="Picture 5">
+            <a:extLst>
+              <a:ext uri="{FF2B5EF4-FFF2-40B4-BE49-F238E27FC236}">
+                <a16:creationId xmlns:a16="http://schemas.microsoft.com/office/drawing/2014/main" id="{46EFB2A7-0C58-4273-9CE3-35433E6B01F0}"/>
+              </a:ext>
+            </a:extLst>
+          </p:cNvPr>
+          <p:cNvPicPr>
+            <a:picLocks noChangeAspect="1"/>
+          </p:cNvPicPr>
+          <p:nvPr/>
+        </p:nvPicPr>
+        <p:blipFill>
+          <a:blip r:embed="rId3"/>
+          <a:stretch>
+            <a:fillRect/>
+          </a:stretch>
+        </p:blipFill>
+        <p:spPr>
+          <a:xfrm>
+            <a:off x="5558295" y="1958029"/>
+            <a:ext cx="3321153" cy="2771413"/>
+          </a:xfrm>
+          <a:prstGeom prst="rect">
+            <a:avLst/>
+          </a:prstGeom>
+        </p:spPr>
+      </p:pic>
+      <p:sp>
+        <p:nvSpPr>
+          <p:cNvPr id="8" name="TextBox 7">
+            <a:extLst>
+              <a:ext uri="{FF2B5EF4-FFF2-40B4-BE49-F238E27FC236}">
+                <a16:creationId xmlns:a16="http://schemas.microsoft.com/office/drawing/2014/main" id="{DEE2ADB1-C29E-4D50-852F-883668F91491}"/>
+              </a:ext>
+            </a:extLst>
+          </p:cNvPr>
+          <p:cNvSpPr txBox="1"/>
+          <p:nvPr/>
+        </p:nvSpPr>
+        <p:spPr>
+          <a:xfrm>
+            <a:off x="5558295" y="1331650"/>
+            <a:ext cx="3321153" cy="646331"/>
+          </a:xfrm>
+          <a:prstGeom prst="rect">
+            <a:avLst/>
+          </a:prstGeom>
+          <a:noFill/>
+        </p:spPr>
+        <p:txBody>
+          <a:bodyPr wrap="square" rtlCol="0">
+            <a:spAutoFit/>
+          </a:bodyPr>
+          <a:lstStyle/>
+          <a:p>
+            <a:pPr algn="ctr"/>
+            <a:r>
+              <a:rPr lang="en-GB" dirty="0"/>
+              <a:t>How many components should you consider?</a:t>
+            </a:r>
+          </a:p>
+        </p:txBody>
       </p:sp>
     </p:spTree>
   </p:cSld>
   <p:clrMapOvr>
     <a:masterClrMapping/>
   </p:clrMapOvr>
+  <p:timing>
+    <p:tnLst>
+      <p:par>
+        <p:cTn id="1" dur="indefinite" restart="never" nodeType="tmRoot">
+          <p:childTnLst>
+            <p:seq concurrent="1" nextAc="seek">
+              <p:cTn id="2" dur="indefinite" nodeType="mainSeq">
+                <p:childTnLst>
+                  <p:par>
+                    <p:cTn id="3" fill="hold">
+                      <p:stCondLst>
+                        <p:cond delay="indefinite"/>
+                      </p:stCondLst>
+                      <p:childTnLst>
+                        <p:par>
+                          <p:cTn id="4" fill="hold">
+                            <p:stCondLst>
+                              <p:cond delay="0"/>
+                            </p:stCondLst>
+                            <p:childTnLst>
+                              <p:par>
+                                <p:cTn id="5" presetID="1" presetClass="entr" presetSubtype="0" fill="hold" nodeType="clickEffect">
+                                  <p:stCondLst>
+                                    <p:cond delay="0"/>
+                                  </p:stCondLst>
+                                  <p:childTnLst>
+                                    <p:set>
+                                      <p:cBhvr>
+                                        <p:cTn id="6" dur="1" fill="hold">
+                                          <p:stCondLst>
+                                            <p:cond delay="0"/>
+                                          </p:stCondLst>
+                                        </p:cTn>
+                                        <p:tgtEl>
+                                          <p:spTgt spid="6"/>
+                                        </p:tgtEl>
+                                        <p:attrNameLst>
+                                          <p:attrName>style.visibility</p:attrName>
+                                        </p:attrNameLst>
+                                      </p:cBhvr>
+                                      <p:to>
+                                        <p:strVal val="visible"/>
+                                      </p:to>
+                                    </p:set>
+                                  </p:childTnLst>
+                                </p:cTn>
+                              </p:par>
+                              <p:par>
+                                <p:cTn id="7" presetID="1" presetClass="entr" presetSubtype="0" fill="hold" grpId="0" nodeType="withEffect">
+                                  <p:stCondLst>
+                                    <p:cond delay="0"/>
+                                  </p:stCondLst>
+                                  <p:childTnLst>
+                                    <p:set>
+                                      <p:cBhvr>
+                                        <p:cTn id="8" dur="1" fill="hold">
+                                          <p:stCondLst>
+                                            <p:cond delay="0"/>
+                                          </p:stCondLst>
+                                        </p:cTn>
+                                        <p:tgtEl>
+                                          <p:spTgt spid="8"/>
+                                        </p:tgtEl>
+                                        <p:attrNameLst>
+                                          <p:attrName>style.visibility</p:attrName>
+                                        </p:attrNameLst>
+                                      </p:cBhvr>
+                                      <p:to>
+                                        <p:strVal val="visible"/>
+                                      </p:to>
+                                    </p:set>
+                                  </p:childTnLst>
+                                </p:cTn>
+                              </p:par>
+                            </p:childTnLst>
+                          </p:cTn>
+                        </p:par>
+                      </p:childTnLst>
+                    </p:cTn>
+                  </p:par>
+                </p:childTnLst>
+              </p:cTn>
+              <p:prevCondLst>
+                <p:cond evt="onPrev" delay="0">
+                  <p:tgtEl>
+                    <p:sldTgt/>
+                  </p:tgtEl>
+                </p:cond>
+              </p:prevCondLst>
+              <p:nextCondLst>
+                <p:cond evt="onNext" delay="0">
+                  <p:tgtEl>
+                    <p:sldTgt/>
+                  </p:tgtEl>
+                </p:cond>
+              </p:nextCondLst>
+            </p:seq>
+          </p:childTnLst>
+        </p:cTn>
+      </p:par>
+    </p:tnLst>
+    <p:bldLst>
+      <p:bldP spid="8" grpId="0"/>
+    </p:bldLst>
+  </p:timing>
 </p:sld>
 </file>
 
